--- a/01 Classes/Aula 05 - Computação em Nuvem e Web Services em Linux Bilhetagem.pptx
+++ b/01 Classes/Aula 05 - Computação em Nuvem e Web Services em Linux Bilhetagem.pptx
@@ -5,19 +5,33 @@
     <p:sldMasterId id="2147483648" r:id="rId1"/>
   </p:sldMasterIdLst>
   <p:notesMasterIdLst>
-    <p:notesMasterId r:id="rId12"/>
+    <p:notesMasterId r:id="rId26"/>
   </p:notesMasterIdLst>
   <p:sldIdLst>
     <p:sldId id="256" r:id="rId2"/>
     <p:sldId id="291" r:id="rId3"/>
     <p:sldId id="409" r:id="rId4"/>
-    <p:sldId id="411" r:id="rId5"/>
-    <p:sldId id="412" r:id="rId6"/>
-    <p:sldId id="408" r:id="rId7"/>
-    <p:sldId id="323" r:id="rId8"/>
-    <p:sldId id="334" r:id="rId9"/>
-    <p:sldId id="337" r:id="rId10"/>
-    <p:sldId id="309" r:id="rId11"/>
+    <p:sldId id="418" r:id="rId5"/>
+    <p:sldId id="419" r:id="rId6"/>
+    <p:sldId id="420" r:id="rId7"/>
+    <p:sldId id="421" r:id="rId8"/>
+    <p:sldId id="422" r:id="rId9"/>
+    <p:sldId id="415" r:id="rId10"/>
+    <p:sldId id="417" r:id="rId11"/>
+    <p:sldId id="411" r:id="rId12"/>
+    <p:sldId id="413" r:id="rId13"/>
+    <p:sldId id="414" r:id="rId14"/>
+    <p:sldId id="412" r:id="rId15"/>
+    <p:sldId id="423" r:id="rId16"/>
+    <p:sldId id="424" r:id="rId17"/>
+    <p:sldId id="425" r:id="rId18"/>
+    <p:sldId id="427" r:id="rId19"/>
+    <p:sldId id="428" r:id="rId20"/>
+    <p:sldId id="408" r:id="rId21"/>
+    <p:sldId id="323" r:id="rId22"/>
+    <p:sldId id="334" r:id="rId23"/>
+    <p:sldId id="337" r:id="rId24"/>
+    <p:sldId id="309" r:id="rId25"/>
   </p:sldIdLst>
   <p:sldSz cx="9144000" cy="5143500" type="screen16x9"/>
   <p:notesSz cx="6858000" cy="9144000"/>
@@ -564,6 +578,666 @@
 </p:notes>
 </file>
 
+<file path=ppt/notesSlides/notesSlide10.xml><?xml version="1.0" encoding="utf-8"?>
+<p:notes xmlns:a="http://schemas.openxmlformats.org/drawingml/2006/main" xmlns:r="http://schemas.openxmlformats.org/officeDocument/2006/relationships" xmlns:p="http://schemas.openxmlformats.org/presentationml/2006/main">
+  <p:cSld>
+    <p:spTree>
+      <p:nvGrpSpPr>
+        <p:cNvPr id="1" name=""/>
+        <p:cNvGrpSpPr/>
+        <p:nvPr/>
+      </p:nvGrpSpPr>
+      <p:grpSpPr>
+        <a:xfrm>
+          <a:off x="0" y="0"/>
+          <a:ext cx="0" cy="0"/>
+          <a:chOff x="0" y="0"/>
+          <a:chExt cx="0" cy="0"/>
+        </a:xfrm>
+      </p:grpSpPr>
+      <p:sp>
+        <p:nvSpPr>
+          <p:cNvPr id="2" name="Espaço Reservado para Imagem de Slide 1"/>
+          <p:cNvSpPr>
+            <a:spLocks noGrp="1" noRot="1" noChangeAspect="1"/>
+          </p:cNvSpPr>
+          <p:nvPr>
+            <p:ph type="sldImg"/>
+          </p:nvPr>
+        </p:nvSpPr>
+        <p:spPr>
+          <a:xfrm>
+            <a:off x="381000" y="685800"/>
+            <a:ext cx="6096000" cy="3429000"/>
+          </a:xfrm>
+        </p:spPr>
+      </p:sp>
+      <p:sp>
+        <p:nvSpPr>
+          <p:cNvPr id="3" name="Espaço Reservado para Anotações 2"/>
+          <p:cNvSpPr>
+            <a:spLocks noGrp="1"/>
+          </p:cNvSpPr>
+          <p:nvPr>
+            <p:ph type="body" idx="1"/>
+          </p:nvPr>
+        </p:nvSpPr>
+        <p:spPr/>
+        <p:txBody>
+          <a:bodyPr/>
+          <a:lstStyle/>
+          <a:p>
+            <a:endParaRPr lang="pt-BR" dirty="0"/>
+          </a:p>
+        </p:txBody>
+      </p:sp>
+    </p:spTree>
+    <p:extLst>
+      <p:ext uri="{BB962C8B-B14F-4D97-AF65-F5344CB8AC3E}">
+        <p14:creationId xmlns:p14="http://schemas.microsoft.com/office/powerpoint/2010/main" val="1218377898"/>
+      </p:ext>
+    </p:extLst>
+  </p:cSld>
+  <p:clrMapOvr>
+    <a:masterClrMapping/>
+  </p:clrMapOvr>
+</p:notes>
+</file>
+
+<file path=ppt/notesSlides/notesSlide11.xml><?xml version="1.0" encoding="utf-8"?>
+<p:notes xmlns:a="http://schemas.openxmlformats.org/drawingml/2006/main" xmlns:r="http://schemas.openxmlformats.org/officeDocument/2006/relationships" xmlns:p="http://schemas.openxmlformats.org/presentationml/2006/main">
+  <p:cSld>
+    <p:spTree>
+      <p:nvGrpSpPr>
+        <p:cNvPr id="1" name=""/>
+        <p:cNvGrpSpPr/>
+        <p:nvPr/>
+      </p:nvGrpSpPr>
+      <p:grpSpPr>
+        <a:xfrm>
+          <a:off x="0" y="0"/>
+          <a:ext cx="0" cy="0"/>
+          <a:chOff x="0" y="0"/>
+          <a:chExt cx="0" cy="0"/>
+        </a:xfrm>
+      </p:grpSpPr>
+      <p:sp>
+        <p:nvSpPr>
+          <p:cNvPr id="2" name="Espaço Reservado para Imagem de Slide 1"/>
+          <p:cNvSpPr>
+            <a:spLocks noGrp="1" noRot="1" noChangeAspect="1"/>
+          </p:cNvSpPr>
+          <p:nvPr>
+            <p:ph type="sldImg"/>
+          </p:nvPr>
+        </p:nvSpPr>
+        <p:spPr>
+          <a:xfrm>
+            <a:off x="381000" y="685800"/>
+            <a:ext cx="6096000" cy="3429000"/>
+          </a:xfrm>
+        </p:spPr>
+      </p:sp>
+      <p:sp>
+        <p:nvSpPr>
+          <p:cNvPr id="3" name="Espaço Reservado para Anotações 2"/>
+          <p:cNvSpPr>
+            <a:spLocks noGrp="1"/>
+          </p:cNvSpPr>
+          <p:nvPr>
+            <p:ph type="body" idx="1"/>
+          </p:nvPr>
+        </p:nvSpPr>
+        <p:spPr/>
+        <p:txBody>
+          <a:bodyPr/>
+          <a:lstStyle/>
+          <a:p>
+            <a:endParaRPr lang="pt-BR" dirty="0"/>
+          </a:p>
+        </p:txBody>
+      </p:sp>
+    </p:spTree>
+    <p:extLst>
+      <p:ext uri="{BB962C8B-B14F-4D97-AF65-F5344CB8AC3E}">
+        <p14:creationId xmlns:p14="http://schemas.microsoft.com/office/powerpoint/2010/main" val="1182973062"/>
+      </p:ext>
+    </p:extLst>
+  </p:cSld>
+  <p:clrMapOvr>
+    <a:masterClrMapping/>
+  </p:clrMapOvr>
+</p:notes>
+</file>
+
+<file path=ppt/notesSlides/notesSlide12.xml><?xml version="1.0" encoding="utf-8"?>
+<p:notes xmlns:a="http://schemas.openxmlformats.org/drawingml/2006/main" xmlns:r="http://schemas.openxmlformats.org/officeDocument/2006/relationships" xmlns:p="http://schemas.openxmlformats.org/presentationml/2006/main">
+  <p:cSld>
+    <p:spTree>
+      <p:nvGrpSpPr>
+        <p:cNvPr id="1" name=""/>
+        <p:cNvGrpSpPr/>
+        <p:nvPr/>
+      </p:nvGrpSpPr>
+      <p:grpSpPr>
+        <a:xfrm>
+          <a:off x="0" y="0"/>
+          <a:ext cx="0" cy="0"/>
+          <a:chOff x="0" y="0"/>
+          <a:chExt cx="0" cy="0"/>
+        </a:xfrm>
+      </p:grpSpPr>
+      <p:sp>
+        <p:nvSpPr>
+          <p:cNvPr id="2" name="Espaço Reservado para Imagem de Slide 1"/>
+          <p:cNvSpPr>
+            <a:spLocks noGrp="1" noRot="1" noChangeAspect="1"/>
+          </p:cNvSpPr>
+          <p:nvPr>
+            <p:ph type="sldImg"/>
+          </p:nvPr>
+        </p:nvSpPr>
+        <p:spPr>
+          <a:xfrm>
+            <a:off x="381000" y="685800"/>
+            <a:ext cx="6096000" cy="3429000"/>
+          </a:xfrm>
+        </p:spPr>
+      </p:sp>
+      <p:sp>
+        <p:nvSpPr>
+          <p:cNvPr id="3" name="Espaço Reservado para Anotações 2"/>
+          <p:cNvSpPr>
+            <a:spLocks noGrp="1"/>
+          </p:cNvSpPr>
+          <p:nvPr>
+            <p:ph type="body" idx="1"/>
+          </p:nvPr>
+        </p:nvSpPr>
+        <p:spPr/>
+        <p:txBody>
+          <a:bodyPr/>
+          <a:lstStyle/>
+          <a:p>
+            <a:endParaRPr lang="pt-BR" dirty="0"/>
+          </a:p>
+        </p:txBody>
+      </p:sp>
+    </p:spTree>
+    <p:extLst>
+      <p:ext uri="{BB962C8B-B14F-4D97-AF65-F5344CB8AC3E}">
+        <p14:creationId xmlns:p14="http://schemas.microsoft.com/office/powerpoint/2010/main" val="2339930032"/>
+      </p:ext>
+    </p:extLst>
+  </p:cSld>
+  <p:clrMapOvr>
+    <a:masterClrMapping/>
+  </p:clrMapOvr>
+</p:notes>
+</file>
+
+<file path=ppt/notesSlides/notesSlide13.xml><?xml version="1.0" encoding="utf-8"?>
+<p:notes xmlns:a="http://schemas.openxmlformats.org/drawingml/2006/main" xmlns:r="http://schemas.openxmlformats.org/officeDocument/2006/relationships" xmlns:p="http://schemas.openxmlformats.org/presentationml/2006/main">
+  <p:cSld>
+    <p:spTree>
+      <p:nvGrpSpPr>
+        <p:cNvPr id="1" name=""/>
+        <p:cNvGrpSpPr/>
+        <p:nvPr/>
+      </p:nvGrpSpPr>
+      <p:grpSpPr>
+        <a:xfrm>
+          <a:off x="0" y="0"/>
+          <a:ext cx="0" cy="0"/>
+          <a:chOff x="0" y="0"/>
+          <a:chExt cx="0" cy="0"/>
+        </a:xfrm>
+      </p:grpSpPr>
+      <p:sp>
+        <p:nvSpPr>
+          <p:cNvPr id="2" name="Espaço Reservado para Imagem de Slide 1"/>
+          <p:cNvSpPr>
+            <a:spLocks noGrp="1" noRot="1" noChangeAspect="1"/>
+          </p:cNvSpPr>
+          <p:nvPr>
+            <p:ph type="sldImg"/>
+          </p:nvPr>
+        </p:nvSpPr>
+        <p:spPr>
+          <a:xfrm>
+            <a:off x="381000" y="685800"/>
+            <a:ext cx="6096000" cy="3429000"/>
+          </a:xfrm>
+        </p:spPr>
+      </p:sp>
+      <p:sp>
+        <p:nvSpPr>
+          <p:cNvPr id="3" name="Espaço Reservado para Anotações 2"/>
+          <p:cNvSpPr>
+            <a:spLocks noGrp="1"/>
+          </p:cNvSpPr>
+          <p:nvPr>
+            <p:ph type="body" idx="1"/>
+          </p:nvPr>
+        </p:nvSpPr>
+        <p:spPr/>
+        <p:txBody>
+          <a:bodyPr/>
+          <a:lstStyle/>
+          <a:p>
+            <a:endParaRPr lang="pt-BR" dirty="0"/>
+          </a:p>
+        </p:txBody>
+      </p:sp>
+    </p:spTree>
+    <p:extLst>
+      <p:ext uri="{BB962C8B-B14F-4D97-AF65-F5344CB8AC3E}">
+        <p14:creationId xmlns:p14="http://schemas.microsoft.com/office/powerpoint/2010/main" val="2856459020"/>
+      </p:ext>
+    </p:extLst>
+  </p:cSld>
+  <p:clrMapOvr>
+    <a:masterClrMapping/>
+  </p:clrMapOvr>
+</p:notes>
+</file>
+
+<file path=ppt/notesSlides/notesSlide14.xml><?xml version="1.0" encoding="utf-8"?>
+<p:notes xmlns:a="http://schemas.openxmlformats.org/drawingml/2006/main" xmlns:r="http://schemas.openxmlformats.org/officeDocument/2006/relationships" xmlns:p="http://schemas.openxmlformats.org/presentationml/2006/main">
+  <p:cSld>
+    <p:spTree>
+      <p:nvGrpSpPr>
+        <p:cNvPr id="1" name=""/>
+        <p:cNvGrpSpPr/>
+        <p:nvPr/>
+      </p:nvGrpSpPr>
+      <p:grpSpPr>
+        <a:xfrm>
+          <a:off x="0" y="0"/>
+          <a:ext cx="0" cy="0"/>
+          <a:chOff x="0" y="0"/>
+          <a:chExt cx="0" cy="0"/>
+        </a:xfrm>
+      </p:grpSpPr>
+      <p:sp>
+        <p:nvSpPr>
+          <p:cNvPr id="2" name="Espaço Reservado para Imagem de Slide 1"/>
+          <p:cNvSpPr>
+            <a:spLocks noGrp="1" noRot="1" noChangeAspect="1"/>
+          </p:cNvSpPr>
+          <p:nvPr>
+            <p:ph type="sldImg"/>
+          </p:nvPr>
+        </p:nvSpPr>
+        <p:spPr>
+          <a:xfrm>
+            <a:off x="381000" y="685800"/>
+            <a:ext cx="6096000" cy="3429000"/>
+          </a:xfrm>
+        </p:spPr>
+      </p:sp>
+      <p:sp>
+        <p:nvSpPr>
+          <p:cNvPr id="3" name="Espaço Reservado para Anotações 2"/>
+          <p:cNvSpPr>
+            <a:spLocks noGrp="1"/>
+          </p:cNvSpPr>
+          <p:nvPr>
+            <p:ph type="body" idx="1"/>
+          </p:nvPr>
+        </p:nvSpPr>
+        <p:spPr/>
+        <p:txBody>
+          <a:bodyPr/>
+          <a:lstStyle/>
+          <a:p>
+            <a:endParaRPr lang="pt-BR" dirty="0"/>
+          </a:p>
+        </p:txBody>
+      </p:sp>
+    </p:spTree>
+    <p:extLst>
+      <p:ext uri="{BB962C8B-B14F-4D97-AF65-F5344CB8AC3E}">
+        <p14:creationId xmlns:p14="http://schemas.microsoft.com/office/powerpoint/2010/main" val="685967214"/>
+      </p:ext>
+    </p:extLst>
+  </p:cSld>
+  <p:clrMapOvr>
+    <a:masterClrMapping/>
+  </p:clrMapOvr>
+</p:notes>
+</file>
+
+<file path=ppt/notesSlides/notesSlide15.xml><?xml version="1.0" encoding="utf-8"?>
+<p:notes xmlns:a="http://schemas.openxmlformats.org/drawingml/2006/main" xmlns:r="http://schemas.openxmlformats.org/officeDocument/2006/relationships" xmlns:p="http://schemas.openxmlformats.org/presentationml/2006/main">
+  <p:cSld>
+    <p:spTree>
+      <p:nvGrpSpPr>
+        <p:cNvPr id="1" name=""/>
+        <p:cNvGrpSpPr/>
+        <p:nvPr/>
+      </p:nvGrpSpPr>
+      <p:grpSpPr>
+        <a:xfrm>
+          <a:off x="0" y="0"/>
+          <a:ext cx="0" cy="0"/>
+          <a:chOff x="0" y="0"/>
+          <a:chExt cx="0" cy="0"/>
+        </a:xfrm>
+      </p:grpSpPr>
+      <p:sp>
+        <p:nvSpPr>
+          <p:cNvPr id="2" name="Espaço Reservado para Imagem de Slide 1"/>
+          <p:cNvSpPr>
+            <a:spLocks noGrp="1" noRot="1" noChangeAspect="1"/>
+          </p:cNvSpPr>
+          <p:nvPr>
+            <p:ph type="sldImg"/>
+          </p:nvPr>
+        </p:nvSpPr>
+        <p:spPr>
+          <a:xfrm>
+            <a:off x="381000" y="685800"/>
+            <a:ext cx="6096000" cy="3429000"/>
+          </a:xfrm>
+        </p:spPr>
+      </p:sp>
+      <p:sp>
+        <p:nvSpPr>
+          <p:cNvPr id="3" name="Espaço Reservado para Anotações 2"/>
+          <p:cNvSpPr>
+            <a:spLocks noGrp="1"/>
+          </p:cNvSpPr>
+          <p:nvPr>
+            <p:ph type="body" idx="1"/>
+          </p:nvPr>
+        </p:nvSpPr>
+        <p:spPr/>
+        <p:txBody>
+          <a:bodyPr/>
+          <a:lstStyle/>
+          <a:p>
+            <a:endParaRPr lang="pt-BR" dirty="0"/>
+          </a:p>
+        </p:txBody>
+      </p:sp>
+    </p:spTree>
+    <p:extLst>
+      <p:ext uri="{BB962C8B-B14F-4D97-AF65-F5344CB8AC3E}">
+        <p14:creationId xmlns:p14="http://schemas.microsoft.com/office/powerpoint/2010/main" val="553307359"/>
+      </p:ext>
+    </p:extLst>
+  </p:cSld>
+  <p:clrMapOvr>
+    <a:masterClrMapping/>
+  </p:clrMapOvr>
+</p:notes>
+</file>
+
+<file path=ppt/notesSlides/notesSlide16.xml><?xml version="1.0" encoding="utf-8"?>
+<p:notes xmlns:a="http://schemas.openxmlformats.org/drawingml/2006/main" xmlns:r="http://schemas.openxmlformats.org/officeDocument/2006/relationships" xmlns:p="http://schemas.openxmlformats.org/presentationml/2006/main">
+  <p:cSld>
+    <p:spTree>
+      <p:nvGrpSpPr>
+        <p:cNvPr id="1" name=""/>
+        <p:cNvGrpSpPr/>
+        <p:nvPr/>
+      </p:nvGrpSpPr>
+      <p:grpSpPr>
+        <a:xfrm>
+          <a:off x="0" y="0"/>
+          <a:ext cx="0" cy="0"/>
+          <a:chOff x="0" y="0"/>
+          <a:chExt cx="0" cy="0"/>
+        </a:xfrm>
+      </p:grpSpPr>
+      <p:sp>
+        <p:nvSpPr>
+          <p:cNvPr id="2" name="Espaço Reservado para Imagem de Slide 1"/>
+          <p:cNvSpPr>
+            <a:spLocks noGrp="1" noRot="1" noChangeAspect="1"/>
+          </p:cNvSpPr>
+          <p:nvPr>
+            <p:ph type="sldImg"/>
+          </p:nvPr>
+        </p:nvSpPr>
+        <p:spPr>
+          <a:xfrm>
+            <a:off x="381000" y="685800"/>
+            <a:ext cx="6096000" cy="3429000"/>
+          </a:xfrm>
+        </p:spPr>
+      </p:sp>
+      <p:sp>
+        <p:nvSpPr>
+          <p:cNvPr id="3" name="Espaço Reservado para Anotações 2"/>
+          <p:cNvSpPr>
+            <a:spLocks noGrp="1"/>
+          </p:cNvSpPr>
+          <p:nvPr>
+            <p:ph type="body" idx="1"/>
+          </p:nvPr>
+        </p:nvSpPr>
+        <p:spPr/>
+        <p:txBody>
+          <a:bodyPr/>
+          <a:lstStyle/>
+          <a:p>
+            <a:endParaRPr lang="pt-BR" dirty="0"/>
+          </a:p>
+        </p:txBody>
+      </p:sp>
+    </p:spTree>
+    <p:extLst>
+      <p:ext uri="{BB962C8B-B14F-4D97-AF65-F5344CB8AC3E}">
+        <p14:creationId xmlns:p14="http://schemas.microsoft.com/office/powerpoint/2010/main" val="2851242896"/>
+      </p:ext>
+    </p:extLst>
+  </p:cSld>
+  <p:clrMapOvr>
+    <a:masterClrMapping/>
+  </p:clrMapOvr>
+</p:notes>
+</file>
+
+<file path=ppt/notesSlides/notesSlide17.xml><?xml version="1.0" encoding="utf-8"?>
+<p:notes xmlns:a="http://schemas.openxmlformats.org/drawingml/2006/main" xmlns:r="http://schemas.openxmlformats.org/officeDocument/2006/relationships" xmlns:p="http://schemas.openxmlformats.org/presentationml/2006/main">
+  <p:cSld>
+    <p:spTree>
+      <p:nvGrpSpPr>
+        <p:cNvPr id="1" name=""/>
+        <p:cNvGrpSpPr/>
+        <p:nvPr/>
+      </p:nvGrpSpPr>
+      <p:grpSpPr>
+        <a:xfrm>
+          <a:off x="0" y="0"/>
+          <a:ext cx="0" cy="0"/>
+          <a:chOff x="0" y="0"/>
+          <a:chExt cx="0" cy="0"/>
+        </a:xfrm>
+      </p:grpSpPr>
+      <p:sp>
+        <p:nvSpPr>
+          <p:cNvPr id="2" name="Espaço Reservado para Imagem de Slide 1"/>
+          <p:cNvSpPr>
+            <a:spLocks noGrp="1" noRot="1" noChangeAspect="1"/>
+          </p:cNvSpPr>
+          <p:nvPr>
+            <p:ph type="sldImg"/>
+          </p:nvPr>
+        </p:nvSpPr>
+        <p:spPr>
+          <a:xfrm>
+            <a:off x="381000" y="685800"/>
+            <a:ext cx="6096000" cy="3429000"/>
+          </a:xfrm>
+        </p:spPr>
+      </p:sp>
+      <p:sp>
+        <p:nvSpPr>
+          <p:cNvPr id="3" name="Espaço Reservado para Anotações 2"/>
+          <p:cNvSpPr>
+            <a:spLocks noGrp="1"/>
+          </p:cNvSpPr>
+          <p:nvPr>
+            <p:ph type="body" idx="1"/>
+          </p:nvPr>
+        </p:nvSpPr>
+        <p:spPr/>
+        <p:txBody>
+          <a:bodyPr/>
+          <a:lstStyle/>
+          <a:p>
+            <a:endParaRPr lang="pt-BR" dirty="0"/>
+          </a:p>
+        </p:txBody>
+      </p:sp>
+    </p:spTree>
+    <p:extLst>
+      <p:ext uri="{BB962C8B-B14F-4D97-AF65-F5344CB8AC3E}">
+        <p14:creationId xmlns:p14="http://schemas.microsoft.com/office/powerpoint/2010/main" val="4044690818"/>
+      </p:ext>
+    </p:extLst>
+  </p:cSld>
+  <p:clrMapOvr>
+    <a:masterClrMapping/>
+  </p:clrMapOvr>
+</p:notes>
+</file>
+
+<file path=ppt/notesSlides/notesSlide18.xml><?xml version="1.0" encoding="utf-8"?>
+<p:notes xmlns:a="http://schemas.openxmlformats.org/drawingml/2006/main" xmlns:r="http://schemas.openxmlformats.org/officeDocument/2006/relationships" xmlns:p="http://schemas.openxmlformats.org/presentationml/2006/main">
+  <p:cSld>
+    <p:spTree>
+      <p:nvGrpSpPr>
+        <p:cNvPr id="1" name=""/>
+        <p:cNvGrpSpPr/>
+        <p:nvPr/>
+      </p:nvGrpSpPr>
+      <p:grpSpPr>
+        <a:xfrm>
+          <a:off x="0" y="0"/>
+          <a:ext cx="0" cy="0"/>
+          <a:chOff x="0" y="0"/>
+          <a:chExt cx="0" cy="0"/>
+        </a:xfrm>
+      </p:grpSpPr>
+      <p:sp>
+        <p:nvSpPr>
+          <p:cNvPr id="2" name="Espaço Reservado para Imagem de Slide 1"/>
+          <p:cNvSpPr>
+            <a:spLocks noGrp="1" noRot="1" noChangeAspect="1"/>
+          </p:cNvSpPr>
+          <p:nvPr>
+            <p:ph type="sldImg"/>
+          </p:nvPr>
+        </p:nvSpPr>
+        <p:spPr>
+          <a:xfrm>
+            <a:off x="381000" y="685800"/>
+            <a:ext cx="6096000" cy="3429000"/>
+          </a:xfrm>
+        </p:spPr>
+      </p:sp>
+      <p:sp>
+        <p:nvSpPr>
+          <p:cNvPr id="3" name="Espaço Reservado para Anotações 2"/>
+          <p:cNvSpPr>
+            <a:spLocks noGrp="1"/>
+          </p:cNvSpPr>
+          <p:nvPr>
+            <p:ph type="body" idx="1"/>
+          </p:nvPr>
+        </p:nvSpPr>
+        <p:spPr/>
+        <p:txBody>
+          <a:bodyPr/>
+          <a:lstStyle/>
+          <a:p>
+            <a:endParaRPr lang="pt-BR" dirty="0"/>
+          </a:p>
+        </p:txBody>
+      </p:sp>
+    </p:spTree>
+    <p:extLst>
+      <p:ext uri="{BB962C8B-B14F-4D97-AF65-F5344CB8AC3E}">
+        <p14:creationId xmlns:p14="http://schemas.microsoft.com/office/powerpoint/2010/main" val="329478467"/>
+      </p:ext>
+    </p:extLst>
+  </p:cSld>
+  <p:clrMapOvr>
+    <a:masterClrMapping/>
+  </p:clrMapOvr>
+</p:notes>
+</file>
+
+<file path=ppt/notesSlides/notesSlide19.xml><?xml version="1.0" encoding="utf-8"?>
+<p:notes xmlns:a="http://schemas.openxmlformats.org/drawingml/2006/main" xmlns:r="http://schemas.openxmlformats.org/officeDocument/2006/relationships" xmlns:p="http://schemas.openxmlformats.org/presentationml/2006/main">
+  <p:cSld>
+    <p:spTree>
+      <p:nvGrpSpPr>
+        <p:cNvPr id="1" name=""/>
+        <p:cNvGrpSpPr/>
+        <p:nvPr/>
+      </p:nvGrpSpPr>
+      <p:grpSpPr>
+        <a:xfrm>
+          <a:off x="0" y="0"/>
+          <a:ext cx="0" cy="0"/>
+          <a:chOff x="0" y="0"/>
+          <a:chExt cx="0" cy="0"/>
+        </a:xfrm>
+      </p:grpSpPr>
+      <p:sp>
+        <p:nvSpPr>
+          <p:cNvPr id="2" name="Espaço Reservado para Imagem de Slide 1"/>
+          <p:cNvSpPr>
+            <a:spLocks noGrp="1" noRot="1" noChangeAspect="1"/>
+          </p:cNvSpPr>
+          <p:nvPr>
+            <p:ph type="sldImg"/>
+          </p:nvPr>
+        </p:nvSpPr>
+        <p:spPr>
+          <a:xfrm>
+            <a:off x="381000" y="685800"/>
+            <a:ext cx="6096000" cy="3429000"/>
+          </a:xfrm>
+        </p:spPr>
+      </p:sp>
+      <p:sp>
+        <p:nvSpPr>
+          <p:cNvPr id="3" name="Espaço Reservado para Anotações 2"/>
+          <p:cNvSpPr>
+            <a:spLocks noGrp="1"/>
+          </p:cNvSpPr>
+          <p:nvPr>
+            <p:ph type="body" idx="1"/>
+          </p:nvPr>
+        </p:nvSpPr>
+        <p:spPr/>
+        <p:txBody>
+          <a:bodyPr/>
+          <a:lstStyle/>
+          <a:p>
+            <a:endParaRPr lang="pt-BR" dirty="0"/>
+          </a:p>
+        </p:txBody>
+      </p:sp>
+    </p:spTree>
+    <p:extLst>
+      <p:ext uri="{BB962C8B-B14F-4D97-AF65-F5344CB8AC3E}">
+        <p14:creationId xmlns:p14="http://schemas.microsoft.com/office/powerpoint/2010/main" val="3886978698"/>
+      </p:ext>
+    </p:extLst>
+  </p:cSld>
+  <p:clrMapOvr>
+    <a:masterClrMapping/>
+  </p:clrMapOvr>
+</p:notes>
+</file>
+
 <file path=ppt/notesSlides/notesSlide2.xml><?xml version="1.0" encoding="utf-8"?>
 <p:notes xmlns:a="http://schemas.openxmlformats.org/drawingml/2006/main" xmlns:r="http://schemas.openxmlformats.org/officeDocument/2006/relationships" xmlns:p="http://schemas.openxmlformats.org/presentationml/2006/main">
   <p:cSld>
@@ -621,6 +1295,204 @@
     <p:extLst>
       <p:ext uri="{BB962C8B-B14F-4D97-AF65-F5344CB8AC3E}">
         <p14:creationId xmlns:p14="http://schemas.microsoft.com/office/powerpoint/2010/main" val="2076203223"/>
+      </p:ext>
+    </p:extLst>
+  </p:cSld>
+  <p:clrMapOvr>
+    <a:masterClrMapping/>
+  </p:clrMapOvr>
+</p:notes>
+</file>
+
+<file path=ppt/notesSlides/notesSlide20.xml><?xml version="1.0" encoding="utf-8"?>
+<p:notes xmlns:a="http://schemas.openxmlformats.org/drawingml/2006/main" xmlns:r="http://schemas.openxmlformats.org/officeDocument/2006/relationships" xmlns:p="http://schemas.openxmlformats.org/presentationml/2006/main">
+  <p:cSld>
+    <p:spTree>
+      <p:nvGrpSpPr>
+        <p:cNvPr id="1" name=""/>
+        <p:cNvGrpSpPr/>
+        <p:nvPr/>
+      </p:nvGrpSpPr>
+      <p:grpSpPr>
+        <a:xfrm>
+          <a:off x="0" y="0"/>
+          <a:ext cx="0" cy="0"/>
+          <a:chOff x="0" y="0"/>
+          <a:chExt cx="0" cy="0"/>
+        </a:xfrm>
+      </p:grpSpPr>
+      <p:sp>
+        <p:nvSpPr>
+          <p:cNvPr id="2" name="Espaço Reservado para Imagem de Slide 1"/>
+          <p:cNvSpPr>
+            <a:spLocks noGrp="1" noRot="1" noChangeAspect="1"/>
+          </p:cNvSpPr>
+          <p:nvPr>
+            <p:ph type="sldImg"/>
+          </p:nvPr>
+        </p:nvSpPr>
+        <p:spPr>
+          <a:xfrm>
+            <a:off x="381000" y="685800"/>
+            <a:ext cx="6096000" cy="3429000"/>
+          </a:xfrm>
+        </p:spPr>
+      </p:sp>
+      <p:sp>
+        <p:nvSpPr>
+          <p:cNvPr id="3" name="Espaço Reservado para Anotações 2"/>
+          <p:cNvSpPr>
+            <a:spLocks noGrp="1"/>
+          </p:cNvSpPr>
+          <p:nvPr>
+            <p:ph type="body" idx="1"/>
+          </p:nvPr>
+        </p:nvSpPr>
+        <p:spPr/>
+        <p:txBody>
+          <a:bodyPr/>
+          <a:lstStyle/>
+          <a:p>
+            <a:endParaRPr lang="pt-BR" dirty="0"/>
+          </a:p>
+        </p:txBody>
+      </p:sp>
+    </p:spTree>
+    <p:extLst>
+      <p:ext uri="{BB962C8B-B14F-4D97-AF65-F5344CB8AC3E}">
+        <p14:creationId xmlns:p14="http://schemas.microsoft.com/office/powerpoint/2010/main" val="2709569597"/>
+      </p:ext>
+    </p:extLst>
+  </p:cSld>
+  <p:clrMapOvr>
+    <a:masterClrMapping/>
+  </p:clrMapOvr>
+</p:notes>
+</file>
+
+<file path=ppt/notesSlides/notesSlide21.xml><?xml version="1.0" encoding="utf-8"?>
+<p:notes xmlns:a="http://schemas.openxmlformats.org/drawingml/2006/main" xmlns:r="http://schemas.openxmlformats.org/officeDocument/2006/relationships" xmlns:p="http://schemas.openxmlformats.org/presentationml/2006/main">
+  <p:cSld>
+    <p:spTree>
+      <p:nvGrpSpPr>
+        <p:cNvPr id="1" name=""/>
+        <p:cNvGrpSpPr/>
+        <p:nvPr/>
+      </p:nvGrpSpPr>
+      <p:grpSpPr>
+        <a:xfrm>
+          <a:off x="0" y="0"/>
+          <a:ext cx="0" cy="0"/>
+          <a:chOff x="0" y="0"/>
+          <a:chExt cx="0" cy="0"/>
+        </a:xfrm>
+      </p:grpSpPr>
+      <p:sp>
+        <p:nvSpPr>
+          <p:cNvPr id="2" name="Espaço Reservado para Imagem de Slide 1"/>
+          <p:cNvSpPr>
+            <a:spLocks noGrp="1" noRot="1" noChangeAspect="1"/>
+          </p:cNvSpPr>
+          <p:nvPr>
+            <p:ph type="sldImg"/>
+          </p:nvPr>
+        </p:nvSpPr>
+        <p:spPr>
+          <a:xfrm>
+            <a:off x="381000" y="685800"/>
+            <a:ext cx="6096000" cy="3429000"/>
+          </a:xfrm>
+        </p:spPr>
+      </p:sp>
+      <p:sp>
+        <p:nvSpPr>
+          <p:cNvPr id="3" name="Espaço Reservado para Anotações 2"/>
+          <p:cNvSpPr>
+            <a:spLocks noGrp="1"/>
+          </p:cNvSpPr>
+          <p:nvPr>
+            <p:ph type="body" idx="1"/>
+          </p:nvPr>
+        </p:nvSpPr>
+        <p:spPr/>
+        <p:txBody>
+          <a:bodyPr/>
+          <a:lstStyle/>
+          <a:p>
+            <a:endParaRPr lang="pt-BR" dirty="0"/>
+          </a:p>
+        </p:txBody>
+      </p:sp>
+    </p:spTree>
+    <p:extLst>
+      <p:ext uri="{BB962C8B-B14F-4D97-AF65-F5344CB8AC3E}">
+        <p14:creationId xmlns:p14="http://schemas.microsoft.com/office/powerpoint/2010/main" val="2296249050"/>
+      </p:ext>
+    </p:extLst>
+  </p:cSld>
+  <p:clrMapOvr>
+    <a:masterClrMapping/>
+  </p:clrMapOvr>
+</p:notes>
+</file>
+
+<file path=ppt/notesSlides/notesSlide22.xml><?xml version="1.0" encoding="utf-8"?>
+<p:notes xmlns:a="http://schemas.openxmlformats.org/drawingml/2006/main" xmlns:r="http://schemas.openxmlformats.org/officeDocument/2006/relationships" xmlns:p="http://schemas.openxmlformats.org/presentationml/2006/main">
+  <p:cSld>
+    <p:spTree>
+      <p:nvGrpSpPr>
+        <p:cNvPr id="1" name=""/>
+        <p:cNvGrpSpPr/>
+        <p:nvPr/>
+      </p:nvGrpSpPr>
+      <p:grpSpPr>
+        <a:xfrm>
+          <a:off x="0" y="0"/>
+          <a:ext cx="0" cy="0"/>
+          <a:chOff x="0" y="0"/>
+          <a:chExt cx="0" cy="0"/>
+        </a:xfrm>
+      </p:grpSpPr>
+      <p:sp>
+        <p:nvSpPr>
+          <p:cNvPr id="2" name="Espaço Reservado para Imagem de Slide 1"/>
+          <p:cNvSpPr>
+            <a:spLocks noGrp="1" noRot="1" noChangeAspect="1"/>
+          </p:cNvSpPr>
+          <p:nvPr>
+            <p:ph type="sldImg"/>
+          </p:nvPr>
+        </p:nvSpPr>
+        <p:spPr>
+          <a:xfrm>
+            <a:off x="381000" y="685800"/>
+            <a:ext cx="6096000" cy="3429000"/>
+          </a:xfrm>
+        </p:spPr>
+      </p:sp>
+      <p:sp>
+        <p:nvSpPr>
+          <p:cNvPr id="3" name="Espaço Reservado para Anotações 2"/>
+          <p:cNvSpPr>
+            <a:spLocks noGrp="1"/>
+          </p:cNvSpPr>
+          <p:nvPr>
+            <p:ph type="body" idx="1"/>
+          </p:nvPr>
+        </p:nvSpPr>
+        <p:spPr/>
+        <p:txBody>
+          <a:bodyPr/>
+          <a:lstStyle/>
+          <a:p>
+            <a:endParaRPr lang="pt-BR" dirty="0"/>
+          </a:p>
+        </p:txBody>
+      </p:sp>
+    </p:spTree>
+    <p:extLst>
+      <p:ext uri="{BB962C8B-B14F-4D97-AF65-F5344CB8AC3E}">
+        <p14:creationId xmlns:p14="http://schemas.microsoft.com/office/powerpoint/2010/main" val="4290351292"/>
       </p:ext>
     </p:extLst>
   </p:cSld>
@@ -686,7 +1558,7 @@
     </p:spTree>
     <p:extLst>
       <p:ext uri="{BB962C8B-B14F-4D97-AF65-F5344CB8AC3E}">
-        <p14:creationId xmlns:p14="http://schemas.microsoft.com/office/powerpoint/2010/main" val="1218377898"/>
+        <p14:creationId xmlns:p14="http://schemas.microsoft.com/office/powerpoint/2010/main" val="2472649533"/>
       </p:ext>
     </p:extLst>
   </p:cSld>
@@ -752,7 +1624,7 @@
     </p:spTree>
     <p:extLst>
       <p:ext uri="{BB962C8B-B14F-4D97-AF65-F5344CB8AC3E}">
-        <p14:creationId xmlns:p14="http://schemas.microsoft.com/office/powerpoint/2010/main" val="2856459020"/>
+        <p14:creationId xmlns:p14="http://schemas.microsoft.com/office/powerpoint/2010/main" val="1096064392"/>
       </p:ext>
     </p:extLst>
   </p:cSld>
@@ -818,7 +1690,7 @@
     </p:spTree>
     <p:extLst>
       <p:ext uri="{BB962C8B-B14F-4D97-AF65-F5344CB8AC3E}">
-        <p14:creationId xmlns:p14="http://schemas.microsoft.com/office/powerpoint/2010/main" val="3886978698"/>
+        <p14:creationId xmlns:p14="http://schemas.microsoft.com/office/powerpoint/2010/main" val="432639321"/>
       </p:ext>
     </p:extLst>
   </p:cSld>
@@ -884,7 +1756,7 @@
     </p:spTree>
     <p:extLst>
       <p:ext uri="{BB962C8B-B14F-4D97-AF65-F5344CB8AC3E}">
-        <p14:creationId xmlns:p14="http://schemas.microsoft.com/office/powerpoint/2010/main" val="2709569597"/>
+        <p14:creationId xmlns:p14="http://schemas.microsoft.com/office/powerpoint/2010/main" val="1960422218"/>
       </p:ext>
     </p:extLst>
   </p:cSld>
@@ -950,7 +1822,7 @@
     </p:spTree>
     <p:extLst>
       <p:ext uri="{BB962C8B-B14F-4D97-AF65-F5344CB8AC3E}">
-        <p14:creationId xmlns:p14="http://schemas.microsoft.com/office/powerpoint/2010/main" val="2296249050"/>
+        <p14:creationId xmlns:p14="http://schemas.microsoft.com/office/powerpoint/2010/main" val="1564735469"/>
       </p:ext>
     </p:extLst>
   </p:cSld>
@@ -1016,7 +1888,73 @@
     </p:spTree>
     <p:extLst>
       <p:ext uri="{BB962C8B-B14F-4D97-AF65-F5344CB8AC3E}">
-        <p14:creationId xmlns:p14="http://schemas.microsoft.com/office/powerpoint/2010/main" val="4290351292"/>
+        <p14:creationId xmlns:p14="http://schemas.microsoft.com/office/powerpoint/2010/main" val="3667623149"/>
+      </p:ext>
+    </p:extLst>
+  </p:cSld>
+  <p:clrMapOvr>
+    <a:masterClrMapping/>
+  </p:clrMapOvr>
+</p:notes>
+</file>
+
+<file path=ppt/notesSlides/notesSlide9.xml><?xml version="1.0" encoding="utf-8"?>
+<p:notes xmlns:a="http://schemas.openxmlformats.org/drawingml/2006/main" xmlns:r="http://schemas.openxmlformats.org/officeDocument/2006/relationships" xmlns:p="http://schemas.openxmlformats.org/presentationml/2006/main">
+  <p:cSld>
+    <p:spTree>
+      <p:nvGrpSpPr>
+        <p:cNvPr id="1" name=""/>
+        <p:cNvGrpSpPr/>
+        <p:nvPr/>
+      </p:nvGrpSpPr>
+      <p:grpSpPr>
+        <a:xfrm>
+          <a:off x="0" y="0"/>
+          <a:ext cx="0" cy="0"/>
+          <a:chOff x="0" y="0"/>
+          <a:chExt cx="0" cy="0"/>
+        </a:xfrm>
+      </p:grpSpPr>
+      <p:sp>
+        <p:nvSpPr>
+          <p:cNvPr id="2" name="Espaço Reservado para Imagem de Slide 1"/>
+          <p:cNvSpPr>
+            <a:spLocks noGrp="1" noRot="1" noChangeAspect="1"/>
+          </p:cNvSpPr>
+          <p:nvPr>
+            <p:ph type="sldImg"/>
+          </p:nvPr>
+        </p:nvSpPr>
+        <p:spPr>
+          <a:xfrm>
+            <a:off x="381000" y="685800"/>
+            <a:ext cx="6096000" cy="3429000"/>
+          </a:xfrm>
+        </p:spPr>
+      </p:sp>
+      <p:sp>
+        <p:nvSpPr>
+          <p:cNvPr id="3" name="Espaço Reservado para Anotações 2"/>
+          <p:cNvSpPr>
+            <a:spLocks noGrp="1"/>
+          </p:cNvSpPr>
+          <p:nvPr>
+            <p:ph type="body" idx="1"/>
+          </p:nvPr>
+        </p:nvSpPr>
+        <p:spPr/>
+        <p:txBody>
+          <a:bodyPr/>
+          <a:lstStyle/>
+          <a:p>
+            <a:endParaRPr lang="pt-BR" dirty="0"/>
+          </a:p>
+        </p:txBody>
+      </p:sp>
+    </p:spTree>
+    <p:extLst>
+      <p:ext uri="{BB962C8B-B14F-4D97-AF65-F5344CB8AC3E}">
+        <p14:creationId xmlns:p14="http://schemas.microsoft.com/office/powerpoint/2010/main" val="3669310448"/>
       </p:ext>
     </p:extLst>
   </p:cSld>
@@ -3995,38 +4933,128 @@
           <a:chExt cx="0" cy="0"/>
         </a:xfrm>
       </p:grpSpPr>
+      <p:sp>
+        <p:nvSpPr>
+          <p:cNvPr id="6" name="Title 1"/>
+          <p:cNvSpPr>
+            <a:spLocks noGrp="1"/>
+          </p:cNvSpPr>
+          <p:nvPr>
+            <p:ph type="title"/>
+          </p:nvPr>
+        </p:nvSpPr>
+        <p:spPr>
+          <a:xfrm>
+            <a:off x="457200" y="205980"/>
+            <a:ext cx="8229600" cy="857251"/>
+          </a:xfrm>
+        </p:spPr>
+        <p:txBody>
+          <a:bodyPr>
+            <a:normAutofit/>
+          </a:bodyPr>
+          <a:lstStyle/>
+          <a:p>
+            <a:r>
+              <a:rPr lang="en-US" b="1" dirty="0" err="1">
+                <a:solidFill>
+                  <a:srgbClr val="0070C0"/>
+                </a:solidFill>
+              </a:rPr>
+              <a:t>Custo</a:t>
+            </a:r>
+            <a:r>
+              <a:rPr lang="en-US" b="1" dirty="0">
+                <a:solidFill>
+                  <a:srgbClr val="0070C0"/>
+                </a:solidFill>
+              </a:rPr>
+              <a:t> e </a:t>
+            </a:r>
+            <a:r>
+              <a:rPr lang="en-US" b="1" dirty="0" err="1">
+                <a:solidFill>
+                  <a:srgbClr val="0070C0"/>
+                </a:solidFill>
+              </a:rPr>
+              <a:t>Precificação</a:t>
+            </a:r>
+            <a:endParaRPr lang="en-US" b="1" dirty="0">
+              <a:solidFill>
+                <a:srgbClr val="0070C0"/>
+              </a:solidFill>
+            </a:endParaRPr>
+          </a:p>
+        </p:txBody>
+      </p:sp>
+      <p:sp>
+        <p:nvSpPr>
+          <p:cNvPr id="8" name="Text Placeholder 2"/>
+          <p:cNvSpPr>
+            <a:spLocks noGrp="1"/>
+          </p:cNvSpPr>
+          <p:nvPr>
+            <p:ph type="body" sz="half" idx="1"/>
+          </p:nvPr>
+        </p:nvSpPr>
+        <p:spPr>
+          <a:xfrm>
+            <a:off x="142865" y="1200150"/>
+            <a:ext cx="8865056" cy="3847338"/>
+          </a:xfrm>
+        </p:spPr>
+        <p:txBody>
+          <a:bodyPr>
+            <a:noAutofit/>
+          </a:bodyPr>
+          <a:lstStyle/>
+          <a:p>
+            <a:pPr marL="0" indent="0" algn="just">
+              <a:buNone/>
+            </a:pPr>
+            <a:endParaRPr lang="pt-BR" sz="2400" dirty="0">
+              <a:solidFill>
+                <a:schemeClr val="tx1"/>
+              </a:solidFill>
+              <a:latin typeface="Times" panose="02020603050405020304" pitchFamily="18" charset="0"/>
+              <a:cs typeface="Times" panose="02020603050405020304" pitchFamily="18" charset="0"/>
+            </a:endParaRPr>
+          </a:p>
+          <a:p>
+            <a:pPr marL="0" indent="0" algn="just">
+              <a:buNone/>
+            </a:pPr>
+            <a:endParaRPr lang="pt-BR" sz="2400" dirty="0">
+              <a:solidFill>
+                <a:schemeClr val="tx1"/>
+              </a:solidFill>
+              <a:latin typeface="Times" panose="02020603050405020304" pitchFamily="18" charset="0"/>
+              <a:cs typeface="Times" panose="02020603050405020304" pitchFamily="18" charset="0"/>
+            </a:endParaRPr>
+          </a:p>
+          <a:p>
+            <a:pPr marL="0" indent="0" algn="just">
+              <a:buNone/>
+            </a:pPr>
+            <a:endParaRPr lang="pt-BR" sz="1800" b="1" dirty="0">
+              <a:solidFill>
+                <a:srgbClr val="FF0000"/>
+              </a:solidFill>
+              <a:latin typeface="Times" panose="02020603050405020304" pitchFamily="18" charset="0"/>
+              <a:cs typeface="Times" panose="02020603050405020304" pitchFamily="18" charset="0"/>
+            </a:endParaRPr>
+          </a:p>
+        </p:txBody>
+      </p:sp>
       <p:pic>
         <p:nvPicPr>
-          <p:cNvPr id="112" name="Picture 6" descr="Picture 6"/>
-          <p:cNvPicPr>
-            <a:picLocks noChangeAspect="1"/>
-          </p:cNvPicPr>
-          <p:nvPr/>
-        </p:nvPicPr>
-        <p:blipFill>
-          <a:blip r:embed="rId2"/>
-          <a:stretch>
-            <a:fillRect/>
-          </a:stretch>
-        </p:blipFill>
-        <p:spPr>
-          <a:xfrm>
-            <a:off x="0" y="0"/>
-            <a:ext cx="9144000" cy="5143500"/>
-          </a:xfrm>
-          <a:prstGeom prst="rect">
-            <a:avLst/>
-          </a:prstGeom>
-          <a:ln w="12700">
-            <a:miter lim="400000"/>
-            <a:headEnd/>
-            <a:tailEnd/>
-          </a:ln>
-        </p:spPr>
-      </p:pic>
-      <p:pic>
-        <p:nvPicPr>
-          <p:cNvPr id="114" name="Picture 5" descr="Picture 5"/>
+          <p:cNvPr id="4" name="Imagem 3">
+            <a:extLst>
+              <a:ext uri="{FF2B5EF4-FFF2-40B4-BE49-F238E27FC236}">
+                <a16:creationId xmlns:a16="http://schemas.microsoft.com/office/drawing/2014/main" id="{DED00110-CE8C-12F4-A104-6CB9627D689F}"/>
+              </a:ext>
+            </a:extLst>
+          </p:cNvPr>
           <p:cNvPicPr>
             <a:picLocks noChangeAspect="1"/>
           </p:cNvPicPr>
@@ -4040,22 +5068,100 @@
         </p:blipFill>
         <p:spPr>
           <a:xfrm>
-            <a:off x="469900" y="0"/>
-            <a:ext cx="4391984" cy="171450"/>
+            <a:off x="168349" y="1378307"/>
+            <a:ext cx="8839572" cy="2897478"/>
           </a:xfrm>
           <a:prstGeom prst="rect">
             <a:avLst/>
           </a:prstGeom>
-          <a:ln w="12700">
-            <a:miter lim="400000"/>
-            <a:headEnd/>
-            <a:tailEnd/>
-          </a:ln>
         </p:spPr>
       </p:pic>
       <p:sp>
         <p:nvSpPr>
-          <p:cNvPr id="3" name="Título 2"/>
+          <p:cNvPr id="9" name="CaixaDeTexto 8">
+            <a:extLst>
+              <a:ext uri="{FF2B5EF4-FFF2-40B4-BE49-F238E27FC236}">
+                <a16:creationId xmlns:a16="http://schemas.microsoft.com/office/drawing/2014/main" id="{DC371502-CAC2-BAD0-A95F-AFB8DEF0AE09}"/>
+              </a:ext>
+            </a:extLst>
+          </p:cNvPr>
+          <p:cNvSpPr txBox="1"/>
+          <p:nvPr/>
+        </p:nvSpPr>
+        <p:spPr>
+          <a:xfrm>
+            <a:off x="2286000" y="2249347"/>
+            <a:ext cx="4572000" cy="646331"/>
+          </a:xfrm>
+          <a:prstGeom prst="rect">
+            <a:avLst/>
+          </a:prstGeom>
+          <a:noFill/>
+          <a:ln w="12700" cap="flat">
+            <a:noFill/>
+            <a:miter lim="400000"/>
+          </a:ln>
+          <a:effectLst/>
+        </p:spPr>
+        <p:style>
+          <a:lnRef idx="0">
+            <a:scrgbClr r="0" g="0" b="0"/>
+          </a:lnRef>
+          <a:fillRef idx="0">
+            <a:scrgbClr r="0" g="0" b="0"/>
+          </a:fillRef>
+          <a:effectRef idx="0">
+            <a:scrgbClr r="0" g="0" b="0"/>
+          </a:effectRef>
+          <a:fontRef idx="none"/>
+        </p:style>
+        <p:txBody>
+          <a:bodyPr wrap="square">
+            <a:spAutoFit/>
+          </a:bodyPr>
+          <a:lstStyle/>
+          <a:p>
+            <a:r>
+              <a:rPr lang="pt-BR" dirty="0"/>
+              <a:t>https://azure.microsoft.com/pt-br/pricing/calculator/</a:t>
+            </a:r>
+          </a:p>
+        </p:txBody>
+      </p:sp>
+    </p:spTree>
+    <p:extLst>
+      <p:ext uri="{BB962C8B-B14F-4D97-AF65-F5344CB8AC3E}">
+        <p14:creationId xmlns:p14="http://schemas.microsoft.com/office/powerpoint/2010/main" val="1817476610"/>
+      </p:ext>
+    </p:extLst>
+  </p:cSld>
+  <p:clrMapOvr>
+    <a:masterClrMapping/>
+  </p:clrMapOvr>
+  <p:transition spd="med"/>
+</p:sld>
+</file>
+
+<file path=ppt/slides/slide11.xml><?xml version="1.0" encoding="utf-8"?>
+<p:sld xmlns:a="http://schemas.openxmlformats.org/drawingml/2006/main" xmlns:r="http://schemas.openxmlformats.org/officeDocument/2006/relationships" xmlns:p="http://schemas.openxmlformats.org/presentationml/2006/main">
+  <p:cSld>
+    <p:spTree>
+      <p:nvGrpSpPr>
+        <p:cNvPr id="1" name=""/>
+        <p:cNvGrpSpPr/>
+        <p:nvPr/>
+      </p:nvGrpSpPr>
+      <p:grpSpPr>
+        <a:xfrm>
+          <a:off x="0" y="0"/>
+          <a:ext cx="0" cy="0"/>
+          <a:chOff x="0" y="0"/>
+          <a:chExt cx="0" cy="0"/>
+        </a:xfrm>
+      </p:grpSpPr>
+      <p:sp>
+        <p:nvSpPr>
+          <p:cNvPr id="6" name="Title 1"/>
           <p:cNvSpPr>
             <a:spLocks noGrp="1"/>
           </p:cNvSpPr>
@@ -4065,8 +5171,62 @@
         </p:nvSpPr>
         <p:spPr>
           <a:xfrm>
-            <a:off x="285751" y="2386770"/>
-            <a:ext cx="8615364" cy="1102519"/>
+            <a:off x="457200" y="205980"/>
+            <a:ext cx="8229600" cy="857251"/>
+          </a:xfrm>
+        </p:spPr>
+        <p:txBody>
+          <a:bodyPr>
+            <a:normAutofit/>
+          </a:bodyPr>
+          <a:lstStyle/>
+          <a:p>
+            <a:r>
+              <a:rPr lang="en-US" b="1" dirty="0" err="1">
+                <a:solidFill>
+                  <a:srgbClr val="0070C0"/>
+                </a:solidFill>
+              </a:rPr>
+              <a:t>Custo</a:t>
+            </a:r>
+            <a:r>
+              <a:rPr lang="en-US" b="1" dirty="0">
+                <a:solidFill>
+                  <a:srgbClr val="0070C0"/>
+                </a:solidFill>
+              </a:rPr>
+              <a:t> e </a:t>
+            </a:r>
+            <a:r>
+              <a:rPr lang="en-US" b="1" dirty="0" err="1">
+                <a:solidFill>
+                  <a:srgbClr val="0070C0"/>
+                </a:solidFill>
+              </a:rPr>
+              <a:t>Precificação</a:t>
+            </a:r>
+            <a:endParaRPr lang="en-US" b="1" dirty="0">
+              <a:solidFill>
+                <a:srgbClr val="0070C0"/>
+              </a:solidFill>
+            </a:endParaRPr>
+          </a:p>
+        </p:txBody>
+      </p:sp>
+      <p:sp>
+        <p:nvSpPr>
+          <p:cNvPr id="8" name="Text Placeholder 2"/>
+          <p:cNvSpPr>
+            <a:spLocks noGrp="1"/>
+          </p:cNvSpPr>
+          <p:nvPr>
+            <p:ph type="body" sz="half" idx="1"/>
+          </p:nvPr>
+        </p:nvSpPr>
+        <p:spPr>
+          <a:xfrm>
+            <a:off x="142865" y="1200150"/>
+            <a:ext cx="8865056" cy="3847338"/>
           </a:xfrm>
         </p:spPr>
         <p:txBody>
@@ -4075,371 +5235,1878 @@
           </a:bodyPr>
           <a:lstStyle/>
           <a:p>
-            <a:r>
-              <a:rPr lang="pt-BR" sz="4800" b="1" dirty="0">
-                <a:solidFill>
-                  <a:schemeClr val="bg1"/>
-                </a:solidFill>
-              </a:rPr>
-              <a:t>Cloud Computer e </a:t>
-            </a:r>
-            <a:br>
-              <a:rPr lang="pt-BR" sz="4800" b="1" dirty="0">
-                <a:solidFill>
-                  <a:schemeClr val="bg1"/>
-                </a:solidFill>
-              </a:rPr>
-            </a:br>
-            <a:r>
-              <a:rPr lang="pt-BR" sz="4800" b="1" dirty="0">
-                <a:solidFill>
-                  <a:schemeClr val="bg1"/>
-                </a:solidFill>
-              </a:rPr>
-              <a:t>Web Services em Linux</a:t>
-            </a:r>
+            <a:pPr marL="0" indent="0" algn="just">
+              <a:buNone/>
+            </a:pPr>
+            <a:endParaRPr lang="pt-BR" sz="2400" dirty="0">
+              <a:solidFill>
+                <a:schemeClr val="tx1"/>
+              </a:solidFill>
+              <a:latin typeface="Times" panose="02020603050405020304" pitchFamily="18" charset="0"/>
+              <a:cs typeface="Times" panose="02020603050405020304" pitchFamily="18" charset="0"/>
+            </a:endParaRPr>
+          </a:p>
+          <a:p>
+            <a:pPr marL="0" indent="0" algn="just">
+              <a:buNone/>
+            </a:pPr>
+            <a:endParaRPr lang="pt-BR" sz="2400" dirty="0">
+              <a:solidFill>
+                <a:schemeClr val="tx1"/>
+              </a:solidFill>
+              <a:latin typeface="Times" panose="02020603050405020304" pitchFamily="18" charset="0"/>
+              <a:cs typeface="Times" panose="02020603050405020304" pitchFamily="18" charset="0"/>
+            </a:endParaRPr>
+          </a:p>
+          <a:p>
+            <a:pPr marL="0" indent="0" algn="just">
+              <a:buNone/>
+            </a:pPr>
+            <a:endParaRPr lang="pt-BR" sz="1800" b="1" dirty="0">
+              <a:solidFill>
+                <a:srgbClr val="FF0000"/>
+              </a:solidFill>
+              <a:latin typeface="Times" panose="02020603050405020304" pitchFamily="18" charset="0"/>
+              <a:cs typeface="Times" panose="02020603050405020304" pitchFamily="18" charset="0"/>
+            </a:endParaRPr>
+          </a:p>
+        </p:txBody>
+      </p:sp>
+      <p:pic>
+        <p:nvPicPr>
+          <p:cNvPr id="5" name="Imagem 4">
+            <a:extLst>
+              <a:ext uri="{FF2B5EF4-FFF2-40B4-BE49-F238E27FC236}">
+                <a16:creationId xmlns:a16="http://schemas.microsoft.com/office/drawing/2014/main" id="{173A545A-8E2E-EA6E-1D0E-031EF7A3A666}"/>
+              </a:ext>
+            </a:extLst>
+          </p:cNvPr>
+          <p:cNvPicPr>
+            <a:picLocks noChangeAspect="1"/>
+          </p:cNvPicPr>
+          <p:nvPr/>
+        </p:nvPicPr>
+        <p:blipFill>
+          <a:blip r:embed="rId3"/>
+          <a:stretch>
+            <a:fillRect/>
+          </a:stretch>
+        </p:blipFill>
+        <p:spPr>
+          <a:xfrm>
+            <a:off x="1505775" y="1200150"/>
+            <a:ext cx="5590489" cy="3577913"/>
+          </a:xfrm>
+          <a:prstGeom prst="rect">
+            <a:avLst/>
+          </a:prstGeom>
+        </p:spPr>
+      </p:pic>
+    </p:spTree>
+    <p:extLst>
+      <p:ext uri="{BB962C8B-B14F-4D97-AF65-F5344CB8AC3E}">
+        <p14:creationId xmlns:p14="http://schemas.microsoft.com/office/powerpoint/2010/main" val="2965060175"/>
+      </p:ext>
+    </p:extLst>
+  </p:cSld>
+  <p:clrMapOvr>
+    <a:masterClrMapping/>
+  </p:clrMapOvr>
+  <p:transition spd="med"/>
+</p:sld>
+</file>
+
+<file path=ppt/slides/slide12.xml><?xml version="1.0" encoding="utf-8"?>
+<p:sld xmlns:a="http://schemas.openxmlformats.org/drawingml/2006/main" xmlns:r="http://schemas.openxmlformats.org/officeDocument/2006/relationships" xmlns:p="http://schemas.openxmlformats.org/presentationml/2006/main">
+  <p:cSld>
+    <p:spTree>
+      <p:nvGrpSpPr>
+        <p:cNvPr id="1" name=""/>
+        <p:cNvGrpSpPr/>
+        <p:nvPr/>
+      </p:nvGrpSpPr>
+      <p:grpSpPr>
+        <a:xfrm>
+          <a:off x="0" y="0"/>
+          <a:ext cx="0" cy="0"/>
+          <a:chOff x="0" y="0"/>
+          <a:chExt cx="0" cy="0"/>
+        </a:xfrm>
+      </p:grpSpPr>
+      <p:sp>
+        <p:nvSpPr>
+          <p:cNvPr id="6" name="Title 1"/>
+          <p:cNvSpPr>
+            <a:spLocks noGrp="1"/>
+          </p:cNvSpPr>
+          <p:nvPr>
+            <p:ph type="title"/>
+          </p:nvPr>
+        </p:nvSpPr>
+        <p:spPr>
+          <a:xfrm>
+            <a:off x="457200" y="205980"/>
+            <a:ext cx="8229600" cy="857251"/>
+          </a:xfrm>
+        </p:spPr>
+        <p:txBody>
+          <a:bodyPr>
+            <a:normAutofit/>
+          </a:bodyPr>
+          <a:lstStyle/>
+          <a:p>
+            <a:r>
+              <a:rPr lang="en-US" b="1" dirty="0" err="1">
+                <a:solidFill>
+                  <a:srgbClr val="0070C0"/>
+                </a:solidFill>
+              </a:rPr>
+              <a:t>Custo</a:t>
+            </a:r>
+            <a:r>
+              <a:rPr lang="en-US" b="1" dirty="0">
+                <a:solidFill>
+                  <a:srgbClr val="0070C0"/>
+                </a:solidFill>
+              </a:rPr>
+              <a:t> e </a:t>
+            </a:r>
+            <a:r>
+              <a:rPr lang="en-US" b="1" dirty="0" err="1">
+                <a:solidFill>
+                  <a:srgbClr val="0070C0"/>
+                </a:solidFill>
+              </a:rPr>
+              <a:t>Precificação</a:t>
+            </a:r>
+            <a:endParaRPr lang="en-US" b="1" dirty="0">
+              <a:solidFill>
+                <a:srgbClr val="0070C0"/>
+              </a:solidFill>
+            </a:endParaRPr>
           </a:p>
         </p:txBody>
       </p:sp>
       <p:sp>
         <p:nvSpPr>
-          <p:cNvPr id="6" name="Título 2"/>
-          <p:cNvSpPr txBox="1"/>
-          <p:nvPr/>
+          <p:cNvPr id="8" name="Text Placeholder 2"/>
+          <p:cNvSpPr>
+            <a:spLocks noGrp="1"/>
+          </p:cNvSpPr>
+          <p:nvPr>
+            <p:ph type="body" sz="half" idx="1"/>
+          </p:nvPr>
         </p:nvSpPr>
         <p:spPr>
           <a:xfrm>
-            <a:off x="975683" y="3866663"/>
-            <a:ext cx="7772400" cy="1102519"/>
+            <a:off x="142865" y="1200150"/>
+            <a:ext cx="8865056" cy="3847338"/>
+          </a:xfrm>
+        </p:spPr>
+        <p:txBody>
+          <a:bodyPr>
+            <a:noAutofit/>
+          </a:bodyPr>
+          <a:lstStyle/>
+          <a:p>
+            <a:pPr marL="0" indent="0" algn="just">
+              <a:buNone/>
+            </a:pPr>
+            <a:endParaRPr lang="pt-BR" sz="2400" dirty="0">
+              <a:solidFill>
+                <a:schemeClr val="tx1"/>
+              </a:solidFill>
+              <a:latin typeface="Times" panose="02020603050405020304" pitchFamily="18" charset="0"/>
+              <a:cs typeface="Times" panose="02020603050405020304" pitchFamily="18" charset="0"/>
+            </a:endParaRPr>
+          </a:p>
+          <a:p>
+            <a:pPr marL="0" indent="0" algn="just">
+              <a:buNone/>
+            </a:pPr>
+            <a:endParaRPr lang="pt-BR" sz="2400" dirty="0">
+              <a:solidFill>
+                <a:schemeClr val="tx1"/>
+              </a:solidFill>
+              <a:latin typeface="Times" panose="02020603050405020304" pitchFamily="18" charset="0"/>
+              <a:cs typeface="Times" panose="02020603050405020304" pitchFamily="18" charset="0"/>
+            </a:endParaRPr>
+          </a:p>
+          <a:p>
+            <a:pPr marL="0" indent="0" algn="just">
+              <a:buNone/>
+            </a:pPr>
+            <a:endParaRPr lang="pt-BR" sz="1800" b="1" dirty="0">
+              <a:solidFill>
+                <a:srgbClr val="FF0000"/>
+              </a:solidFill>
+              <a:latin typeface="Times" panose="02020603050405020304" pitchFamily="18" charset="0"/>
+              <a:cs typeface="Times" panose="02020603050405020304" pitchFamily="18" charset="0"/>
+            </a:endParaRPr>
+          </a:p>
+        </p:txBody>
+      </p:sp>
+      <p:pic>
+        <p:nvPicPr>
+          <p:cNvPr id="4" name="Imagem 3">
+            <a:extLst>
+              <a:ext uri="{FF2B5EF4-FFF2-40B4-BE49-F238E27FC236}">
+                <a16:creationId xmlns:a16="http://schemas.microsoft.com/office/drawing/2014/main" id="{0E4F4C14-7E41-5630-FC39-CE0C66D73C95}"/>
+              </a:ext>
+            </a:extLst>
+          </p:cNvPr>
+          <p:cNvPicPr>
+            <a:picLocks noChangeAspect="1"/>
+          </p:cNvPicPr>
+          <p:nvPr/>
+        </p:nvPicPr>
+        <p:blipFill>
+          <a:blip r:embed="rId3"/>
+          <a:stretch>
+            <a:fillRect/>
+          </a:stretch>
+        </p:blipFill>
+        <p:spPr>
+          <a:xfrm>
+            <a:off x="1007234" y="1063231"/>
+            <a:ext cx="5960563" cy="3753468"/>
           </a:xfrm>
           <a:prstGeom prst="rect">
             <a:avLst/>
           </a:prstGeom>
-          <a:ln w="12700">
-            <a:miter lim="400000"/>
-          </a:ln>
+        </p:spPr>
+      </p:pic>
+    </p:spTree>
+    <p:extLst>
+      <p:ext uri="{BB962C8B-B14F-4D97-AF65-F5344CB8AC3E}">
+        <p14:creationId xmlns:p14="http://schemas.microsoft.com/office/powerpoint/2010/main" val="3156033927"/>
+      </p:ext>
+    </p:extLst>
+  </p:cSld>
+  <p:clrMapOvr>
+    <a:masterClrMapping/>
+  </p:clrMapOvr>
+  <p:transition spd="med"/>
+</p:sld>
+</file>
+
+<file path=ppt/slides/slide13.xml><?xml version="1.0" encoding="utf-8"?>
+<p:sld xmlns:a="http://schemas.openxmlformats.org/drawingml/2006/main" xmlns:r="http://schemas.openxmlformats.org/officeDocument/2006/relationships" xmlns:p="http://schemas.openxmlformats.org/presentationml/2006/main">
+  <p:cSld>
+    <p:spTree>
+      <p:nvGrpSpPr>
+        <p:cNvPr id="1" name=""/>
+        <p:cNvGrpSpPr/>
+        <p:nvPr/>
+      </p:nvGrpSpPr>
+      <p:grpSpPr>
+        <a:xfrm>
+          <a:off x="0" y="0"/>
+          <a:ext cx="0" cy="0"/>
+          <a:chOff x="0" y="0"/>
+          <a:chExt cx="0" cy="0"/>
+        </a:xfrm>
+      </p:grpSpPr>
+      <p:sp>
+        <p:nvSpPr>
+          <p:cNvPr id="6" name="Title 1"/>
+          <p:cNvSpPr>
+            <a:spLocks noGrp="1"/>
+          </p:cNvSpPr>
+          <p:nvPr>
+            <p:ph type="title"/>
+          </p:nvPr>
+        </p:nvSpPr>
+        <p:spPr>
+          <a:xfrm>
+            <a:off x="457200" y="205980"/>
+            <a:ext cx="8229600" cy="857251"/>
+          </a:xfrm>
         </p:spPr>
         <p:txBody>
-          <a:bodyPr lIns="45718" tIns="45718" rIns="45718" bIns="45718" anchor="ctr">
+          <a:bodyPr>
+            <a:normAutofit/>
+          </a:bodyPr>
+          <a:lstStyle/>
+          <a:p>
+            <a:r>
+              <a:rPr lang="en-US" b="1" dirty="0" err="1">
+                <a:solidFill>
+                  <a:srgbClr val="0070C0"/>
+                </a:solidFill>
+              </a:rPr>
+              <a:t>Custo</a:t>
+            </a:r>
+            <a:r>
+              <a:rPr lang="en-US" b="1" dirty="0">
+                <a:solidFill>
+                  <a:srgbClr val="0070C0"/>
+                </a:solidFill>
+              </a:rPr>
+              <a:t> e </a:t>
+            </a:r>
+            <a:r>
+              <a:rPr lang="en-US" b="1" dirty="0" err="1">
+                <a:solidFill>
+                  <a:srgbClr val="0070C0"/>
+                </a:solidFill>
+              </a:rPr>
+              <a:t>Precificação</a:t>
+            </a:r>
+            <a:endParaRPr lang="en-US" b="1" dirty="0">
+              <a:solidFill>
+                <a:srgbClr val="0070C0"/>
+              </a:solidFill>
+            </a:endParaRPr>
+          </a:p>
+        </p:txBody>
+      </p:sp>
+      <p:sp>
+        <p:nvSpPr>
+          <p:cNvPr id="8" name="Text Placeholder 2"/>
+          <p:cNvSpPr>
+            <a:spLocks noGrp="1"/>
+          </p:cNvSpPr>
+          <p:nvPr>
+            <p:ph type="body" sz="half" idx="1"/>
+          </p:nvPr>
+        </p:nvSpPr>
+        <p:spPr>
+          <a:xfrm>
+            <a:off x="142865" y="1200150"/>
+            <a:ext cx="8865056" cy="3847338"/>
+          </a:xfrm>
+        </p:spPr>
+        <p:txBody>
+          <a:bodyPr>
             <a:noAutofit/>
           </a:bodyPr>
-          <a:lstStyle>
-            <a:lvl1pPr marL="0" marR="0" indent="0" algn="ctr" defTabSz="457200" rtl="0" latinLnBrk="0">
-              <a:lnSpc>
-                <a:spcPct val="100000"/>
-              </a:lnSpc>
-              <a:spcBef>
-                <a:spcPts val="0"/>
-              </a:spcBef>
-              <a:spcAft>
-                <a:spcPts val="0"/>
-              </a:spcAft>
-              <a:buClrTx/>
-              <a:buSzTx/>
-              <a:buFontTx/>
-              <a:buNone/>
-              <a:defRPr sz="4400" b="0" i="0" u="none" strike="noStrike" cap="none" spc="0" baseline="0">
-                <a:ln>
-                  <a:noFill/>
-                </a:ln>
-                <a:solidFill>
-                  <a:srgbClr val="000000"/>
-                </a:solidFill>
-                <a:uFillTx/>
-                <a:latin typeface="+mj-lt"/>
-                <a:ea typeface="+mj-ea"/>
-                <a:cs typeface="+mj-cs"/>
-                <a:sym typeface="Calibri"/>
-              </a:defRPr>
-            </a:lvl1pPr>
-            <a:lvl2pPr marL="0" marR="0" indent="0" algn="ctr" defTabSz="457200" rtl="0" latinLnBrk="0">
-              <a:lnSpc>
-                <a:spcPct val="100000"/>
-              </a:lnSpc>
-              <a:spcBef>
-                <a:spcPts val="0"/>
-              </a:spcBef>
-              <a:spcAft>
-                <a:spcPts val="0"/>
-              </a:spcAft>
-              <a:buClrTx/>
-              <a:buSzTx/>
-              <a:buFontTx/>
-              <a:buNone/>
-              <a:defRPr sz="4400" b="0" i="0" u="none" strike="noStrike" cap="none" spc="0" baseline="0">
-                <a:ln>
-                  <a:noFill/>
-                </a:ln>
-                <a:solidFill>
-                  <a:srgbClr val="000000"/>
-                </a:solidFill>
-                <a:uFillTx/>
-                <a:latin typeface="+mj-lt"/>
-                <a:ea typeface="+mj-ea"/>
-                <a:cs typeface="+mj-cs"/>
-                <a:sym typeface="Calibri"/>
-              </a:defRPr>
-            </a:lvl2pPr>
-            <a:lvl3pPr marL="0" marR="0" indent="0" algn="ctr" defTabSz="457200" rtl="0" latinLnBrk="0">
-              <a:lnSpc>
-                <a:spcPct val="100000"/>
-              </a:lnSpc>
-              <a:spcBef>
-                <a:spcPts val="0"/>
-              </a:spcBef>
-              <a:spcAft>
-                <a:spcPts val="0"/>
-              </a:spcAft>
-              <a:buClrTx/>
-              <a:buSzTx/>
-              <a:buFontTx/>
-              <a:buNone/>
-              <a:defRPr sz="4400" b="0" i="0" u="none" strike="noStrike" cap="none" spc="0" baseline="0">
-                <a:ln>
-                  <a:noFill/>
-                </a:ln>
-                <a:solidFill>
-                  <a:srgbClr val="000000"/>
-                </a:solidFill>
-                <a:uFillTx/>
-                <a:latin typeface="+mj-lt"/>
-                <a:ea typeface="+mj-ea"/>
-                <a:cs typeface="+mj-cs"/>
-                <a:sym typeface="Calibri"/>
-              </a:defRPr>
-            </a:lvl3pPr>
-            <a:lvl4pPr marL="0" marR="0" indent="0" algn="ctr" defTabSz="457200" rtl="0" latinLnBrk="0">
-              <a:lnSpc>
-                <a:spcPct val="100000"/>
-              </a:lnSpc>
-              <a:spcBef>
-                <a:spcPts val="0"/>
-              </a:spcBef>
-              <a:spcAft>
-                <a:spcPts val="0"/>
-              </a:spcAft>
-              <a:buClrTx/>
-              <a:buSzTx/>
-              <a:buFontTx/>
-              <a:buNone/>
-              <a:defRPr sz="4400" b="0" i="0" u="none" strike="noStrike" cap="none" spc="0" baseline="0">
-                <a:ln>
-                  <a:noFill/>
-                </a:ln>
-                <a:solidFill>
-                  <a:srgbClr val="000000"/>
-                </a:solidFill>
-                <a:uFillTx/>
-                <a:latin typeface="+mj-lt"/>
-                <a:ea typeface="+mj-ea"/>
-                <a:cs typeface="+mj-cs"/>
-                <a:sym typeface="Calibri"/>
-              </a:defRPr>
-            </a:lvl4pPr>
-            <a:lvl5pPr marL="0" marR="0" indent="0" algn="ctr" defTabSz="457200" rtl="0" latinLnBrk="0">
-              <a:lnSpc>
-                <a:spcPct val="100000"/>
-              </a:lnSpc>
-              <a:spcBef>
-                <a:spcPts val="0"/>
-              </a:spcBef>
-              <a:spcAft>
-                <a:spcPts val="0"/>
-              </a:spcAft>
-              <a:buClrTx/>
-              <a:buSzTx/>
-              <a:buFontTx/>
-              <a:buNone/>
-              <a:defRPr sz="4400" b="0" i="0" u="none" strike="noStrike" cap="none" spc="0" baseline="0">
-                <a:ln>
-                  <a:noFill/>
-                </a:ln>
-                <a:solidFill>
-                  <a:srgbClr val="000000"/>
-                </a:solidFill>
-                <a:uFillTx/>
-                <a:latin typeface="+mj-lt"/>
-                <a:ea typeface="+mj-ea"/>
-                <a:cs typeface="+mj-cs"/>
-                <a:sym typeface="Calibri"/>
-              </a:defRPr>
-            </a:lvl5pPr>
-            <a:lvl6pPr marL="0" marR="0" indent="0" algn="ctr" defTabSz="457200" rtl="0" latinLnBrk="0">
-              <a:lnSpc>
-                <a:spcPct val="100000"/>
-              </a:lnSpc>
-              <a:spcBef>
-                <a:spcPts val="0"/>
-              </a:spcBef>
-              <a:spcAft>
-                <a:spcPts val="0"/>
-              </a:spcAft>
-              <a:buClrTx/>
-              <a:buSzTx/>
-              <a:buFontTx/>
-              <a:buNone/>
-              <a:defRPr sz="4400" b="0" i="0" u="none" strike="noStrike" cap="none" spc="0" baseline="0">
-                <a:ln>
-                  <a:noFill/>
-                </a:ln>
-                <a:solidFill>
-                  <a:srgbClr val="000000"/>
-                </a:solidFill>
-                <a:uFillTx/>
-                <a:latin typeface="+mj-lt"/>
-                <a:ea typeface="+mj-ea"/>
-                <a:cs typeface="+mj-cs"/>
-                <a:sym typeface="Calibri"/>
-              </a:defRPr>
-            </a:lvl6pPr>
-            <a:lvl7pPr marL="0" marR="0" indent="0" algn="ctr" defTabSz="457200" rtl="0" latinLnBrk="0">
-              <a:lnSpc>
-                <a:spcPct val="100000"/>
-              </a:lnSpc>
-              <a:spcBef>
-                <a:spcPts val="0"/>
-              </a:spcBef>
-              <a:spcAft>
-                <a:spcPts val="0"/>
-              </a:spcAft>
-              <a:buClrTx/>
-              <a:buSzTx/>
-              <a:buFontTx/>
-              <a:buNone/>
-              <a:defRPr sz="4400" b="0" i="0" u="none" strike="noStrike" cap="none" spc="0" baseline="0">
-                <a:ln>
-                  <a:noFill/>
-                </a:ln>
-                <a:solidFill>
-                  <a:srgbClr val="000000"/>
-                </a:solidFill>
-                <a:uFillTx/>
-                <a:latin typeface="+mj-lt"/>
-                <a:ea typeface="+mj-ea"/>
-                <a:cs typeface="+mj-cs"/>
-                <a:sym typeface="Calibri"/>
-              </a:defRPr>
-            </a:lvl7pPr>
-            <a:lvl8pPr marL="0" marR="0" indent="0" algn="ctr" defTabSz="457200" rtl="0" latinLnBrk="0">
-              <a:lnSpc>
-                <a:spcPct val="100000"/>
-              </a:lnSpc>
-              <a:spcBef>
-                <a:spcPts val="0"/>
-              </a:spcBef>
-              <a:spcAft>
-                <a:spcPts val="0"/>
-              </a:spcAft>
-              <a:buClrTx/>
-              <a:buSzTx/>
-              <a:buFontTx/>
-              <a:buNone/>
-              <a:defRPr sz="4400" b="0" i="0" u="none" strike="noStrike" cap="none" spc="0" baseline="0">
-                <a:ln>
-                  <a:noFill/>
-                </a:ln>
-                <a:solidFill>
-                  <a:srgbClr val="000000"/>
-                </a:solidFill>
-                <a:uFillTx/>
-                <a:latin typeface="+mj-lt"/>
-                <a:ea typeface="+mj-ea"/>
-                <a:cs typeface="+mj-cs"/>
-                <a:sym typeface="Calibri"/>
-              </a:defRPr>
-            </a:lvl8pPr>
-            <a:lvl9pPr marL="0" marR="0" indent="0" algn="ctr" defTabSz="457200" rtl="0" latinLnBrk="0">
-              <a:lnSpc>
-                <a:spcPct val="100000"/>
-              </a:lnSpc>
-              <a:spcBef>
-                <a:spcPts val="0"/>
-              </a:spcBef>
-              <a:spcAft>
-                <a:spcPts val="0"/>
-              </a:spcAft>
-              <a:buClrTx/>
-              <a:buSzTx/>
-              <a:buFontTx/>
-              <a:buNone/>
-              <a:defRPr sz="4400" b="0" i="0" u="none" strike="noStrike" cap="none" spc="0" baseline="0">
-                <a:ln>
-                  <a:noFill/>
-                </a:ln>
-                <a:solidFill>
-                  <a:srgbClr val="000000"/>
-                </a:solidFill>
-                <a:uFillTx/>
-                <a:latin typeface="+mj-lt"/>
-                <a:ea typeface="+mj-ea"/>
-                <a:cs typeface="+mj-cs"/>
-                <a:sym typeface="Calibri"/>
-              </a:defRPr>
-            </a:lvl9pPr>
-          </a:lstStyle>
-          <a:p>
-            <a:pPr algn="r" hangingPunct="1"/>
-            <a:r>
-              <a:rPr lang="pt-BR" sz="2000" b="1" dirty="0">
-                <a:solidFill>
-                  <a:schemeClr val="bg1"/>
-                </a:solidFill>
-              </a:rPr>
-              <a:t>Professor </a:t>
-            </a:r>
-            <a:r>
-              <a:rPr lang="pt-BR" sz="2000" b="1">
-                <a:solidFill>
-                  <a:schemeClr val="bg1"/>
-                </a:solidFill>
-              </a:rPr>
-              <a:t>M.Sc</a:t>
-            </a:r>
-            <a:r>
-              <a:rPr lang="pt-BR" sz="2000" b="1" dirty="0">
-                <a:solidFill>
-                  <a:schemeClr val="bg1"/>
-                </a:solidFill>
-              </a:rPr>
-              <a:t>. Heleno Cardoso</a:t>
-            </a:r>
+          <a:lstStyle/>
+          <a:p>
+            <a:pPr marL="0" indent="0" algn="just">
+              <a:buNone/>
+            </a:pPr>
+            <a:endParaRPr lang="pt-BR" sz="2400" dirty="0">
+              <a:solidFill>
+                <a:schemeClr val="tx1"/>
+              </a:solidFill>
+              <a:latin typeface="Times" panose="02020603050405020304" pitchFamily="18" charset="0"/>
+              <a:cs typeface="Times" panose="02020603050405020304" pitchFamily="18" charset="0"/>
+            </a:endParaRPr>
+          </a:p>
+          <a:p>
+            <a:pPr marL="0" indent="0" algn="just">
+              <a:buNone/>
+            </a:pPr>
+            <a:endParaRPr lang="pt-BR" sz="2400" dirty="0">
+              <a:solidFill>
+                <a:schemeClr val="tx1"/>
+              </a:solidFill>
+              <a:latin typeface="Times" panose="02020603050405020304" pitchFamily="18" charset="0"/>
+              <a:cs typeface="Times" panose="02020603050405020304" pitchFamily="18" charset="0"/>
+            </a:endParaRPr>
+          </a:p>
+          <a:p>
+            <a:pPr marL="0" indent="0" algn="just">
+              <a:buNone/>
+            </a:pPr>
+            <a:endParaRPr lang="pt-BR" sz="1800" b="1" dirty="0">
+              <a:solidFill>
+                <a:srgbClr val="FF0000"/>
+              </a:solidFill>
+              <a:latin typeface="Times" panose="02020603050405020304" pitchFamily="18" charset="0"/>
+              <a:cs typeface="Times" panose="02020603050405020304" pitchFamily="18" charset="0"/>
+            </a:endParaRPr>
           </a:p>
         </p:txBody>
       </p:sp>
       <p:pic>
         <p:nvPicPr>
-          <p:cNvPr id="2" name="Google Shape;62;p1" descr="Imagem">
+          <p:cNvPr id="4" name="Imagem 3">
             <a:extLst>
               <a:ext uri="{FF2B5EF4-FFF2-40B4-BE49-F238E27FC236}">
-                <a16:creationId xmlns:a16="http://schemas.microsoft.com/office/drawing/2014/main" id="{9C895622-2963-024D-634E-EA58F5381D06}"/>
+                <a16:creationId xmlns:a16="http://schemas.microsoft.com/office/drawing/2014/main" id="{84861D9C-27A7-4360-51C0-474D9949EDAD}"/>
               </a:ext>
             </a:extLst>
           </p:cNvPr>
-          <p:cNvPicPr preferRelativeResize="0"/>
+          <p:cNvPicPr>
+            <a:picLocks noChangeAspect="1"/>
+          </p:cNvPicPr>
           <p:nvPr/>
         </p:nvPicPr>
-        <p:blipFill rotWithShape="1">
-          <a:blip r:embed="rId4">
-            <a:alphaModFix/>
-          </a:blip>
-          <a:srcRect/>
-          <a:stretch/>
+        <p:blipFill>
+          <a:blip r:embed="rId3"/>
+          <a:stretch>
+            <a:fillRect/>
+          </a:stretch>
         </p:blipFill>
         <p:spPr>
           <a:xfrm>
-            <a:off x="469898" y="343798"/>
-            <a:ext cx="2858518" cy="1338697"/>
+            <a:off x="1270447" y="1063231"/>
+            <a:ext cx="5745412" cy="3611800"/>
           </a:xfrm>
           <a:prstGeom prst="rect">
             <a:avLst/>
           </a:prstGeom>
-          <a:noFill/>
-          <a:ln>
-            <a:noFill/>
-          </a:ln>
         </p:spPr>
       </p:pic>
     </p:spTree>
+    <p:extLst>
+      <p:ext uri="{BB962C8B-B14F-4D97-AF65-F5344CB8AC3E}">
+        <p14:creationId xmlns:p14="http://schemas.microsoft.com/office/powerpoint/2010/main" val="3734230506"/>
+      </p:ext>
+    </p:extLst>
+  </p:cSld>
+  <p:clrMapOvr>
+    <a:masterClrMapping/>
+  </p:clrMapOvr>
+  <p:transition spd="med"/>
+</p:sld>
+</file>
+
+<file path=ppt/slides/slide14.xml><?xml version="1.0" encoding="utf-8"?>
+<p:sld xmlns:a="http://schemas.openxmlformats.org/drawingml/2006/main" xmlns:r="http://schemas.openxmlformats.org/officeDocument/2006/relationships" xmlns:p="http://schemas.openxmlformats.org/presentationml/2006/main">
+  <p:cSld>
+    <p:spTree>
+      <p:nvGrpSpPr>
+        <p:cNvPr id="1" name=""/>
+        <p:cNvGrpSpPr/>
+        <p:nvPr/>
+      </p:nvGrpSpPr>
+      <p:grpSpPr>
+        <a:xfrm>
+          <a:off x="0" y="0"/>
+          <a:ext cx="0" cy="0"/>
+          <a:chOff x="0" y="0"/>
+          <a:chExt cx="0" cy="0"/>
+        </a:xfrm>
+      </p:grpSpPr>
+      <p:sp>
+        <p:nvSpPr>
+          <p:cNvPr id="6" name="Title 1"/>
+          <p:cNvSpPr>
+            <a:spLocks noGrp="1"/>
+          </p:cNvSpPr>
+          <p:nvPr>
+            <p:ph type="title"/>
+          </p:nvPr>
+        </p:nvSpPr>
+        <p:spPr>
+          <a:xfrm>
+            <a:off x="457200" y="205980"/>
+            <a:ext cx="8229600" cy="857251"/>
+          </a:xfrm>
+        </p:spPr>
+        <p:txBody>
+          <a:bodyPr>
+            <a:normAutofit/>
+          </a:bodyPr>
+          <a:lstStyle/>
+          <a:p>
+            <a:r>
+              <a:rPr lang="en-US" b="1" dirty="0" err="1">
+                <a:solidFill>
+                  <a:srgbClr val="0070C0"/>
+                </a:solidFill>
+              </a:rPr>
+              <a:t>Qualidade</a:t>
+            </a:r>
+            <a:r>
+              <a:rPr lang="en-US" b="1" dirty="0">
+                <a:solidFill>
+                  <a:srgbClr val="0070C0"/>
+                </a:solidFill>
+              </a:rPr>
+              <a:t> de </a:t>
+            </a:r>
+            <a:r>
+              <a:rPr lang="en-US" b="1" dirty="0" err="1">
+                <a:solidFill>
+                  <a:srgbClr val="0070C0"/>
+                </a:solidFill>
+              </a:rPr>
+              <a:t>Serviço</a:t>
+            </a:r>
+            <a:r>
+              <a:rPr lang="en-US" b="1" dirty="0">
+                <a:solidFill>
+                  <a:srgbClr val="0070C0"/>
+                </a:solidFill>
+              </a:rPr>
+              <a:t> e SLA</a:t>
+            </a:r>
+          </a:p>
+        </p:txBody>
+      </p:sp>
+      <p:sp>
+        <p:nvSpPr>
+          <p:cNvPr id="8" name="Text Placeholder 2"/>
+          <p:cNvSpPr>
+            <a:spLocks noGrp="1"/>
+          </p:cNvSpPr>
+          <p:nvPr>
+            <p:ph type="body" sz="half" idx="1"/>
+          </p:nvPr>
+        </p:nvSpPr>
+        <p:spPr>
+          <a:xfrm>
+            <a:off x="142865" y="1200150"/>
+            <a:ext cx="8865056" cy="3847338"/>
+          </a:xfrm>
+        </p:spPr>
+        <p:txBody>
+          <a:bodyPr>
+            <a:noAutofit/>
+          </a:bodyPr>
+          <a:lstStyle/>
+          <a:p>
+            <a:pPr marL="0" indent="0" algn="just">
+              <a:buNone/>
+            </a:pPr>
+            <a:endParaRPr lang="pt-BR" sz="2400" dirty="0">
+              <a:solidFill>
+                <a:schemeClr val="tx1"/>
+              </a:solidFill>
+              <a:latin typeface="Times" panose="02020603050405020304" pitchFamily="18" charset="0"/>
+              <a:cs typeface="Times" panose="02020603050405020304" pitchFamily="18" charset="0"/>
+            </a:endParaRPr>
+          </a:p>
+          <a:p>
+            <a:pPr marL="0" indent="0" algn="just">
+              <a:buNone/>
+            </a:pPr>
+            <a:endParaRPr lang="pt-BR" sz="2400" dirty="0">
+              <a:solidFill>
+                <a:schemeClr val="tx1"/>
+              </a:solidFill>
+              <a:latin typeface="Times" panose="02020603050405020304" pitchFamily="18" charset="0"/>
+              <a:cs typeface="Times" panose="02020603050405020304" pitchFamily="18" charset="0"/>
+            </a:endParaRPr>
+          </a:p>
+          <a:p>
+            <a:pPr marL="0" indent="0" algn="just">
+              <a:buNone/>
+            </a:pPr>
+            <a:r>
+              <a:rPr lang="pt-BR" sz="2400" dirty="0">
+                <a:solidFill>
+                  <a:schemeClr val="tx1"/>
+                </a:solidFill>
+                <a:latin typeface="Times" panose="02020603050405020304" pitchFamily="18" charset="0"/>
+                <a:cs typeface="Times" panose="02020603050405020304" pitchFamily="18" charset="0"/>
+              </a:rPr>
+              <a:t>O </a:t>
+            </a:r>
+            <a:r>
+              <a:rPr lang="pt-BR" sz="2400" b="1" dirty="0">
+                <a:solidFill>
+                  <a:schemeClr val="tx1"/>
+                </a:solidFill>
+                <a:latin typeface="Times" panose="02020603050405020304" pitchFamily="18" charset="0"/>
+                <a:cs typeface="Times" panose="02020603050405020304" pitchFamily="18" charset="0"/>
+              </a:rPr>
+              <a:t>cloud </a:t>
+            </a:r>
+            <a:r>
+              <a:rPr lang="pt-BR" sz="2400" b="1" dirty="0" err="1">
+                <a:solidFill>
+                  <a:schemeClr val="tx1"/>
+                </a:solidFill>
+                <a:latin typeface="Times" panose="02020603050405020304" pitchFamily="18" charset="0"/>
+                <a:cs typeface="Times" panose="02020603050405020304" pitchFamily="18" charset="0"/>
+              </a:rPr>
+              <a:t>computing</a:t>
+            </a:r>
+            <a:r>
+              <a:rPr lang="pt-BR" sz="2400" dirty="0">
+                <a:solidFill>
+                  <a:schemeClr val="tx1"/>
+                </a:solidFill>
+                <a:latin typeface="Times" panose="02020603050405020304" pitchFamily="18" charset="0"/>
+                <a:cs typeface="Times" panose="02020603050405020304" pitchFamily="18" charset="0"/>
+              </a:rPr>
+              <a:t> é um novo modelo de negócio que pressupõe a utilização de recursos tecnológicos em </a:t>
+            </a:r>
+            <a:r>
+              <a:rPr lang="pt-BR" sz="2400" b="1" dirty="0">
+                <a:solidFill>
+                  <a:srgbClr val="FF0000"/>
+                </a:solidFill>
+                <a:latin typeface="Times" panose="02020603050405020304" pitchFamily="18" charset="0"/>
+                <a:cs typeface="Times" panose="02020603050405020304" pitchFamily="18" charset="0"/>
+              </a:rPr>
+              <a:t>regime </a:t>
+            </a:r>
+            <a:r>
+              <a:rPr lang="pt-BR" sz="2400" b="1" dirty="0" err="1">
+                <a:solidFill>
+                  <a:srgbClr val="FF0000"/>
+                </a:solidFill>
+                <a:latin typeface="Times" panose="02020603050405020304" pitchFamily="18" charset="0"/>
+                <a:cs typeface="Times" panose="02020603050405020304" pitchFamily="18" charset="0"/>
+              </a:rPr>
+              <a:t>pay</a:t>
+            </a:r>
+            <a:r>
+              <a:rPr lang="pt-BR" sz="2400" b="1" dirty="0">
+                <a:solidFill>
+                  <a:srgbClr val="FF0000"/>
+                </a:solidFill>
+                <a:latin typeface="Times" panose="02020603050405020304" pitchFamily="18" charset="0"/>
+                <a:cs typeface="Times" panose="02020603050405020304" pitchFamily="18" charset="0"/>
+              </a:rPr>
+              <a:t>-as-</a:t>
+            </a:r>
+            <a:r>
+              <a:rPr lang="pt-BR" sz="2400" b="1" dirty="0" err="1">
+                <a:solidFill>
+                  <a:srgbClr val="FF0000"/>
+                </a:solidFill>
+                <a:latin typeface="Times" panose="02020603050405020304" pitchFamily="18" charset="0"/>
+                <a:cs typeface="Times" panose="02020603050405020304" pitchFamily="18" charset="0"/>
+              </a:rPr>
+              <a:t>you</a:t>
+            </a:r>
+            <a:r>
+              <a:rPr lang="pt-BR" sz="2400" b="1" dirty="0">
+                <a:solidFill>
+                  <a:srgbClr val="FF0000"/>
+                </a:solidFill>
+                <a:latin typeface="Times" panose="02020603050405020304" pitchFamily="18" charset="0"/>
+                <a:cs typeface="Times" panose="02020603050405020304" pitchFamily="18" charset="0"/>
+              </a:rPr>
+              <a:t>-go</a:t>
+            </a:r>
+            <a:r>
+              <a:rPr lang="pt-BR" sz="2400" dirty="0">
+                <a:solidFill>
+                  <a:schemeClr val="tx1"/>
+                </a:solidFill>
+                <a:latin typeface="Times" panose="02020603050405020304" pitchFamily="18" charset="0"/>
+                <a:cs typeface="Times" panose="02020603050405020304" pitchFamily="18" charset="0"/>
+              </a:rPr>
+              <a:t>, permitindo que as empresas se foquem no seu core business, </a:t>
+            </a:r>
+            <a:r>
+              <a:rPr lang="pt-BR" sz="2400" b="1" dirty="0">
+                <a:solidFill>
+                  <a:schemeClr val="tx1"/>
+                </a:solidFill>
+                <a:latin typeface="Times" panose="02020603050405020304" pitchFamily="18" charset="0"/>
+                <a:cs typeface="Times" panose="02020603050405020304" pitchFamily="18" charset="0"/>
+              </a:rPr>
+              <a:t>transformando as </a:t>
+            </a:r>
+            <a:r>
+              <a:rPr lang="pt-BR" sz="2400" b="1" dirty="0">
+                <a:solidFill>
+                  <a:srgbClr val="FF0000"/>
+                </a:solidFill>
+                <a:latin typeface="Times" panose="02020603050405020304" pitchFamily="18" charset="0"/>
+                <a:cs typeface="Times" panose="02020603050405020304" pitchFamily="18" charset="0"/>
+              </a:rPr>
+              <a:t>despesas de capital</a:t>
+            </a:r>
+            <a:r>
+              <a:rPr lang="pt-BR" sz="2400" b="1" dirty="0">
+                <a:solidFill>
+                  <a:schemeClr val="tx1"/>
+                </a:solidFill>
+                <a:latin typeface="Times" panose="02020603050405020304" pitchFamily="18" charset="0"/>
+                <a:cs typeface="Times" panose="02020603050405020304" pitchFamily="18" charset="0"/>
+              </a:rPr>
+              <a:t> em despesas operacionais</a:t>
+            </a:r>
+            <a:r>
+              <a:rPr lang="pt-BR" sz="2400" dirty="0">
+                <a:solidFill>
+                  <a:schemeClr val="tx1"/>
+                </a:solidFill>
+                <a:latin typeface="Times" panose="02020603050405020304" pitchFamily="18" charset="0"/>
+                <a:cs typeface="Times" panose="02020603050405020304" pitchFamily="18" charset="0"/>
+              </a:rPr>
+              <a:t>.</a:t>
+            </a:r>
+            <a:endParaRPr lang="pt-BR" sz="1800" b="1" dirty="0">
+              <a:solidFill>
+                <a:srgbClr val="FF0000"/>
+              </a:solidFill>
+              <a:latin typeface="Times" panose="02020603050405020304" pitchFamily="18" charset="0"/>
+              <a:cs typeface="Times" panose="02020603050405020304" pitchFamily="18" charset="0"/>
+            </a:endParaRPr>
+          </a:p>
+        </p:txBody>
+      </p:sp>
+    </p:spTree>
+    <p:extLst>
+      <p:ext uri="{BB962C8B-B14F-4D97-AF65-F5344CB8AC3E}">
+        <p14:creationId xmlns:p14="http://schemas.microsoft.com/office/powerpoint/2010/main" val="2733350474"/>
+      </p:ext>
+    </p:extLst>
+  </p:cSld>
+  <p:clrMapOvr>
+    <a:masterClrMapping/>
+  </p:clrMapOvr>
+  <p:transition spd="med"/>
+</p:sld>
+</file>
+
+<file path=ppt/slides/slide15.xml><?xml version="1.0" encoding="utf-8"?>
+<p:sld xmlns:a="http://schemas.openxmlformats.org/drawingml/2006/main" xmlns:r="http://schemas.openxmlformats.org/officeDocument/2006/relationships" xmlns:p="http://schemas.openxmlformats.org/presentationml/2006/main">
+  <p:cSld>
+    <p:spTree>
+      <p:nvGrpSpPr>
+        <p:cNvPr id="1" name=""/>
+        <p:cNvGrpSpPr/>
+        <p:nvPr/>
+      </p:nvGrpSpPr>
+      <p:grpSpPr>
+        <a:xfrm>
+          <a:off x="0" y="0"/>
+          <a:ext cx="0" cy="0"/>
+          <a:chOff x="0" y="0"/>
+          <a:chExt cx="0" cy="0"/>
+        </a:xfrm>
+      </p:grpSpPr>
+      <p:sp>
+        <p:nvSpPr>
+          <p:cNvPr id="6" name="Title 1"/>
+          <p:cNvSpPr>
+            <a:spLocks noGrp="1"/>
+          </p:cNvSpPr>
+          <p:nvPr>
+            <p:ph type="title"/>
+          </p:nvPr>
+        </p:nvSpPr>
+        <p:spPr>
+          <a:xfrm>
+            <a:off x="457200" y="205980"/>
+            <a:ext cx="8229600" cy="857251"/>
+          </a:xfrm>
+        </p:spPr>
+        <p:txBody>
+          <a:bodyPr>
+            <a:normAutofit/>
+          </a:bodyPr>
+          <a:lstStyle/>
+          <a:p>
+            <a:r>
+              <a:rPr lang="en-US" b="1" dirty="0" err="1">
+                <a:solidFill>
+                  <a:srgbClr val="0070C0"/>
+                </a:solidFill>
+              </a:rPr>
+              <a:t>Qualidade</a:t>
+            </a:r>
+            <a:r>
+              <a:rPr lang="en-US" b="1" dirty="0">
+                <a:solidFill>
+                  <a:srgbClr val="0070C0"/>
+                </a:solidFill>
+              </a:rPr>
+              <a:t> de </a:t>
+            </a:r>
+            <a:r>
+              <a:rPr lang="en-US" b="1" dirty="0" err="1">
+                <a:solidFill>
+                  <a:srgbClr val="0070C0"/>
+                </a:solidFill>
+              </a:rPr>
+              <a:t>Serviço</a:t>
+            </a:r>
+            <a:r>
+              <a:rPr lang="en-US" b="1" dirty="0">
+                <a:solidFill>
+                  <a:srgbClr val="0070C0"/>
+                </a:solidFill>
+              </a:rPr>
+              <a:t> e SLA</a:t>
+            </a:r>
+          </a:p>
+        </p:txBody>
+      </p:sp>
+      <p:sp>
+        <p:nvSpPr>
+          <p:cNvPr id="8" name="Text Placeholder 2"/>
+          <p:cNvSpPr>
+            <a:spLocks noGrp="1"/>
+          </p:cNvSpPr>
+          <p:nvPr>
+            <p:ph type="body" sz="half" idx="1"/>
+          </p:nvPr>
+        </p:nvSpPr>
+        <p:spPr>
+          <a:xfrm>
+            <a:off x="142865" y="1200150"/>
+            <a:ext cx="8865056" cy="3847338"/>
+          </a:xfrm>
+        </p:spPr>
+        <p:txBody>
+          <a:bodyPr>
+            <a:noAutofit/>
+          </a:bodyPr>
+          <a:lstStyle/>
+          <a:p>
+            <a:pPr marL="0" indent="0" algn="just">
+              <a:buNone/>
+            </a:pPr>
+            <a:endParaRPr lang="pt-BR" sz="2400" dirty="0">
+              <a:solidFill>
+                <a:schemeClr val="tx1"/>
+              </a:solidFill>
+              <a:latin typeface="Times" panose="02020603050405020304" pitchFamily="18" charset="0"/>
+              <a:cs typeface="Times" panose="02020603050405020304" pitchFamily="18" charset="0"/>
+            </a:endParaRPr>
+          </a:p>
+          <a:p>
+            <a:pPr marL="0" indent="0" algn="just">
+              <a:buNone/>
+            </a:pPr>
+            <a:endParaRPr lang="pt-BR" sz="2400" dirty="0">
+              <a:solidFill>
+                <a:schemeClr val="tx1"/>
+              </a:solidFill>
+              <a:latin typeface="Times" panose="02020603050405020304" pitchFamily="18" charset="0"/>
+              <a:cs typeface="Times" panose="02020603050405020304" pitchFamily="18" charset="0"/>
+            </a:endParaRPr>
+          </a:p>
+          <a:p>
+            <a:pPr marL="0" indent="0" algn="just">
+              <a:buNone/>
+            </a:pPr>
+            <a:r>
+              <a:rPr lang="pt-BR" sz="2400" dirty="0">
+                <a:solidFill>
+                  <a:schemeClr val="tx1"/>
+                </a:solidFill>
+                <a:latin typeface="Times" panose="02020603050405020304" pitchFamily="18" charset="0"/>
+                <a:cs typeface="Times" panose="02020603050405020304" pitchFamily="18" charset="0"/>
+              </a:rPr>
+              <a:t>Num ambiente </a:t>
+            </a:r>
+            <a:r>
+              <a:rPr lang="pt-BR" sz="2400" b="1" dirty="0">
+                <a:solidFill>
+                  <a:schemeClr val="tx1"/>
+                </a:solidFill>
+                <a:latin typeface="Times" panose="02020603050405020304" pitchFamily="18" charset="0"/>
+                <a:cs typeface="Times" panose="02020603050405020304" pitchFamily="18" charset="0"/>
+              </a:rPr>
+              <a:t>cloud </a:t>
+            </a:r>
+            <a:r>
+              <a:rPr lang="pt-BR" sz="2400" b="1" dirty="0" err="1">
+                <a:solidFill>
+                  <a:schemeClr val="tx1"/>
+                </a:solidFill>
+                <a:latin typeface="Times" panose="02020603050405020304" pitchFamily="18" charset="0"/>
+                <a:cs typeface="Times" panose="02020603050405020304" pitchFamily="18" charset="0"/>
+              </a:rPr>
+              <a:t>computing</a:t>
+            </a:r>
+            <a:r>
+              <a:rPr lang="pt-BR" sz="2400" dirty="0">
+                <a:solidFill>
+                  <a:schemeClr val="tx1"/>
+                </a:solidFill>
+                <a:latin typeface="Times" panose="02020603050405020304" pitchFamily="18" charset="0"/>
+                <a:cs typeface="Times" panose="02020603050405020304" pitchFamily="18" charset="0"/>
+              </a:rPr>
+              <a:t>, o </a:t>
+            </a:r>
+            <a:r>
+              <a:rPr lang="pt-BR" sz="2400" b="1" dirty="0">
+                <a:solidFill>
+                  <a:srgbClr val="FF0000"/>
+                </a:solidFill>
+                <a:latin typeface="Times" panose="02020603050405020304" pitchFamily="18" charset="0"/>
+                <a:cs typeface="Times" panose="02020603050405020304" pitchFamily="18" charset="0"/>
+              </a:rPr>
+              <a:t>Service </a:t>
+            </a:r>
+            <a:r>
+              <a:rPr lang="pt-BR" sz="2400" b="1" dirty="0" err="1">
+                <a:solidFill>
+                  <a:srgbClr val="FF0000"/>
+                </a:solidFill>
+                <a:latin typeface="Times" panose="02020603050405020304" pitchFamily="18" charset="0"/>
+                <a:cs typeface="Times" panose="02020603050405020304" pitchFamily="18" charset="0"/>
+              </a:rPr>
+              <a:t>Level</a:t>
+            </a:r>
+            <a:r>
+              <a:rPr lang="pt-BR" sz="2400" b="1" dirty="0">
+                <a:solidFill>
+                  <a:srgbClr val="FF0000"/>
+                </a:solidFill>
+                <a:latin typeface="Times" panose="02020603050405020304" pitchFamily="18" charset="0"/>
+                <a:cs typeface="Times" panose="02020603050405020304" pitchFamily="18" charset="0"/>
+              </a:rPr>
+              <a:t> </a:t>
+            </a:r>
+            <a:r>
+              <a:rPr lang="pt-BR" sz="2400" b="1" dirty="0" err="1">
+                <a:solidFill>
+                  <a:srgbClr val="FF0000"/>
+                </a:solidFill>
+                <a:latin typeface="Times" panose="02020603050405020304" pitchFamily="18" charset="0"/>
+                <a:cs typeface="Times" panose="02020603050405020304" pitchFamily="18" charset="0"/>
+              </a:rPr>
+              <a:t>Agreement</a:t>
+            </a:r>
+            <a:r>
+              <a:rPr lang="pt-BR" sz="2400" dirty="0">
+                <a:solidFill>
+                  <a:schemeClr val="tx1"/>
+                </a:solidFill>
+                <a:latin typeface="Times" panose="02020603050405020304" pitchFamily="18" charset="0"/>
+                <a:cs typeface="Times" panose="02020603050405020304" pitchFamily="18" charset="0"/>
+              </a:rPr>
+              <a:t> (</a:t>
+            </a:r>
+            <a:r>
+              <a:rPr lang="pt-BR" sz="2400" b="1" dirty="0">
+                <a:solidFill>
+                  <a:schemeClr val="tx1"/>
+                </a:solidFill>
+                <a:latin typeface="Times" panose="02020603050405020304" pitchFamily="18" charset="0"/>
+                <a:cs typeface="Times" panose="02020603050405020304" pitchFamily="18" charset="0"/>
+              </a:rPr>
+              <a:t>SLA</a:t>
+            </a:r>
+            <a:r>
+              <a:rPr lang="pt-BR" sz="2400" dirty="0">
+                <a:solidFill>
+                  <a:schemeClr val="tx1"/>
+                </a:solidFill>
+                <a:latin typeface="Times" panose="02020603050405020304" pitchFamily="18" charset="0"/>
+                <a:cs typeface="Times" panose="02020603050405020304" pitchFamily="18" charset="0"/>
+              </a:rPr>
+              <a:t>) é um documento que pretende gerir as expectativas do fornecedor de serviços e do cliente, relativamente à qualidade do serviço entregue, medindo e validando se os parâmetros previamente acordados são cumpridos.	</a:t>
+            </a:r>
+            <a:endParaRPr lang="pt-BR" sz="1800" b="1" dirty="0">
+              <a:solidFill>
+                <a:srgbClr val="FF0000"/>
+              </a:solidFill>
+              <a:latin typeface="Times" panose="02020603050405020304" pitchFamily="18" charset="0"/>
+              <a:cs typeface="Times" panose="02020603050405020304" pitchFamily="18" charset="0"/>
+            </a:endParaRPr>
+          </a:p>
+        </p:txBody>
+      </p:sp>
+    </p:spTree>
+    <p:extLst>
+      <p:ext uri="{BB962C8B-B14F-4D97-AF65-F5344CB8AC3E}">
+        <p14:creationId xmlns:p14="http://schemas.microsoft.com/office/powerpoint/2010/main" val="1696876958"/>
+      </p:ext>
+    </p:extLst>
+  </p:cSld>
+  <p:clrMapOvr>
+    <a:masterClrMapping/>
+  </p:clrMapOvr>
+  <p:transition spd="med"/>
+</p:sld>
+</file>
+
+<file path=ppt/slides/slide16.xml><?xml version="1.0" encoding="utf-8"?>
+<p:sld xmlns:a="http://schemas.openxmlformats.org/drawingml/2006/main" xmlns:r="http://schemas.openxmlformats.org/officeDocument/2006/relationships" xmlns:p="http://schemas.openxmlformats.org/presentationml/2006/main">
+  <p:cSld>
+    <p:spTree>
+      <p:nvGrpSpPr>
+        <p:cNvPr id="1" name=""/>
+        <p:cNvGrpSpPr/>
+        <p:nvPr/>
+      </p:nvGrpSpPr>
+      <p:grpSpPr>
+        <a:xfrm>
+          <a:off x="0" y="0"/>
+          <a:ext cx="0" cy="0"/>
+          <a:chOff x="0" y="0"/>
+          <a:chExt cx="0" cy="0"/>
+        </a:xfrm>
+      </p:grpSpPr>
+      <p:sp>
+        <p:nvSpPr>
+          <p:cNvPr id="6" name="Title 1"/>
+          <p:cNvSpPr>
+            <a:spLocks noGrp="1"/>
+          </p:cNvSpPr>
+          <p:nvPr>
+            <p:ph type="title"/>
+          </p:nvPr>
+        </p:nvSpPr>
+        <p:spPr>
+          <a:xfrm>
+            <a:off x="457200" y="205980"/>
+            <a:ext cx="8229600" cy="857251"/>
+          </a:xfrm>
+        </p:spPr>
+        <p:txBody>
+          <a:bodyPr>
+            <a:normAutofit/>
+          </a:bodyPr>
+          <a:lstStyle/>
+          <a:p>
+            <a:r>
+              <a:rPr lang="en-US" b="1" dirty="0" err="1">
+                <a:solidFill>
+                  <a:srgbClr val="0070C0"/>
+                </a:solidFill>
+              </a:rPr>
+              <a:t>Qualidade</a:t>
+            </a:r>
+            <a:r>
+              <a:rPr lang="en-US" b="1" dirty="0">
+                <a:solidFill>
+                  <a:srgbClr val="0070C0"/>
+                </a:solidFill>
+              </a:rPr>
+              <a:t> de </a:t>
+            </a:r>
+            <a:r>
+              <a:rPr lang="en-US" b="1" dirty="0" err="1">
+                <a:solidFill>
+                  <a:srgbClr val="0070C0"/>
+                </a:solidFill>
+              </a:rPr>
+              <a:t>Serviço</a:t>
+            </a:r>
+            <a:r>
+              <a:rPr lang="en-US" b="1" dirty="0">
+                <a:solidFill>
+                  <a:srgbClr val="0070C0"/>
+                </a:solidFill>
+              </a:rPr>
+              <a:t> e SLA</a:t>
+            </a:r>
+          </a:p>
+        </p:txBody>
+      </p:sp>
+      <p:sp>
+        <p:nvSpPr>
+          <p:cNvPr id="8" name="Text Placeholder 2"/>
+          <p:cNvSpPr>
+            <a:spLocks noGrp="1"/>
+          </p:cNvSpPr>
+          <p:nvPr>
+            <p:ph type="body" sz="half" idx="1"/>
+          </p:nvPr>
+        </p:nvSpPr>
+        <p:spPr>
+          <a:xfrm>
+            <a:off x="142865" y="1200150"/>
+            <a:ext cx="8865056" cy="3847338"/>
+          </a:xfrm>
+        </p:spPr>
+        <p:txBody>
+          <a:bodyPr>
+            <a:noAutofit/>
+          </a:bodyPr>
+          <a:lstStyle/>
+          <a:p>
+            <a:pPr marL="0" indent="0" algn="just">
+              <a:buNone/>
+            </a:pPr>
+            <a:endParaRPr lang="pt-BR" sz="2400" dirty="0">
+              <a:solidFill>
+                <a:schemeClr val="tx1"/>
+              </a:solidFill>
+              <a:latin typeface="Times" panose="02020603050405020304" pitchFamily="18" charset="0"/>
+              <a:cs typeface="Times" panose="02020603050405020304" pitchFamily="18" charset="0"/>
+            </a:endParaRPr>
+          </a:p>
+          <a:p>
+            <a:pPr marL="0" indent="0" algn="just">
+              <a:buNone/>
+            </a:pPr>
+            <a:endParaRPr lang="pt-BR" sz="2400" dirty="0">
+              <a:solidFill>
+                <a:schemeClr val="tx1"/>
+              </a:solidFill>
+              <a:latin typeface="Times" panose="02020603050405020304" pitchFamily="18" charset="0"/>
+              <a:cs typeface="Times" panose="02020603050405020304" pitchFamily="18" charset="0"/>
+            </a:endParaRPr>
+          </a:p>
+          <a:p>
+            <a:pPr marL="0" indent="0" algn="just">
+              <a:buNone/>
+            </a:pPr>
+            <a:r>
+              <a:rPr lang="pt-BR" sz="2400" dirty="0">
+                <a:solidFill>
+                  <a:schemeClr val="tx1"/>
+                </a:solidFill>
+                <a:latin typeface="Times" panose="02020603050405020304" pitchFamily="18" charset="0"/>
+                <a:cs typeface="Times" panose="02020603050405020304" pitchFamily="18" charset="0"/>
+              </a:rPr>
+              <a:t>A alteração na </a:t>
+            </a:r>
+            <a:r>
+              <a:rPr lang="pt-BR" sz="2400" b="1" dirty="0">
+                <a:solidFill>
+                  <a:schemeClr val="tx1"/>
+                </a:solidFill>
+                <a:latin typeface="Times" panose="02020603050405020304" pitchFamily="18" charset="0"/>
+                <a:cs typeface="Times" panose="02020603050405020304" pitchFamily="18" charset="0"/>
+              </a:rPr>
+              <a:t>forma de consumo</a:t>
+            </a:r>
+            <a:r>
+              <a:rPr lang="pt-BR" sz="2400" dirty="0">
+                <a:solidFill>
+                  <a:schemeClr val="tx1"/>
+                </a:solidFill>
+                <a:latin typeface="Times" panose="02020603050405020304" pitchFamily="18" charset="0"/>
+                <a:cs typeface="Times" panose="02020603050405020304" pitchFamily="18" charset="0"/>
+              </a:rPr>
+              <a:t> de conteúdos informáticos, nomeadamente por meio do </a:t>
+            </a:r>
+            <a:r>
+              <a:rPr lang="pt-BR" sz="2400" b="1" dirty="0">
+                <a:solidFill>
+                  <a:schemeClr val="tx1"/>
+                </a:solidFill>
+                <a:latin typeface="Times" panose="02020603050405020304" pitchFamily="18" charset="0"/>
+                <a:cs typeface="Times" panose="02020603050405020304" pitchFamily="18" charset="0"/>
+              </a:rPr>
+              <a:t>cloud </a:t>
+            </a:r>
+            <a:r>
+              <a:rPr lang="pt-BR" sz="2400" b="1" dirty="0" err="1">
+                <a:solidFill>
+                  <a:schemeClr val="tx1"/>
+                </a:solidFill>
+                <a:latin typeface="Times" panose="02020603050405020304" pitchFamily="18" charset="0"/>
+                <a:cs typeface="Times" panose="02020603050405020304" pitchFamily="18" charset="0"/>
+              </a:rPr>
+              <a:t>computing</a:t>
+            </a:r>
+            <a:r>
+              <a:rPr lang="pt-BR" sz="2400" dirty="0">
+                <a:solidFill>
+                  <a:schemeClr val="tx1"/>
+                </a:solidFill>
+                <a:latin typeface="Times" panose="02020603050405020304" pitchFamily="18" charset="0"/>
+                <a:cs typeface="Times" panose="02020603050405020304" pitchFamily="18" charset="0"/>
+              </a:rPr>
+              <a:t>, origina uma preocupação do cliente relativamente à </a:t>
+            </a:r>
+            <a:r>
+              <a:rPr lang="pt-BR" sz="2400" b="1" dirty="0">
+                <a:solidFill>
+                  <a:schemeClr val="tx1"/>
+                </a:solidFill>
+                <a:latin typeface="Times" panose="02020603050405020304" pitchFamily="18" charset="0"/>
+                <a:cs typeface="Times" panose="02020603050405020304" pitchFamily="18" charset="0"/>
+              </a:rPr>
+              <a:t>percepção do nível de serviço entregue</a:t>
+            </a:r>
+            <a:r>
+              <a:rPr lang="pt-BR" sz="2400" dirty="0">
+                <a:solidFill>
+                  <a:schemeClr val="tx1"/>
+                </a:solidFill>
+                <a:latin typeface="Times" panose="02020603050405020304" pitchFamily="18" charset="0"/>
+                <a:cs typeface="Times" panose="02020603050405020304" pitchFamily="18" charset="0"/>
+              </a:rPr>
+              <a:t>, diferente da que existia antes (PATEL et al., 2009).</a:t>
+            </a:r>
+          </a:p>
+        </p:txBody>
+      </p:sp>
+    </p:spTree>
+    <p:extLst>
+      <p:ext uri="{BB962C8B-B14F-4D97-AF65-F5344CB8AC3E}">
+        <p14:creationId xmlns:p14="http://schemas.microsoft.com/office/powerpoint/2010/main" val="3005003066"/>
+      </p:ext>
+    </p:extLst>
+  </p:cSld>
+  <p:clrMapOvr>
+    <a:masterClrMapping/>
+  </p:clrMapOvr>
+  <p:transition spd="med"/>
+</p:sld>
+</file>
+
+<file path=ppt/slides/slide17.xml><?xml version="1.0" encoding="utf-8"?>
+<p:sld xmlns:a="http://schemas.openxmlformats.org/drawingml/2006/main" xmlns:r="http://schemas.openxmlformats.org/officeDocument/2006/relationships" xmlns:p="http://schemas.openxmlformats.org/presentationml/2006/main">
+  <p:cSld>
+    <p:spTree>
+      <p:nvGrpSpPr>
+        <p:cNvPr id="1" name=""/>
+        <p:cNvGrpSpPr/>
+        <p:nvPr/>
+      </p:nvGrpSpPr>
+      <p:grpSpPr>
+        <a:xfrm>
+          <a:off x="0" y="0"/>
+          <a:ext cx="0" cy="0"/>
+          <a:chOff x="0" y="0"/>
+          <a:chExt cx="0" cy="0"/>
+        </a:xfrm>
+      </p:grpSpPr>
+      <p:sp>
+        <p:nvSpPr>
+          <p:cNvPr id="6" name="Title 1"/>
+          <p:cNvSpPr>
+            <a:spLocks noGrp="1"/>
+          </p:cNvSpPr>
+          <p:nvPr>
+            <p:ph type="title"/>
+          </p:nvPr>
+        </p:nvSpPr>
+        <p:spPr>
+          <a:xfrm>
+            <a:off x="457200" y="205980"/>
+            <a:ext cx="8229600" cy="857251"/>
+          </a:xfrm>
+        </p:spPr>
+        <p:txBody>
+          <a:bodyPr>
+            <a:normAutofit/>
+          </a:bodyPr>
+          <a:lstStyle/>
+          <a:p>
+            <a:r>
+              <a:rPr lang="en-US" b="1" dirty="0" err="1">
+                <a:solidFill>
+                  <a:srgbClr val="0070C0"/>
+                </a:solidFill>
+              </a:rPr>
+              <a:t>Qualidade</a:t>
+            </a:r>
+            <a:r>
+              <a:rPr lang="en-US" b="1" dirty="0">
+                <a:solidFill>
+                  <a:srgbClr val="0070C0"/>
+                </a:solidFill>
+              </a:rPr>
+              <a:t> de </a:t>
+            </a:r>
+            <a:r>
+              <a:rPr lang="en-US" b="1" dirty="0" err="1">
+                <a:solidFill>
+                  <a:srgbClr val="0070C0"/>
+                </a:solidFill>
+              </a:rPr>
+              <a:t>Serviço</a:t>
+            </a:r>
+            <a:r>
+              <a:rPr lang="en-US" b="1" dirty="0">
+                <a:solidFill>
+                  <a:srgbClr val="0070C0"/>
+                </a:solidFill>
+              </a:rPr>
+              <a:t> e SLA</a:t>
+            </a:r>
+          </a:p>
+        </p:txBody>
+      </p:sp>
+      <p:sp>
+        <p:nvSpPr>
+          <p:cNvPr id="8" name="Text Placeholder 2"/>
+          <p:cNvSpPr>
+            <a:spLocks noGrp="1"/>
+          </p:cNvSpPr>
+          <p:nvPr>
+            <p:ph type="body" sz="half" idx="1"/>
+          </p:nvPr>
+        </p:nvSpPr>
+        <p:spPr>
+          <a:xfrm>
+            <a:off x="142865" y="1200150"/>
+            <a:ext cx="8865056" cy="3847338"/>
+          </a:xfrm>
+        </p:spPr>
+        <p:txBody>
+          <a:bodyPr>
+            <a:noAutofit/>
+          </a:bodyPr>
+          <a:lstStyle/>
+          <a:p>
+            <a:pPr marL="0" indent="0" algn="just">
+              <a:buNone/>
+            </a:pPr>
+            <a:r>
+              <a:rPr lang="pt-BR" sz="2400" dirty="0">
+                <a:solidFill>
+                  <a:schemeClr val="tx1"/>
+                </a:solidFill>
+                <a:latin typeface="Times" panose="02020603050405020304" pitchFamily="18" charset="0"/>
+                <a:cs typeface="Times" panose="02020603050405020304" pitchFamily="18" charset="0"/>
+              </a:rPr>
+              <a:t>Nesse sentido, assistiu-se a uma crescente TI em melhorar a sua “gestão de serviços” (</a:t>
+            </a:r>
+            <a:r>
+              <a:rPr lang="pt-BR" sz="2400" b="1" dirty="0">
+                <a:solidFill>
+                  <a:schemeClr val="tx1"/>
+                </a:solidFill>
+                <a:latin typeface="Times" panose="02020603050405020304" pitchFamily="18" charset="0"/>
+                <a:cs typeface="Times" panose="02020603050405020304" pitchFamily="18" charset="0"/>
+              </a:rPr>
+              <a:t>Service Management</a:t>
+            </a:r>
+            <a:r>
+              <a:rPr lang="pt-BR" sz="2400" dirty="0">
+                <a:solidFill>
+                  <a:schemeClr val="tx1"/>
+                </a:solidFill>
+                <a:latin typeface="Times" panose="02020603050405020304" pitchFamily="18" charset="0"/>
+                <a:cs typeface="Times" panose="02020603050405020304" pitchFamily="18" charset="0"/>
+              </a:rPr>
+              <a:t>), com base num conjunto de boas práticas: </a:t>
+            </a:r>
+            <a:r>
+              <a:rPr lang="pt-BR" sz="2400" dirty="0" err="1">
+                <a:solidFill>
+                  <a:schemeClr val="tx1"/>
+                </a:solidFill>
+                <a:latin typeface="Times" panose="02020603050405020304" pitchFamily="18" charset="0"/>
+                <a:cs typeface="Times" panose="02020603050405020304" pitchFamily="18" charset="0"/>
+              </a:rPr>
+              <a:t>Information</a:t>
+            </a:r>
+            <a:r>
+              <a:rPr lang="pt-BR" sz="2400" dirty="0">
+                <a:solidFill>
+                  <a:schemeClr val="tx1"/>
+                </a:solidFill>
+                <a:latin typeface="Times" panose="02020603050405020304" pitchFamily="18" charset="0"/>
+                <a:cs typeface="Times" panose="02020603050405020304" pitchFamily="18" charset="0"/>
+              </a:rPr>
+              <a:t> Technology </a:t>
+            </a:r>
+            <a:r>
+              <a:rPr lang="pt-BR" sz="2400" dirty="0" err="1">
+                <a:solidFill>
+                  <a:schemeClr val="tx1"/>
+                </a:solidFill>
+                <a:latin typeface="Times" panose="02020603050405020304" pitchFamily="18" charset="0"/>
+                <a:cs typeface="Times" panose="02020603050405020304" pitchFamily="18" charset="0"/>
+              </a:rPr>
+              <a:t>Infrastructure</a:t>
+            </a:r>
+            <a:r>
+              <a:rPr lang="pt-BR" sz="2400" dirty="0">
+                <a:solidFill>
+                  <a:schemeClr val="tx1"/>
+                </a:solidFill>
+                <a:latin typeface="Times" panose="02020603050405020304" pitchFamily="18" charset="0"/>
+                <a:cs typeface="Times" panose="02020603050405020304" pitchFamily="18" charset="0"/>
+              </a:rPr>
+              <a:t> Library (</a:t>
+            </a:r>
+            <a:r>
+              <a:rPr lang="pt-BR" sz="2400" b="1" dirty="0">
+                <a:solidFill>
+                  <a:schemeClr val="tx1"/>
+                </a:solidFill>
+                <a:latin typeface="Times" panose="02020603050405020304" pitchFamily="18" charset="0"/>
+                <a:cs typeface="Times" panose="02020603050405020304" pitchFamily="18" charset="0"/>
+              </a:rPr>
+              <a:t>ITIL</a:t>
+            </a:r>
+            <a:r>
+              <a:rPr lang="pt-BR" sz="2400" dirty="0">
+                <a:solidFill>
+                  <a:schemeClr val="tx1"/>
+                </a:solidFill>
+                <a:latin typeface="Times" panose="02020603050405020304" pitchFamily="18" charset="0"/>
+                <a:cs typeface="Times" panose="02020603050405020304" pitchFamily="18" charset="0"/>
+              </a:rPr>
+              <a:t>).</a:t>
+            </a:r>
+          </a:p>
+          <a:p>
+            <a:pPr marL="0" indent="0" algn="just">
+              <a:buNone/>
+            </a:pPr>
+            <a:endParaRPr lang="pt-BR" sz="2400" dirty="0">
+              <a:solidFill>
+                <a:schemeClr val="tx1"/>
+              </a:solidFill>
+              <a:latin typeface="Times" panose="02020603050405020304" pitchFamily="18" charset="0"/>
+              <a:cs typeface="Times" panose="02020603050405020304" pitchFamily="18" charset="0"/>
+            </a:endParaRPr>
+          </a:p>
+          <a:p>
+            <a:pPr marL="0" indent="0" algn="just">
+              <a:buNone/>
+            </a:pPr>
+            <a:r>
+              <a:rPr lang="pt-BR" sz="2400" dirty="0">
+                <a:solidFill>
+                  <a:schemeClr val="tx1"/>
+                </a:solidFill>
+                <a:latin typeface="Times" panose="02020603050405020304" pitchFamily="18" charset="0"/>
+                <a:cs typeface="Times" panose="02020603050405020304" pitchFamily="18" charset="0"/>
+              </a:rPr>
+              <a:t>Neste processo foram abrangidas </a:t>
+            </a:r>
+            <a:r>
+              <a:rPr lang="pt-BR" sz="2400" b="1" dirty="0">
+                <a:solidFill>
+                  <a:schemeClr val="tx1"/>
+                </a:solidFill>
+                <a:latin typeface="Times" panose="02020603050405020304" pitchFamily="18" charset="0"/>
+                <a:cs typeface="Times" panose="02020603050405020304" pitchFamily="18" charset="0"/>
+              </a:rPr>
+              <a:t>áreas como o apoio</a:t>
+            </a:r>
+            <a:r>
+              <a:rPr lang="pt-BR" sz="2400" dirty="0">
+                <a:solidFill>
+                  <a:schemeClr val="tx1"/>
+                </a:solidFill>
+                <a:latin typeface="Times" panose="02020603050405020304" pitchFamily="18" charset="0"/>
+                <a:cs typeface="Times" panose="02020603050405020304" pitchFamily="18" charset="0"/>
+              </a:rPr>
+              <a:t> no </a:t>
+            </a:r>
+            <a:r>
+              <a:rPr lang="pt-BR" sz="2400" b="1" dirty="0">
+                <a:solidFill>
+                  <a:srgbClr val="FF0000"/>
+                </a:solidFill>
+                <a:latin typeface="Times" panose="02020603050405020304" pitchFamily="18" charset="0"/>
+                <a:cs typeface="Times" panose="02020603050405020304" pitchFamily="18" charset="0"/>
+              </a:rPr>
+              <a:t>desempenho e disponibilidade do serviço, Help Desk e apoio ao utilizador final, entre outros</a:t>
+            </a:r>
+            <a:r>
+              <a:rPr lang="pt-BR" sz="2400" dirty="0">
+                <a:solidFill>
+                  <a:schemeClr val="tx1"/>
+                </a:solidFill>
+                <a:latin typeface="Times" panose="02020603050405020304" pitchFamily="18" charset="0"/>
+                <a:cs typeface="Times" panose="02020603050405020304" pitchFamily="18" charset="0"/>
+              </a:rPr>
+              <a:t> (BOUMAN et al., 2004).</a:t>
+            </a:r>
+          </a:p>
+        </p:txBody>
+      </p:sp>
+    </p:spTree>
+    <p:extLst>
+      <p:ext uri="{BB962C8B-B14F-4D97-AF65-F5344CB8AC3E}">
+        <p14:creationId xmlns:p14="http://schemas.microsoft.com/office/powerpoint/2010/main" val="1572710277"/>
+      </p:ext>
+    </p:extLst>
+  </p:cSld>
+  <p:clrMapOvr>
+    <a:masterClrMapping/>
+  </p:clrMapOvr>
+  <p:transition spd="med"/>
+</p:sld>
+</file>
+
+<file path=ppt/slides/slide18.xml><?xml version="1.0" encoding="utf-8"?>
+<p:sld xmlns:a="http://schemas.openxmlformats.org/drawingml/2006/main" xmlns:r="http://schemas.openxmlformats.org/officeDocument/2006/relationships" xmlns:p="http://schemas.openxmlformats.org/presentationml/2006/main">
+  <p:cSld>
+    <p:spTree>
+      <p:nvGrpSpPr>
+        <p:cNvPr id="1" name=""/>
+        <p:cNvGrpSpPr/>
+        <p:nvPr/>
+      </p:nvGrpSpPr>
+      <p:grpSpPr>
+        <a:xfrm>
+          <a:off x="0" y="0"/>
+          <a:ext cx="0" cy="0"/>
+          <a:chOff x="0" y="0"/>
+          <a:chExt cx="0" cy="0"/>
+        </a:xfrm>
+      </p:grpSpPr>
+      <p:sp>
+        <p:nvSpPr>
+          <p:cNvPr id="6" name="Title 1"/>
+          <p:cNvSpPr>
+            <a:spLocks noGrp="1"/>
+          </p:cNvSpPr>
+          <p:nvPr>
+            <p:ph type="title"/>
+          </p:nvPr>
+        </p:nvSpPr>
+        <p:spPr>
+          <a:xfrm>
+            <a:off x="457200" y="205980"/>
+            <a:ext cx="8229600" cy="857251"/>
+          </a:xfrm>
+        </p:spPr>
+        <p:txBody>
+          <a:bodyPr>
+            <a:normAutofit fontScale="90000"/>
+          </a:bodyPr>
+          <a:lstStyle/>
+          <a:p>
+            <a:r>
+              <a:rPr lang="en-US" b="1" dirty="0">
+                <a:solidFill>
+                  <a:srgbClr val="0070C0"/>
+                </a:solidFill>
+              </a:rPr>
+              <a:t>AZURE - </a:t>
+            </a:r>
+            <a:r>
+              <a:rPr lang="en-US" b="1" dirty="0" err="1">
+                <a:solidFill>
+                  <a:srgbClr val="0070C0"/>
+                </a:solidFill>
+              </a:rPr>
+              <a:t>Qualidade</a:t>
+            </a:r>
+            <a:r>
+              <a:rPr lang="en-US" b="1" dirty="0">
+                <a:solidFill>
+                  <a:srgbClr val="0070C0"/>
+                </a:solidFill>
+              </a:rPr>
+              <a:t> de </a:t>
+            </a:r>
+            <a:r>
+              <a:rPr lang="en-US" b="1" dirty="0" err="1">
+                <a:solidFill>
+                  <a:srgbClr val="0070C0"/>
+                </a:solidFill>
+              </a:rPr>
+              <a:t>Serviço</a:t>
+            </a:r>
+            <a:r>
+              <a:rPr lang="en-US" b="1" dirty="0">
+                <a:solidFill>
+                  <a:srgbClr val="0070C0"/>
+                </a:solidFill>
+              </a:rPr>
+              <a:t> e SLA</a:t>
+            </a:r>
+          </a:p>
+        </p:txBody>
+      </p:sp>
+      <p:sp>
+        <p:nvSpPr>
+          <p:cNvPr id="8" name="Text Placeholder 2"/>
+          <p:cNvSpPr>
+            <a:spLocks noGrp="1"/>
+          </p:cNvSpPr>
+          <p:nvPr>
+            <p:ph type="body" sz="half" idx="1"/>
+          </p:nvPr>
+        </p:nvSpPr>
+        <p:spPr>
+          <a:xfrm>
+            <a:off x="142865" y="1200150"/>
+            <a:ext cx="8865056" cy="3847338"/>
+          </a:xfrm>
+        </p:spPr>
+        <p:txBody>
+          <a:bodyPr>
+            <a:noAutofit/>
+          </a:bodyPr>
+          <a:lstStyle/>
+          <a:p>
+            <a:pPr marL="0" indent="0" algn="just">
+              <a:buNone/>
+            </a:pPr>
+            <a:r>
+              <a:rPr lang="pt-BR" sz="2400" dirty="0">
+                <a:solidFill>
+                  <a:schemeClr val="tx1"/>
+                </a:solidFill>
+                <a:latin typeface="Times" panose="02020603050405020304" pitchFamily="18" charset="0"/>
+                <a:cs typeface="Times" panose="02020603050405020304" pitchFamily="18" charset="0"/>
+              </a:rPr>
+              <a:t>Os Contratos de Nível de Serviço (SLA) descrevem os compromissos da Microsoft para tempo de atividade e conectividade para Microsoft Online Services. </a:t>
+            </a:r>
+          </a:p>
+          <a:p>
+            <a:pPr marL="0" indent="0" algn="just">
+              <a:buNone/>
+            </a:pPr>
+            <a:endParaRPr lang="pt-BR" sz="2400" dirty="0">
+              <a:solidFill>
+                <a:schemeClr val="tx1"/>
+              </a:solidFill>
+              <a:latin typeface="Times" panose="02020603050405020304" pitchFamily="18" charset="0"/>
+              <a:cs typeface="Times" panose="02020603050405020304" pitchFamily="18" charset="0"/>
+            </a:endParaRPr>
+          </a:p>
+          <a:p>
+            <a:pPr marL="0" indent="0" algn="just">
+              <a:buNone/>
+            </a:pPr>
+            <a:r>
+              <a:rPr lang="pt-BR" sz="2400" dirty="0">
+                <a:solidFill>
+                  <a:schemeClr val="tx1"/>
+                </a:solidFill>
+                <a:latin typeface="Times" panose="02020603050405020304" pitchFamily="18" charset="0"/>
+                <a:cs typeface="Times" panose="02020603050405020304" pitchFamily="18" charset="0"/>
+              </a:rPr>
+              <a:t>As edições atuais e arquivadas do SLA estão disponíveis para download e abrangem Azure, Dynamics 365, Office 365 e </a:t>
+            </a:r>
+            <a:r>
+              <a:rPr lang="pt-BR" sz="2400" dirty="0" err="1">
+                <a:solidFill>
+                  <a:schemeClr val="tx1"/>
+                </a:solidFill>
+                <a:latin typeface="Times" panose="02020603050405020304" pitchFamily="18" charset="0"/>
+                <a:cs typeface="Times" panose="02020603050405020304" pitchFamily="18" charset="0"/>
+              </a:rPr>
+              <a:t>Intune</a:t>
+            </a:r>
+            <a:r>
+              <a:rPr lang="pt-BR" sz="2400" dirty="0">
+                <a:solidFill>
+                  <a:schemeClr val="tx1"/>
+                </a:solidFill>
+                <a:latin typeface="Times" panose="02020603050405020304" pitchFamily="18" charset="0"/>
+                <a:cs typeface="Times" panose="02020603050405020304" pitchFamily="18" charset="0"/>
+              </a:rPr>
+              <a:t>.</a:t>
+            </a:r>
+          </a:p>
+          <a:p>
+            <a:pPr marL="0" indent="0" algn="just">
+              <a:buNone/>
+            </a:pPr>
+            <a:endParaRPr lang="pt-BR" sz="2400" dirty="0">
+              <a:solidFill>
+                <a:schemeClr val="tx1"/>
+              </a:solidFill>
+              <a:latin typeface="Times" panose="02020603050405020304" pitchFamily="18" charset="0"/>
+              <a:cs typeface="Times" panose="02020603050405020304" pitchFamily="18" charset="0"/>
+            </a:endParaRPr>
+          </a:p>
+          <a:p>
+            <a:pPr marL="0" indent="0" algn="just">
+              <a:buNone/>
+            </a:pPr>
+            <a:r>
+              <a:rPr lang="pt-BR" sz="2400" dirty="0">
+                <a:solidFill>
+                  <a:schemeClr val="tx1"/>
+                </a:solidFill>
+                <a:latin typeface="Times" panose="02020603050405020304" pitchFamily="18" charset="0"/>
+                <a:cs typeface="Times" panose="02020603050405020304" pitchFamily="18" charset="0"/>
+                <a:hlinkClick r:id="rId3"/>
+              </a:rPr>
+              <a:t>https://learn.microsoft.com/pt-br/training/modules/choose-azure-services-sla-lifecycle/</a:t>
+            </a:r>
+            <a:endParaRPr lang="pt-BR" sz="2400" dirty="0">
+              <a:solidFill>
+                <a:schemeClr val="tx1"/>
+              </a:solidFill>
+              <a:latin typeface="Times" panose="02020603050405020304" pitchFamily="18" charset="0"/>
+              <a:cs typeface="Times" panose="02020603050405020304" pitchFamily="18" charset="0"/>
+            </a:endParaRPr>
+          </a:p>
+        </p:txBody>
+      </p:sp>
+    </p:spTree>
+    <p:extLst>
+      <p:ext uri="{BB962C8B-B14F-4D97-AF65-F5344CB8AC3E}">
+        <p14:creationId xmlns:p14="http://schemas.microsoft.com/office/powerpoint/2010/main" val="505888974"/>
+      </p:ext>
+    </p:extLst>
+  </p:cSld>
+  <p:clrMapOvr>
+    <a:masterClrMapping/>
+  </p:clrMapOvr>
+  <p:transition spd="med"/>
+</p:sld>
+</file>
+
+<file path=ppt/slides/slide19.xml><?xml version="1.0" encoding="utf-8"?>
+<p:sld xmlns:a="http://schemas.openxmlformats.org/drawingml/2006/main" xmlns:r="http://schemas.openxmlformats.org/officeDocument/2006/relationships" xmlns:p="http://schemas.openxmlformats.org/presentationml/2006/main">
+  <p:cSld>
+    <p:spTree>
+      <p:nvGrpSpPr>
+        <p:cNvPr id="1" name=""/>
+        <p:cNvGrpSpPr/>
+        <p:nvPr/>
+      </p:nvGrpSpPr>
+      <p:grpSpPr>
+        <a:xfrm>
+          <a:off x="0" y="0"/>
+          <a:ext cx="0" cy="0"/>
+          <a:chOff x="0" y="0"/>
+          <a:chExt cx="0" cy="0"/>
+        </a:xfrm>
+      </p:grpSpPr>
+      <p:sp>
+        <p:nvSpPr>
+          <p:cNvPr id="6" name="Title 1"/>
+          <p:cNvSpPr>
+            <a:spLocks noGrp="1"/>
+          </p:cNvSpPr>
+          <p:nvPr>
+            <p:ph type="title"/>
+          </p:nvPr>
+        </p:nvSpPr>
+        <p:spPr>
+          <a:xfrm>
+            <a:off x="457200" y="205980"/>
+            <a:ext cx="8229600" cy="857251"/>
+          </a:xfrm>
+        </p:spPr>
+        <p:txBody>
+          <a:bodyPr>
+            <a:normAutofit/>
+          </a:bodyPr>
+          <a:lstStyle/>
+          <a:p>
+            <a:r>
+              <a:rPr lang="en-US" b="1">
+                <a:solidFill>
+                  <a:srgbClr val="0070C0"/>
+                </a:solidFill>
+              </a:rPr>
+              <a:t>IBM </a:t>
+            </a:r>
+            <a:r>
+              <a:rPr lang="en-US" b="1" dirty="0">
+                <a:solidFill>
+                  <a:srgbClr val="0070C0"/>
+                </a:solidFill>
+              </a:rPr>
+              <a:t>- </a:t>
+            </a:r>
+            <a:r>
+              <a:rPr lang="en-US" b="1" dirty="0" err="1">
+                <a:solidFill>
+                  <a:srgbClr val="0070C0"/>
+                </a:solidFill>
+              </a:rPr>
+              <a:t>Qualidade</a:t>
+            </a:r>
+            <a:r>
+              <a:rPr lang="en-US" b="1" dirty="0">
+                <a:solidFill>
+                  <a:srgbClr val="0070C0"/>
+                </a:solidFill>
+              </a:rPr>
+              <a:t> de </a:t>
+            </a:r>
+            <a:r>
+              <a:rPr lang="en-US" b="1" dirty="0" err="1">
+                <a:solidFill>
+                  <a:srgbClr val="0070C0"/>
+                </a:solidFill>
+              </a:rPr>
+              <a:t>Serviço</a:t>
+            </a:r>
+            <a:r>
+              <a:rPr lang="en-US" b="1" dirty="0">
+                <a:solidFill>
+                  <a:srgbClr val="0070C0"/>
+                </a:solidFill>
+              </a:rPr>
+              <a:t> e SLA</a:t>
+            </a:r>
+          </a:p>
+        </p:txBody>
+      </p:sp>
+      <p:sp>
+        <p:nvSpPr>
+          <p:cNvPr id="8" name="Text Placeholder 2"/>
+          <p:cNvSpPr>
+            <a:spLocks noGrp="1"/>
+          </p:cNvSpPr>
+          <p:nvPr>
+            <p:ph type="body" sz="half" idx="1"/>
+          </p:nvPr>
+        </p:nvSpPr>
+        <p:spPr>
+          <a:xfrm>
+            <a:off x="142865" y="1200150"/>
+            <a:ext cx="8865056" cy="3847338"/>
+          </a:xfrm>
+        </p:spPr>
+        <p:txBody>
+          <a:bodyPr>
+            <a:noAutofit/>
+          </a:bodyPr>
+          <a:lstStyle/>
+          <a:p>
+            <a:pPr marL="0" indent="0" algn="just">
+              <a:buNone/>
+            </a:pPr>
+            <a:endParaRPr lang="pt-BR" sz="2400" dirty="0">
+              <a:solidFill>
+                <a:schemeClr val="tx1"/>
+              </a:solidFill>
+              <a:latin typeface="Times" panose="02020603050405020304" pitchFamily="18" charset="0"/>
+              <a:cs typeface="Times" panose="02020603050405020304" pitchFamily="18" charset="0"/>
+            </a:endParaRPr>
+          </a:p>
+          <a:p>
+            <a:pPr marL="0" indent="0" algn="just">
+              <a:buNone/>
+            </a:pPr>
+            <a:endParaRPr lang="pt-BR" sz="2400" dirty="0">
+              <a:solidFill>
+                <a:schemeClr val="tx1"/>
+              </a:solidFill>
+              <a:latin typeface="Times" panose="02020603050405020304" pitchFamily="18" charset="0"/>
+              <a:cs typeface="Times" panose="02020603050405020304" pitchFamily="18" charset="0"/>
+            </a:endParaRPr>
+          </a:p>
+          <a:p>
+            <a:pPr marL="0" indent="0" algn="just">
+              <a:buNone/>
+            </a:pPr>
+            <a:endParaRPr lang="pt-BR" sz="2400" dirty="0">
+              <a:solidFill>
+                <a:schemeClr val="tx1"/>
+              </a:solidFill>
+              <a:latin typeface="Times" panose="02020603050405020304" pitchFamily="18" charset="0"/>
+              <a:cs typeface="Times" panose="02020603050405020304" pitchFamily="18" charset="0"/>
+            </a:endParaRPr>
+          </a:p>
+          <a:p>
+            <a:pPr marL="0" indent="0" algn="just">
+              <a:buNone/>
+            </a:pPr>
+            <a:r>
+              <a:rPr lang="pt-BR" sz="2400" dirty="0">
+                <a:solidFill>
+                  <a:schemeClr val="tx1"/>
+                </a:solidFill>
+                <a:latin typeface="Times" panose="02020603050405020304" pitchFamily="18" charset="0"/>
+                <a:cs typeface="Times" panose="02020603050405020304" pitchFamily="18" charset="0"/>
+                <a:hlinkClick r:id="rId3"/>
+              </a:rPr>
+              <a:t>https://www.ibm.com/br-pt/cloud/pricing</a:t>
+            </a:r>
+            <a:endParaRPr lang="pt-BR" sz="2400" dirty="0">
+              <a:solidFill>
+                <a:schemeClr val="tx1"/>
+              </a:solidFill>
+              <a:latin typeface="Times" panose="02020603050405020304" pitchFamily="18" charset="0"/>
+              <a:cs typeface="Times" panose="02020603050405020304" pitchFamily="18" charset="0"/>
+            </a:endParaRPr>
+          </a:p>
+          <a:p>
+            <a:pPr marL="0" indent="0" algn="just">
+              <a:buNone/>
+            </a:pPr>
+            <a:endParaRPr lang="pt-BR" sz="2400" dirty="0">
+              <a:solidFill>
+                <a:schemeClr val="tx1"/>
+              </a:solidFill>
+              <a:latin typeface="Times" panose="02020603050405020304" pitchFamily="18" charset="0"/>
+              <a:cs typeface="Times" panose="02020603050405020304" pitchFamily="18" charset="0"/>
+            </a:endParaRPr>
+          </a:p>
+        </p:txBody>
+      </p:sp>
+    </p:spTree>
+    <p:extLst>
+      <p:ext uri="{BB962C8B-B14F-4D97-AF65-F5344CB8AC3E}">
+        <p14:creationId xmlns:p14="http://schemas.microsoft.com/office/powerpoint/2010/main" val="1440079597"/>
+      </p:ext>
+    </p:extLst>
   </p:cSld>
   <p:clrMapOvr>
     <a:masterClrMapping/>
@@ -4934,6 +7601,1571 @@
 </p:sld>
 </file>
 
+<file path=ppt/slides/slide20.xml><?xml version="1.0" encoding="utf-8"?>
+<p:sld xmlns:a="http://schemas.openxmlformats.org/drawingml/2006/main" xmlns:r="http://schemas.openxmlformats.org/officeDocument/2006/relationships" xmlns:p="http://schemas.openxmlformats.org/presentationml/2006/main">
+  <p:cSld>
+    <p:spTree>
+      <p:nvGrpSpPr>
+        <p:cNvPr id="1" name=""/>
+        <p:cNvGrpSpPr/>
+        <p:nvPr/>
+      </p:nvGrpSpPr>
+      <p:grpSpPr>
+        <a:xfrm>
+          <a:off x="0" y="0"/>
+          <a:ext cx="0" cy="0"/>
+          <a:chOff x="0" y="0"/>
+          <a:chExt cx="0" cy="0"/>
+        </a:xfrm>
+      </p:grpSpPr>
+      <p:sp>
+        <p:nvSpPr>
+          <p:cNvPr id="6" name="Title 1"/>
+          <p:cNvSpPr>
+            <a:spLocks noGrp="1"/>
+          </p:cNvSpPr>
+          <p:nvPr>
+            <p:ph type="title"/>
+          </p:nvPr>
+        </p:nvSpPr>
+        <p:spPr>
+          <a:xfrm>
+            <a:off x="457200" y="205980"/>
+            <a:ext cx="8229600" cy="857251"/>
+          </a:xfrm>
+        </p:spPr>
+        <p:txBody>
+          <a:bodyPr>
+            <a:normAutofit/>
+          </a:bodyPr>
+          <a:lstStyle/>
+          <a:p>
+            <a:r>
+              <a:rPr lang="en-US" b="1" dirty="0" err="1">
+                <a:solidFill>
+                  <a:srgbClr val="0070C0"/>
+                </a:solidFill>
+              </a:rPr>
+              <a:t>Leitura</a:t>
+            </a:r>
+            <a:r>
+              <a:rPr lang="en-US" b="1" dirty="0">
+                <a:solidFill>
+                  <a:srgbClr val="0070C0"/>
+                </a:solidFill>
+              </a:rPr>
+              <a:t> </a:t>
+            </a:r>
+            <a:r>
+              <a:rPr lang="en-US" b="1" dirty="0" err="1">
+                <a:solidFill>
+                  <a:srgbClr val="0070C0"/>
+                </a:solidFill>
+              </a:rPr>
+              <a:t>Específica</a:t>
+            </a:r>
+            <a:endParaRPr lang="en-US" b="1" dirty="0">
+              <a:solidFill>
+                <a:srgbClr val="0070C0"/>
+              </a:solidFill>
+            </a:endParaRPr>
+          </a:p>
+        </p:txBody>
+      </p:sp>
+      <p:sp>
+        <p:nvSpPr>
+          <p:cNvPr id="8" name="Text Placeholder 2"/>
+          <p:cNvSpPr>
+            <a:spLocks noGrp="1"/>
+          </p:cNvSpPr>
+          <p:nvPr>
+            <p:ph type="body" sz="half" idx="1"/>
+          </p:nvPr>
+        </p:nvSpPr>
+        <p:spPr>
+          <a:xfrm>
+            <a:off x="142865" y="1200151"/>
+            <a:ext cx="8865056" cy="3394472"/>
+          </a:xfrm>
+        </p:spPr>
+        <p:txBody>
+          <a:bodyPr>
+            <a:noAutofit/>
+          </a:bodyPr>
+          <a:lstStyle/>
+          <a:p>
+            <a:pPr marL="0" indent="0" algn="just">
+              <a:buNone/>
+            </a:pPr>
+            <a:r>
+              <a:rPr lang="pt-BR" sz="2000" dirty="0">
+                <a:latin typeface="Times New Roman" panose="02020603050405020304" pitchFamily="18" charset="0"/>
+                <a:cs typeface="Times New Roman" panose="02020603050405020304" pitchFamily="18" charset="0"/>
+              </a:rPr>
+              <a:t>[1] Custo Cloud Azure.</a:t>
+            </a:r>
+          </a:p>
+          <a:p>
+            <a:pPr marL="0" indent="0" algn="just">
+              <a:buNone/>
+            </a:pPr>
+            <a:r>
+              <a:rPr lang="pt-BR" sz="2000" b="1" dirty="0">
+                <a:solidFill>
+                  <a:srgbClr val="FF0000"/>
+                </a:solidFill>
+                <a:latin typeface="Times New Roman" panose="02020603050405020304" pitchFamily="18" charset="0"/>
+                <a:cs typeface="Times New Roman" panose="02020603050405020304" pitchFamily="18" charset="0"/>
+              </a:rPr>
+              <a:t>Disponível em:</a:t>
+            </a:r>
+          </a:p>
+          <a:p>
+            <a:pPr marL="0" indent="0" algn="just">
+              <a:buNone/>
+            </a:pPr>
+            <a:r>
+              <a:rPr lang="pt-BR" sz="2000" b="1" dirty="0">
+                <a:solidFill>
+                  <a:srgbClr val="FF0000"/>
+                </a:solidFill>
+                <a:latin typeface="Times New Roman" panose="02020603050405020304" pitchFamily="18" charset="0"/>
+                <a:cs typeface="Times New Roman" panose="02020603050405020304" pitchFamily="18" charset="0"/>
+              </a:rPr>
+              <a:t> </a:t>
+            </a:r>
+            <a:r>
+              <a:rPr lang="pt-BR" sz="2000" b="1" dirty="0">
+                <a:solidFill>
+                  <a:srgbClr val="FF0000"/>
+                </a:solidFill>
+                <a:latin typeface="Times New Roman" panose="02020603050405020304" pitchFamily="18" charset="0"/>
+                <a:cs typeface="Times New Roman" panose="02020603050405020304" pitchFamily="18" charset="0"/>
+                <a:hlinkClick r:id="rId3"/>
+              </a:rPr>
+              <a:t>https://lifeappshelp.zendesk.com/hc/pt-br/articles/360047968014-O-que-%C3%A9-o-Custo-Nuvem-</a:t>
+            </a:r>
+            <a:endParaRPr lang="pt-BR" sz="2000" b="1" dirty="0">
+              <a:solidFill>
+                <a:srgbClr val="FF0000"/>
+              </a:solidFill>
+              <a:latin typeface="Times New Roman" panose="02020603050405020304" pitchFamily="18" charset="0"/>
+              <a:cs typeface="Times New Roman" panose="02020603050405020304" pitchFamily="18" charset="0"/>
+            </a:endParaRPr>
+          </a:p>
+          <a:p>
+            <a:pPr marL="0" indent="0" algn="just">
+              <a:buNone/>
+            </a:pPr>
+            <a:endParaRPr lang="pt-BR" sz="2000" dirty="0">
+              <a:latin typeface="Times New Roman" panose="02020603050405020304" pitchFamily="18" charset="0"/>
+              <a:cs typeface="Times New Roman" panose="02020603050405020304" pitchFamily="18" charset="0"/>
+            </a:endParaRPr>
+          </a:p>
+          <a:p>
+            <a:pPr marL="0" indent="0" algn="just">
+              <a:buNone/>
+            </a:pPr>
+            <a:r>
+              <a:rPr lang="pt-BR" sz="2000" dirty="0">
+                <a:latin typeface="Times New Roman" panose="02020603050405020304" pitchFamily="18" charset="0"/>
+                <a:cs typeface="Times New Roman" panose="02020603050405020304" pitchFamily="18" charset="0"/>
+              </a:rPr>
+              <a:t>[2] Modelo de Serviço Cloud. </a:t>
+            </a:r>
+          </a:p>
+          <a:p>
+            <a:pPr marL="0" indent="0" algn="just">
+              <a:buNone/>
+            </a:pPr>
+            <a:r>
+              <a:rPr lang="pt-BR" sz="2000" b="1" dirty="0">
+                <a:solidFill>
+                  <a:srgbClr val="FF0000"/>
+                </a:solidFill>
+                <a:latin typeface="Times New Roman" panose="02020603050405020304" pitchFamily="18" charset="0"/>
+                <a:cs typeface="Times New Roman" panose="02020603050405020304" pitchFamily="18" charset="0"/>
+              </a:rPr>
+              <a:t>Disponível em: </a:t>
+            </a:r>
+            <a:r>
+              <a:rPr lang="pt-BR" sz="2000" dirty="0">
+                <a:solidFill>
+                  <a:schemeClr val="tx1"/>
+                </a:solidFill>
+                <a:latin typeface="Times New Roman" panose="02020603050405020304" pitchFamily="18" charset="0"/>
+                <a:cs typeface="Times New Roman" panose="02020603050405020304" pitchFamily="18" charset="0"/>
+              </a:rPr>
+              <a:t>Segurança em Cloud </a:t>
+            </a:r>
+            <a:r>
+              <a:rPr lang="pt-BR" sz="2000" dirty="0" err="1">
+                <a:solidFill>
+                  <a:schemeClr val="tx1"/>
+                </a:solidFill>
+                <a:latin typeface="Times New Roman" panose="02020603050405020304" pitchFamily="18" charset="0"/>
+                <a:cs typeface="Times New Roman" panose="02020603050405020304" pitchFamily="18" charset="0"/>
+              </a:rPr>
+              <a:t>Computing</a:t>
+            </a:r>
+            <a:r>
+              <a:rPr lang="pt-BR" sz="2000" dirty="0">
+                <a:solidFill>
+                  <a:schemeClr val="tx1"/>
+                </a:solidFill>
+                <a:latin typeface="Times New Roman" panose="02020603050405020304" pitchFamily="18" charset="0"/>
+                <a:cs typeface="Times New Roman" panose="02020603050405020304" pitchFamily="18" charset="0"/>
+              </a:rPr>
+              <a:t>: Governança e Gerenciamento de Riscos de Segurança - </a:t>
+            </a:r>
+            <a:r>
+              <a:rPr lang="pt-BR" sz="2000" dirty="0">
+                <a:latin typeface="Calibri" panose="020F0502020204030204" pitchFamily="34" charset="0"/>
+              </a:rPr>
+              <a:t>encr.pw/61wdN</a:t>
+            </a:r>
+          </a:p>
+          <a:p>
+            <a:pPr marL="0" indent="0" algn="just">
+              <a:buNone/>
+            </a:pPr>
+            <a:endParaRPr lang="pt-BR" sz="2000" dirty="0">
+              <a:latin typeface="Calibri" panose="020F0502020204030204" pitchFamily="34" charset="0"/>
+            </a:endParaRPr>
+          </a:p>
+        </p:txBody>
+      </p:sp>
+    </p:spTree>
+    <p:extLst>
+      <p:ext uri="{BB962C8B-B14F-4D97-AF65-F5344CB8AC3E}">
+        <p14:creationId xmlns:p14="http://schemas.microsoft.com/office/powerpoint/2010/main" val="4175167667"/>
+      </p:ext>
+    </p:extLst>
+  </p:cSld>
+  <p:clrMapOvr>
+    <a:masterClrMapping/>
+  </p:clrMapOvr>
+  <p:transition spd="med"/>
+</p:sld>
+</file>
+
+<file path=ppt/slides/slide21.xml><?xml version="1.0" encoding="utf-8"?>
+<p:sld xmlns:a="http://schemas.openxmlformats.org/drawingml/2006/main" xmlns:r="http://schemas.openxmlformats.org/officeDocument/2006/relationships" xmlns:p="http://schemas.openxmlformats.org/presentationml/2006/main">
+  <p:cSld>
+    <p:spTree>
+      <p:nvGrpSpPr>
+        <p:cNvPr id="1" name=""/>
+        <p:cNvGrpSpPr/>
+        <p:nvPr/>
+      </p:nvGrpSpPr>
+      <p:grpSpPr>
+        <a:xfrm>
+          <a:off x="0" y="0"/>
+          <a:ext cx="0" cy="0"/>
+          <a:chOff x="0" y="0"/>
+          <a:chExt cx="0" cy="0"/>
+        </a:xfrm>
+      </p:grpSpPr>
+      <p:sp>
+        <p:nvSpPr>
+          <p:cNvPr id="6" name="Title 1"/>
+          <p:cNvSpPr>
+            <a:spLocks noGrp="1"/>
+          </p:cNvSpPr>
+          <p:nvPr>
+            <p:ph type="title"/>
+          </p:nvPr>
+        </p:nvSpPr>
+        <p:spPr>
+          <a:xfrm>
+            <a:off x="457200" y="205980"/>
+            <a:ext cx="8229600" cy="857251"/>
+          </a:xfrm>
+        </p:spPr>
+        <p:txBody>
+          <a:bodyPr>
+            <a:normAutofit/>
+          </a:bodyPr>
+          <a:lstStyle/>
+          <a:p>
+            <a:r>
+              <a:rPr lang="en-US" b="1" dirty="0" err="1">
+                <a:solidFill>
+                  <a:srgbClr val="0070C0"/>
+                </a:solidFill>
+              </a:rPr>
+              <a:t>Aprenda</a:t>
+            </a:r>
+            <a:r>
+              <a:rPr lang="en-US" b="1" dirty="0">
+                <a:solidFill>
+                  <a:srgbClr val="0070C0"/>
+                </a:solidFill>
+              </a:rPr>
+              <a:t>+</a:t>
+            </a:r>
+          </a:p>
+        </p:txBody>
+      </p:sp>
+      <p:sp>
+        <p:nvSpPr>
+          <p:cNvPr id="8" name="Text Placeholder 2"/>
+          <p:cNvSpPr>
+            <a:spLocks noGrp="1"/>
+          </p:cNvSpPr>
+          <p:nvPr>
+            <p:ph type="body" sz="half" idx="1"/>
+          </p:nvPr>
+        </p:nvSpPr>
+        <p:spPr>
+          <a:xfrm>
+            <a:off x="142865" y="1200150"/>
+            <a:ext cx="8865056" cy="3737370"/>
+          </a:xfrm>
+        </p:spPr>
+        <p:txBody>
+          <a:bodyPr>
+            <a:noAutofit/>
+          </a:bodyPr>
+          <a:lstStyle/>
+          <a:p>
+            <a:pPr marL="0" indent="0" algn="just">
+              <a:buNone/>
+            </a:pPr>
+            <a:endParaRPr lang="pt-BR" sz="2400" dirty="0">
+              <a:latin typeface="Times New Roman" panose="02020603050405020304" pitchFamily="18" charset="0"/>
+              <a:cs typeface="Times New Roman" panose="02020603050405020304" pitchFamily="18" charset="0"/>
+            </a:endParaRPr>
+          </a:p>
+          <a:p>
+            <a:pPr marL="0" indent="0" algn="just">
+              <a:buNone/>
+            </a:pPr>
+            <a:endParaRPr lang="pt-BR" sz="2400" dirty="0">
+              <a:latin typeface="Times New Roman" panose="02020603050405020304" pitchFamily="18" charset="0"/>
+              <a:cs typeface="Times New Roman" panose="02020603050405020304" pitchFamily="18" charset="0"/>
+            </a:endParaRPr>
+          </a:p>
+          <a:p>
+            <a:pPr marL="0" indent="0" algn="just">
+              <a:buNone/>
+            </a:pPr>
+            <a:r>
+              <a:rPr lang="pt-BR" sz="2400" dirty="0">
+                <a:latin typeface="Times New Roman" panose="02020603050405020304" pitchFamily="18" charset="0"/>
+                <a:cs typeface="Times New Roman" panose="02020603050405020304" pitchFamily="18" charset="0"/>
+              </a:rPr>
+              <a:t>[1] Custo Cloud Azure.</a:t>
+            </a:r>
+          </a:p>
+          <a:p>
+            <a:pPr marL="0" indent="0" algn="just">
+              <a:buNone/>
+            </a:pPr>
+            <a:r>
+              <a:rPr lang="pt-BR" sz="2400" b="1" dirty="0">
+                <a:solidFill>
+                  <a:srgbClr val="FF0000"/>
+                </a:solidFill>
+                <a:latin typeface="Times New Roman" panose="02020603050405020304" pitchFamily="18" charset="0"/>
+                <a:cs typeface="Times New Roman" panose="02020603050405020304" pitchFamily="18" charset="0"/>
+              </a:rPr>
+              <a:t>Disponível em: </a:t>
+            </a:r>
+            <a:r>
+              <a:rPr lang="pt-BR" sz="2400" dirty="0">
+                <a:latin typeface="Times New Roman" panose="02020603050405020304" pitchFamily="18" charset="0"/>
+                <a:cs typeface="Times New Roman" panose="02020603050405020304" pitchFamily="18" charset="0"/>
+                <a:hlinkClick r:id="rId3"/>
+              </a:rPr>
+              <a:t>https://youtu.be/m5_-GsKv4-o</a:t>
+            </a:r>
+            <a:endParaRPr lang="pt-BR" sz="2400" dirty="0">
+              <a:latin typeface="Times New Roman" panose="02020603050405020304" pitchFamily="18" charset="0"/>
+              <a:cs typeface="Times New Roman" panose="02020603050405020304" pitchFamily="18" charset="0"/>
+            </a:endParaRPr>
+          </a:p>
+          <a:p>
+            <a:pPr marL="0" indent="0" algn="just">
+              <a:buNone/>
+            </a:pPr>
+            <a:endParaRPr lang="pt-BR" sz="2400" dirty="0">
+              <a:latin typeface="Times New Roman" panose="02020603050405020304" pitchFamily="18" charset="0"/>
+              <a:cs typeface="Times New Roman" panose="02020603050405020304" pitchFamily="18" charset="0"/>
+            </a:endParaRPr>
+          </a:p>
+          <a:p>
+            <a:pPr marL="0" indent="0" algn="just">
+              <a:buNone/>
+            </a:pPr>
+            <a:endParaRPr lang="pt-BR" sz="2400" dirty="0">
+              <a:latin typeface="Times New Roman" panose="02020603050405020304" pitchFamily="18" charset="0"/>
+              <a:cs typeface="Times New Roman" panose="02020603050405020304" pitchFamily="18" charset="0"/>
+            </a:endParaRPr>
+          </a:p>
+          <a:p>
+            <a:pPr marL="0" indent="0" algn="just">
+              <a:buNone/>
+            </a:pPr>
+            <a:endParaRPr lang="pt-BR" sz="2400" dirty="0">
+              <a:latin typeface="Times New Roman" panose="02020603050405020304" pitchFamily="18" charset="0"/>
+              <a:cs typeface="Times New Roman" panose="02020603050405020304" pitchFamily="18" charset="0"/>
+            </a:endParaRPr>
+          </a:p>
+        </p:txBody>
+      </p:sp>
+    </p:spTree>
+    <p:extLst>
+      <p:ext uri="{BB962C8B-B14F-4D97-AF65-F5344CB8AC3E}">
+        <p14:creationId xmlns:p14="http://schemas.microsoft.com/office/powerpoint/2010/main" val="2747596967"/>
+      </p:ext>
+    </p:extLst>
+  </p:cSld>
+  <p:clrMapOvr>
+    <a:masterClrMapping/>
+  </p:clrMapOvr>
+  <p:transition spd="med"/>
+</p:sld>
+</file>
+
+<file path=ppt/slides/slide22.xml><?xml version="1.0" encoding="utf-8"?>
+<p:sld xmlns:a="http://schemas.openxmlformats.org/drawingml/2006/main" xmlns:r="http://schemas.openxmlformats.org/officeDocument/2006/relationships" xmlns:p="http://schemas.openxmlformats.org/presentationml/2006/main">
+  <p:cSld>
+    <p:spTree>
+      <p:nvGrpSpPr>
+        <p:cNvPr id="1" name=""/>
+        <p:cNvGrpSpPr/>
+        <p:nvPr/>
+      </p:nvGrpSpPr>
+      <p:grpSpPr>
+        <a:xfrm>
+          <a:off x="0" y="0"/>
+          <a:ext cx="0" cy="0"/>
+          <a:chOff x="0" y="0"/>
+          <a:chExt cx="0" cy="0"/>
+        </a:xfrm>
+      </p:grpSpPr>
+      <p:sp>
+        <p:nvSpPr>
+          <p:cNvPr id="6" name="Title 1"/>
+          <p:cNvSpPr>
+            <a:spLocks noGrp="1"/>
+          </p:cNvSpPr>
+          <p:nvPr>
+            <p:ph type="title"/>
+          </p:nvPr>
+        </p:nvSpPr>
+        <p:spPr>
+          <a:xfrm>
+            <a:off x="457200" y="205980"/>
+            <a:ext cx="8229600" cy="857251"/>
+          </a:xfrm>
+        </p:spPr>
+        <p:txBody>
+          <a:bodyPr>
+            <a:normAutofit/>
+          </a:bodyPr>
+          <a:lstStyle/>
+          <a:p>
+            <a:r>
+              <a:rPr lang="en-US" b="1" dirty="0" err="1">
+                <a:solidFill>
+                  <a:srgbClr val="0070C0"/>
+                </a:solidFill>
+              </a:rPr>
+              <a:t>Dinâmica</a:t>
+            </a:r>
+            <a:r>
+              <a:rPr lang="en-US" b="1" dirty="0">
+                <a:solidFill>
+                  <a:srgbClr val="0070C0"/>
+                </a:solidFill>
+              </a:rPr>
+              <a:t>/</a:t>
+            </a:r>
+            <a:r>
+              <a:rPr lang="en-US" b="1" dirty="0" err="1">
+                <a:solidFill>
+                  <a:srgbClr val="0070C0"/>
+                </a:solidFill>
+              </a:rPr>
+              <a:t>Atividades</a:t>
+            </a:r>
+            <a:endParaRPr lang="en-US" b="1" dirty="0">
+              <a:solidFill>
+                <a:srgbClr val="0070C0"/>
+              </a:solidFill>
+            </a:endParaRPr>
+          </a:p>
+        </p:txBody>
+      </p:sp>
+      <p:sp>
+        <p:nvSpPr>
+          <p:cNvPr id="8" name="Text Placeholder 2"/>
+          <p:cNvSpPr>
+            <a:spLocks noGrp="1"/>
+          </p:cNvSpPr>
+          <p:nvPr>
+            <p:ph type="body" sz="half" idx="1"/>
+          </p:nvPr>
+        </p:nvSpPr>
+        <p:spPr>
+          <a:xfrm>
+            <a:off x="139472" y="1063230"/>
+            <a:ext cx="8865056" cy="3606305"/>
+          </a:xfrm>
+        </p:spPr>
+        <p:txBody>
+          <a:bodyPr>
+            <a:noAutofit/>
+          </a:bodyPr>
+          <a:lstStyle/>
+          <a:p>
+            <a:pPr algn="just">
+              <a:buFont typeface="Wingdings" panose="05000000000000000000" pitchFamily="2" charset="2"/>
+              <a:buChar char="§"/>
+            </a:pPr>
+            <a:r>
+              <a:rPr lang="pt-BR" sz="2000" dirty="0">
+                <a:latin typeface="Times New Roman" panose="02020603050405020304" pitchFamily="18" charset="0"/>
+                <a:cs typeface="Times New Roman" panose="02020603050405020304" pitchFamily="18" charset="0"/>
+              </a:rPr>
+              <a:t>Elaborar um </a:t>
+            </a:r>
+            <a:r>
+              <a:rPr lang="pt-BR" sz="2000" b="1" dirty="0">
+                <a:solidFill>
+                  <a:srgbClr val="FF0000"/>
+                </a:solidFill>
+                <a:latin typeface="Times New Roman" panose="02020603050405020304" pitchFamily="18" charset="0"/>
+                <a:cs typeface="Times New Roman" panose="02020603050405020304" pitchFamily="18" charset="0"/>
+              </a:rPr>
+              <a:t>QUIZ</a:t>
+            </a:r>
+            <a:r>
+              <a:rPr lang="pt-BR" sz="2000" b="1" dirty="0">
+                <a:latin typeface="Times New Roman" panose="02020603050405020304" pitchFamily="18" charset="0"/>
+                <a:cs typeface="Times New Roman" panose="02020603050405020304" pitchFamily="18" charset="0"/>
+              </a:rPr>
+              <a:t>, 05(cinco) </a:t>
+            </a:r>
+            <a:r>
+              <a:rPr lang="pt-BR" sz="2000" dirty="0">
+                <a:latin typeface="Times New Roman" panose="02020603050405020304" pitchFamily="18" charset="0"/>
+                <a:cs typeface="Times New Roman" panose="02020603050405020304" pitchFamily="18" charset="0"/>
+              </a:rPr>
+              <a:t>perguntas/respostas;</a:t>
+            </a:r>
+          </a:p>
+          <a:p>
+            <a:pPr algn="just">
+              <a:buFont typeface="Wingdings" panose="05000000000000000000" pitchFamily="2" charset="2"/>
+              <a:buChar char="§"/>
+            </a:pPr>
+            <a:r>
+              <a:rPr lang="pt-BR" sz="2000" dirty="0">
+                <a:latin typeface="Times New Roman" panose="02020603050405020304" pitchFamily="18" charset="0"/>
+                <a:cs typeface="Times New Roman" panose="02020603050405020304" pitchFamily="18" charset="0"/>
+              </a:rPr>
+              <a:t>Criar um </a:t>
+            </a:r>
+            <a:r>
+              <a:rPr lang="pt-BR" sz="2000" b="1" dirty="0">
+                <a:solidFill>
+                  <a:srgbClr val="FF0000"/>
+                </a:solidFill>
+                <a:latin typeface="Times New Roman" panose="02020603050405020304" pitchFamily="18" charset="0"/>
+                <a:cs typeface="Times New Roman" panose="02020603050405020304" pitchFamily="18" charset="0"/>
+              </a:rPr>
+              <a:t>serviço de banco de dados no </a:t>
+            </a:r>
+            <a:r>
+              <a:rPr lang="pt-BR" sz="2000" b="1" dirty="0" err="1">
+                <a:solidFill>
+                  <a:srgbClr val="FF0000"/>
+                </a:solidFill>
+                <a:latin typeface="Times New Roman" panose="02020603050405020304" pitchFamily="18" charset="0"/>
+                <a:cs typeface="Times New Roman" panose="02020603050405020304" pitchFamily="18" charset="0"/>
+              </a:rPr>
+              <a:t>MongoDB</a:t>
+            </a:r>
+            <a:r>
+              <a:rPr lang="pt-BR" sz="2000" dirty="0">
+                <a:solidFill>
+                  <a:srgbClr val="FF0000"/>
+                </a:solidFill>
+                <a:latin typeface="Times New Roman" panose="02020603050405020304" pitchFamily="18" charset="0"/>
+                <a:cs typeface="Times New Roman" panose="02020603050405020304" pitchFamily="18" charset="0"/>
+              </a:rPr>
+              <a:t> </a:t>
+            </a:r>
+            <a:r>
+              <a:rPr lang="pt-BR" sz="2000" dirty="0">
+                <a:latin typeface="Times New Roman" panose="02020603050405020304" pitchFamily="18" charset="0"/>
+                <a:cs typeface="Times New Roman" panose="02020603050405020304" pitchFamily="18" charset="0"/>
+              </a:rPr>
+              <a:t>e através de uma IDE ou aplicação acessar os dados do BD;</a:t>
+            </a:r>
+          </a:p>
+          <a:p>
+            <a:pPr algn="just">
+              <a:buFont typeface="Wingdings" panose="05000000000000000000" pitchFamily="2" charset="2"/>
+              <a:buChar char="§"/>
+            </a:pPr>
+            <a:r>
+              <a:rPr lang="pt-BR" sz="2000" dirty="0">
+                <a:latin typeface="Times New Roman" panose="02020603050405020304" pitchFamily="18" charset="0"/>
+                <a:cs typeface="Times New Roman" panose="02020603050405020304" pitchFamily="18" charset="0"/>
+              </a:rPr>
+              <a:t>Criar um </a:t>
+            </a:r>
+            <a:r>
+              <a:rPr lang="pt-BR" sz="2000" b="1" dirty="0">
+                <a:solidFill>
+                  <a:srgbClr val="FF0000"/>
+                </a:solidFill>
+                <a:latin typeface="Times New Roman" panose="02020603050405020304" pitchFamily="18" charset="0"/>
+                <a:cs typeface="Times New Roman" panose="02020603050405020304" pitchFamily="18" charset="0"/>
+              </a:rPr>
+              <a:t>Podcast</a:t>
+            </a:r>
+            <a:r>
+              <a:rPr lang="pt-BR" sz="2000" dirty="0">
+                <a:latin typeface="Times New Roman" panose="02020603050405020304" pitchFamily="18" charset="0"/>
+                <a:cs typeface="Times New Roman" panose="02020603050405020304" pitchFamily="18" charset="0"/>
+              </a:rPr>
+              <a:t> sobre </a:t>
+            </a:r>
+            <a:r>
+              <a:rPr lang="pt-BR" sz="2000" b="1" dirty="0">
+                <a:solidFill>
+                  <a:srgbClr val="FF0000"/>
+                </a:solidFill>
+                <a:latin typeface="Times New Roman" panose="02020603050405020304" pitchFamily="18" charset="0"/>
+                <a:cs typeface="Times New Roman" panose="02020603050405020304" pitchFamily="18" charset="0"/>
+              </a:rPr>
+              <a:t>Cloud </a:t>
+            </a:r>
+            <a:r>
+              <a:rPr lang="pt-BR" sz="2000" b="1" dirty="0" err="1">
+                <a:solidFill>
+                  <a:srgbClr val="FF0000"/>
+                </a:solidFill>
+                <a:latin typeface="Times New Roman" panose="02020603050405020304" pitchFamily="18" charset="0"/>
+                <a:cs typeface="Times New Roman" panose="02020603050405020304" pitchFamily="18" charset="0"/>
+              </a:rPr>
+              <a:t>Computing</a:t>
+            </a:r>
+            <a:r>
+              <a:rPr lang="pt-BR" sz="2000" dirty="0">
+                <a:latin typeface="Times New Roman" panose="02020603050405020304" pitchFamily="18" charset="0"/>
+                <a:cs typeface="Times New Roman" panose="02020603050405020304" pitchFamily="18" charset="0"/>
+              </a:rPr>
+              <a:t> – </a:t>
+            </a:r>
+            <a:r>
+              <a:rPr lang="pt-BR" sz="2000" b="1" dirty="0">
+                <a:latin typeface="Times New Roman" panose="02020603050405020304" pitchFamily="18" charset="0"/>
+                <a:cs typeface="Times New Roman" panose="02020603050405020304" pitchFamily="18" charset="0"/>
+              </a:rPr>
+              <a:t>Tempo</a:t>
+            </a:r>
+            <a:r>
+              <a:rPr lang="pt-BR" sz="2000" dirty="0">
+                <a:latin typeface="Times New Roman" panose="02020603050405020304" pitchFamily="18" charset="0"/>
+                <a:cs typeface="Times New Roman" panose="02020603050405020304" pitchFamily="18" charset="0"/>
+              </a:rPr>
+              <a:t>: 5min a 10 min</a:t>
+            </a:r>
+          </a:p>
+          <a:p>
+            <a:pPr marL="0" indent="0" algn="just">
+              <a:buNone/>
+            </a:pPr>
+            <a:r>
+              <a:rPr lang="pt-BR" sz="2000" dirty="0">
+                <a:latin typeface="Times New Roman" panose="02020603050405020304" pitchFamily="18" charset="0"/>
+                <a:cs typeface="Times New Roman" panose="02020603050405020304" pitchFamily="18" charset="0"/>
+              </a:rPr>
+              <a:t>      </a:t>
+            </a:r>
+            <a:r>
+              <a:rPr lang="pt-BR" sz="2000" b="1" dirty="0">
+                <a:latin typeface="Times New Roman" panose="02020603050405020304" pitchFamily="18" charset="0"/>
+                <a:cs typeface="Times New Roman" panose="02020603050405020304" pitchFamily="18" charset="0"/>
+              </a:rPr>
+              <a:t>Equipe</a:t>
+            </a:r>
+            <a:r>
+              <a:rPr lang="pt-BR" sz="2000" dirty="0">
+                <a:latin typeface="Times New Roman" panose="02020603050405020304" pitchFamily="18" charset="0"/>
+                <a:cs typeface="Times New Roman" panose="02020603050405020304" pitchFamily="18" charset="0"/>
+              </a:rPr>
+              <a:t>: Em dupla.</a:t>
+            </a:r>
+          </a:p>
+          <a:p>
+            <a:pPr marL="0" indent="0" algn="just">
+              <a:buNone/>
+            </a:pPr>
+            <a:r>
+              <a:rPr lang="pt-BR" sz="2000" b="1" dirty="0">
+                <a:latin typeface="Calibri" panose="020F0502020204030204" pitchFamily="34" charset="0"/>
+              </a:rPr>
+              <a:t>Nota</a:t>
+            </a:r>
+            <a:r>
+              <a:rPr lang="pt-BR" sz="2000" dirty="0">
+                <a:latin typeface="Calibri" panose="020F0502020204030204" pitchFamily="34" charset="0"/>
+              </a:rPr>
+              <a:t>: </a:t>
+            </a:r>
+          </a:p>
+          <a:p>
+            <a:pPr marL="0" indent="0" algn="just">
+              <a:buNone/>
+            </a:pPr>
+            <a:endParaRPr lang="pt-BR" sz="1800" dirty="0">
+              <a:latin typeface="Times New Roman" panose="02020603050405020304" pitchFamily="18" charset="0"/>
+              <a:cs typeface="Times New Roman" panose="02020603050405020304" pitchFamily="18" charset="0"/>
+              <a:hlinkClick r:id="rId3"/>
+            </a:endParaRPr>
+          </a:p>
+          <a:p>
+            <a:pPr marL="0" indent="0" algn="just">
+              <a:buNone/>
+            </a:pPr>
+            <a:r>
+              <a:rPr lang="pt-BR" sz="1800" dirty="0">
+                <a:latin typeface="Times New Roman" panose="02020603050405020304" pitchFamily="18" charset="0"/>
+                <a:cs typeface="Times New Roman" panose="02020603050405020304" pitchFamily="18" charset="0"/>
+                <a:hlinkClick r:id="rId3"/>
+              </a:rPr>
+              <a:t>https://resultadosdigitais.com.br/marketing/como-criar-um-podcast/#:~:text=Para%20criar%20um%20podcast%20%C3%A9,podcast%20e%20plataformas%20de%20streaming</a:t>
+            </a:r>
+            <a:endParaRPr lang="pt-BR" sz="2000" dirty="0">
+              <a:latin typeface="Calibri" panose="020F0502020204030204" pitchFamily="34" charset="0"/>
+            </a:endParaRPr>
+          </a:p>
+        </p:txBody>
+      </p:sp>
+    </p:spTree>
+    <p:extLst>
+      <p:ext uri="{BB962C8B-B14F-4D97-AF65-F5344CB8AC3E}">
+        <p14:creationId xmlns:p14="http://schemas.microsoft.com/office/powerpoint/2010/main" val="2470652989"/>
+      </p:ext>
+    </p:extLst>
+  </p:cSld>
+  <p:clrMapOvr>
+    <a:masterClrMapping/>
+  </p:clrMapOvr>
+  <p:transition spd="med"/>
+</p:sld>
+</file>
+
+<file path=ppt/slides/slide23.xml><?xml version="1.0" encoding="utf-8"?>
+<p:sld xmlns:a="http://schemas.openxmlformats.org/drawingml/2006/main" xmlns:r="http://schemas.openxmlformats.org/officeDocument/2006/relationships" xmlns:p="http://schemas.openxmlformats.org/presentationml/2006/main">
+  <p:cSld>
+    <p:spTree>
+      <p:nvGrpSpPr>
+        <p:cNvPr id="1" name=""/>
+        <p:cNvGrpSpPr/>
+        <p:nvPr/>
+      </p:nvGrpSpPr>
+      <p:grpSpPr>
+        <a:xfrm>
+          <a:off x="0" y="0"/>
+          <a:ext cx="0" cy="0"/>
+          <a:chOff x="0" y="0"/>
+          <a:chExt cx="0" cy="0"/>
+        </a:xfrm>
+      </p:grpSpPr>
+      <p:sp>
+        <p:nvSpPr>
+          <p:cNvPr id="6" name="Title 1"/>
+          <p:cNvSpPr>
+            <a:spLocks noGrp="1"/>
+          </p:cNvSpPr>
+          <p:nvPr>
+            <p:ph type="title"/>
+          </p:nvPr>
+        </p:nvSpPr>
+        <p:spPr>
+          <a:xfrm>
+            <a:off x="457200" y="205980"/>
+            <a:ext cx="8229600" cy="857251"/>
+          </a:xfrm>
+        </p:spPr>
+        <p:txBody>
+          <a:bodyPr>
+            <a:normAutofit/>
+          </a:bodyPr>
+          <a:lstStyle/>
+          <a:p>
+            <a:r>
+              <a:rPr lang="en-US" b="1" dirty="0" err="1">
+                <a:solidFill>
+                  <a:srgbClr val="0070C0"/>
+                </a:solidFill>
+              </a:rPr>
+              <a:t>Referências</a:t>
+            </a:r>
+            <a:r>
+              <a:rPr lang="en-US" b="1" dirty="0">
+                <a:solidFill>
+                  <a:srgbClr val="0070C0"/>
+                </a:solidFill>
+              </a:rPr>
+              <a:t> </a:t>
+            </a:r>
+            <a:r>
+              <a:rPr lang="en-US" b="1" dirty="0" err="1">
+                <a:solidFill>
+                  <a:srgbClr val="0070C0"/>
+                </a:solidFill>
+              </a:rPr>
+              <a:t>Bibliográficas</a:t>
+            </a:r>
+            <a:endParaRPr lang="en-US" b="1" dirty="0">
+              <a:solidFill>
+                <a:srgbClr val="0070C0"/>
+              </a:solidFill>
+            </a:endParaRPr>
+          </a:p>
+        </p:txBody>
+      </p:sp>
+      <p:sp>
+        <p:nvSpPr>
+          <p:cNvPr id="8" name="Text Placeholder 2"/>
+          <p:cNvSpPr>
+            <a:spLocks noGrp="1"/>
+          </p:cNvSpPr>
+          <p:nvPr>
+            <p:ph type="body" sz="half" idx="1"/>
+          </p:nvPr>
+        </p:nvSpPr>
+        <p:spPr>
+          <a:xfrm>
+            <a:off x="142865" y="1200151"/>
+            <a:ext cx="8865056" cy="3394472"/>
+          </a:xfrm>
+        </p:spPr>
+        <p:txBody>
+          <a:bodyPr>
+            <a:noAutofit/>
+          </a:bodyPr>
+          <a:lstStyle/>
+          <a:p>
+            <a:pPr marL="0" indent="0" algn="just">
+              <a:buNone/>
+            </a:pPr>
+            <a:r>
+              <a:rPr lang="pt-BR" sz="2000" dirty="0">
+                <a:solidFill>
+                  <a:schemeClr val="tx1"/>
+                </a:solidFill>
+                <a:latin typeface="Times New Roman" panose="02020603050405020304" pitchFamily="18" charset="0"/>
+                <a:cs typeface="Times New Roman" panose="02020603050405020304" pitchFamily="18" charset="0"/>
+              </a:rPr>
+              <a:t>[1] </a:t>
+            </a:r>
+            <a:r>
+              <a:rPr lang="pt-BR" sz="2000" b="1" dirty="0">
+                <a:solidFill>
+                  <a:srgbClr val="FF0000"/>
+                </a:solidFill>
+                <a:latin typeface="Times New Roman" panose="02020603050405020304" pitchFamily="18" charset="0"/>
+                <a:cs typeface="Times New Roman" panose="02020603050405020304" pitchFamily="18" charset="0"/>
+              </a:rPr>
+              <a:t>TRINDADE, </a:t>
+            </a:r>
+            <a:r>
+              <a:rPr lang="pt-BR" sz="2000" b="1" dirty="0" err="1">
+                <a:solidFill>
+                  <a:srgbClr val="FF0000"/>
+                </a:solidFill>
+                <a:latin typeface="Times New Roman" panose="02020603050405020304" pitchFamily="18" charset="0"/>
+                <a:cs typeface="Times New Roman" panose="02020603050405020304" pitchFamily="18" charset="0"/>
+              </a:rPr>
+              <a:t>Laize</a:t>
+            </a:r>
+            <a:r>
+              <a:rPr lang="pt-BR" sz="2000" b="1" dirty="0">
+                <a:solidFill>
+                  <a:srgbClr val="FF0000"/>
+                </a:solidFill>
+                <a:latin typeface="Times New Roman" panose="02020603050405020304" pitchFamily="18" charset="0"/>
+                <a:cs typeface="Times New Roman" panose="02020603050405020304" pitchFamily="18" charset="0"/>
+              </a:rPr>
+              <a:t> </a:t>
+            </a:r>
+            <a:r>
+              <a:rPr lang="pt-BR" sz="2000" b="1" dirty="0" err="1">
+                <a:solidFill>
+                  <a:srgbClr val="FF0000"/>
+                </a:solidFill>
+                <a:latin typeface="Times New Roman" panose="02020603050405020304" pitchFamily="18" charset="0"/>
+                <a:cs typeface="Times New Roman" panose="02020603050405020304" pitchFamily="18" charset="0"/>
+              </a:rPr>
+              <a:t>Dariele</a:t>
+            </a:r>
+            <a:r>
+              <a:rPr lang="pt-BR" sz="2000" b="1" dirty="0">
+                <a:solidFill>
+                  <a:srgbClr val="FF0000"/>
+                </a:solidFill>
+                <a:latin typeface="Times New Roman" panose="02020603050405020304" pitchFamily="18" charset="0"/>
+                <a:cs typeface="Times New Roman" panose="02020603050405020304" pitchFamily="18" charset="0"/>
+              </a:rPr>
+              <a:t> de Lima. </a:t>
+            </a:r>
+            <a:r>
+              <a:rPr lang="pt-BR" sz="2000" dirty="0">
+                <a:solidFill>
+                  <a:schemeClr val="tx1"/>
+                </a:solidFill>
+                <a:latin typeface="Times New Roman" panose="02020603050405020304" pitchFamily="18" charset="0"/>
+                <a:cs typeface="Times New Roman" panose="02020603050405020304" pitchFamily="18" charset="0"/>
+              </a:rPr>
+              <a:t>Modelo matemático canônico na precificação de recursos computacionais na nuvem no contexto IAAS. 2020.</a:t>
+            </a:r>
+          </a:p>
+          <a:p>
+            <a:pPr marL="0" indent="0" algn="just">
+              <a:buNone/>
+            </a:pPr>
+            <a:endParaRPr lang="pt-BR" sz="2000" dirty="0">
+              <a:solidFill>
+                <a:schemeClr val="tx1"/>
+              </a:solidFill>
+              <a:latin typeface="Times New Roman" panose="02020603050405020304" pitchFamily="18" charset="0"/>
+              <a:cs typeface="Times New Roman" panose="02020603050405020304" pitchFamily="18" charset="0"/>
+            </a:endParaRPr>
+          </a:p>
+          <a:p>
+            <a:pPr marL="0" indent="0" algn="just">
+              <a:buNone/>
+              <a:tabLst>
+                <a:tab pos="457200" algn="l"/>
+              </a:tabLst>
+            </a:pPr>
+            <a:r>
+              <a:rPr lang="pt-BR" sz="2000" dirty="0">
+                <a:solidFill>
+                  <a:schemeClr val="tx1"/>
+                </a:solidFill>
+                <a:latin typeface="Times New Roman" panose="02020603050405020304" pitchFamily="18" charset="0"/>
+                <a:cs typeface="Times New Roman" panose="02020603050405020304" pitchFamily="18" charset="0"/>
+              </a:rPr>
+              <a:t>[2] </a:t>
+            </a:r>
+            <a:r>
+              <a:rPr lang="pt-BR" sz="2000" b="1" dirty="0">
+                <a:solidFill>
+                  <a:srgbClr val="FF0000"/>
+                </a:solidFill>
+                <a:latin typeface="Times New Roman" panose="02020603050405020304" pitchFamily="18" charset="0"/>
+                <a:cs typeface="Times New Roman" panose="02020603050405020304" pitchFamily="18" charset="0"/>
+              </a:rPr>
+              <a:t>BANDEIRA, </a:t>
+            </a:r>
+            <a:r>
+              <a:rPr lang="pt-BR" sz="2000" b="1" dirty="0" err="1">
+                <a:solidFill>
+                  <a:srgbClr val="FF0000"/>
+                </a:solidFill>
+                <a:latin typeface="Times New Roman" panose="02020603050405020304" pitchFamily="18" charset="0"/>
+                <a:cs typeface="Times New Roman" panose="02020603050405020304" pitchFamily="18" charset="0"/>
+              </a:rPr>
+              <a:t>Waliff</a:t>
+            </a:r>
+            <a:r>
+              <a:rPr lang="pt-BR" sz="2000" b="1" dirty="0">
+                <a:solidFill>
+                  <a:srgbClr val="FF0000"/>
+                </a:solidFill>
+                <a:latin typeface="Times New Roman" panose="02020603050405020304" pitchFamily="18" charset="0"/>
+                <a:cs typeface="Times New Roman" panose="02020603050405020304" pitchFamily="18" charset="0"/>
+              </a:rPr>
+              <a:t> Cordeiro</a:t>
+            </a:r>
+            <a:r>
+              <a:rPr lang="pt-BR" sz="2000" dirty="0">
+                <a:solidFill>
+                  <a:schemeClr val="tx1"/>
+                </a:solidFill>
+                <a:latin typeface="Times New Roman" panose="02020603050405020304" pitchFamily="18" charset="0"/>
+                <a:cs typeface="Times New Roman" panose="02020603050405020304" pitchFamily="18" charset="0"/>
+              </a:rPr>
+              <a:t>. Análise do Custo-benefício de Funções como Serviço e Infraestrutura como Serviço. 2022.</a:t>
+            </a:r>
+          </a:p>
+          <a:p>
+            <a:pPr marL="0" indent="0" algn="just">
+              <a:buNone/>
+              <a:tabLst>
+                <a:tab pos="457200" algn="l"/>
+              </a:tabLst>
+            </a:pPr>
+            <a:endParaRPr lang="pt-BR" sz="2000" dirty="0">
+              <a:solidFill>
+                <a:schemeClr val="tx1"/>
+              </a:solidFill>
+              <a:latin typeface="Times New Roman" panose="02020603050405020304" pitchFamily="18" charset="0"/>
+              <a:cs typeface="Times New Roman" panose="02020603050405020304" pitchFamily="18" charset="0"/>
+            </a:endParaRPr>
+          </a:p>
+          <a:p>
+            <a:pPr marL="0" indent="0" algn="just">
+              <a:buNone/>
+              <a:tabLst>
+                <a:tab pos="457200" algn="l"/>
+              </a:tabLst>
+            </a:pPr>
+            <a:r>
+              <a:rPr lang="pt-BR" sz="2000" dirty="0">
+                <a:solidFill>
+                  <a:schemeClr val="tx1"/>
+                </a:solidFill>
+                <a:latin typeface="Times New Roman" panose="02020603050405020304" pitchFamily="18" charset="0"/>
+                <a:cs typeface="Times New Roman" panose="02020603050405020304" pitchFamily="18" charset="0"/>
+              </a:rPr>
+              <a:t>[3] </a:t>
+            </a:r>
+            <a:r>
+              <a:rPr lang="en-US" sz="2000" b="1" dirty="0">
+                <a:solidFill>
+                  <a:srgbClr val="FF0000"/>
+                </a:solidFill>
+                <a:latin typeface="Times New Roman" panose="02020603050405020304" pitchFamily="18" charset="0"/>
+                <a:cs typeface="Times New Roman" panose="02020603050405020304" pitchFamily="18" charset="0"/>
+              </a:rPr>
+              <a:t>RIBAS, </a:t>
+            </a:r>
+            <a:r>
+              <a:rPr lang="en-US" sz="2000" b="1" dirty="0" err="1">
+                <a:solidFill>
+                  <a:srgbClr val="FF0000"/>
+                </a:solidFill>
+                <a:latin typeface="Times New Roman" panose="02020603050405020304" pitchFamily="18" charset="0"/>
+                <a:cs typeface="Times New Roman" panose="02020603050405020304" pitchFamily="18" charset="0"/>
+              </a:rPr>
+              <a:t>Maristella</a:t>
+            </a:r>
+            <a:r>
+              <a:rPr lang="en-US" sz="2000" b="1" dirty="0">
+                <a:solidFill>
+                  <a:srgbClr val="FF0000"/>
+                </a:solidFill>
+                <a:latin typeface="Times New Roman" panose="02020603050405020304" pitchFamily="18" charset="0"/>
+                <a:cs typeface="Times New Roman" panose="02020603050405020304" pitchFamily="18" charset="0"/>
+              </a:rPr>
+              <a:t> et al</a:t>
+            </a:r>
+            <a:r>
+              <a:rPr lang="en-US" sz="2000" dirty="0">
+                <a:solidFill>
+                  <a:schemeClr val="tx1"/>
+                </a:solidFill>
+                <a:latin typeface="Times New Roman" panose="02020603050405020304" pitchFamily="18" charset="0"/>
+                <a:cs typeface="Times New Roman" panose="02020603050405020304" pitchFamily="18" charset="0"/>
+              </a:rPr>
+              <a:t>. A platform as a service billing model for cloud computing management approaches. IEEE Latin America Transactions, v. 14, n. 1, p. 267-280, 2016.</a:t>
+            </a:r>
+            <a:endParaRPr lang="pt-BR" sz="2000" dirty="0">
+              <a:solidFill>
+                <a:schemeClr val="tx1"/>
+              </a:solidFill>
+              <a:latin typeface="Times New Roman" panose="02020603050405020304" pitchFamily="18" charset="0"/>
+              <a:cs typeface="Times New Roman" panose="02020603050405020304" pitchFamily="18" charset="0"/>
+            </a:endParaRPr>
+          </a:p>
+        </p:txBody>
+      </p:sp>
+    </p:spTree>
+    <p:extLst>
+      <p:ext uri="{BB962C8B-B14F-4D97-AF65-F5344CB8AC3E}">
+        <p14:creationId xmlns:p14="http://schemas.microsoft.com/office/powerpoint/2010/main" val="1115311843"/>
+      </p:ext>
+    </p:extLst>
+  </p:cSld>
+  <p:clrMapOvr>
+    <a:masterClrMapping/>
+  </p:clrMapOvr>
+  <p:transition spd="med"/>
+</p:sld>
+</file>
+
+<file path=ppt/slides/slide24.xml><?xml version="1.0" encoding="utf-8"?>
+<p:sld xmlns:a="http://schemas.openxmlformats.org/drawingml/2006/main" xmlns:r="http://schemas.openxmlformats.org/officeDocument/2006/relationships" xmlns:p="http://schemas.openxmlformats.org/presentationml/2006/main">
+  <p:cSld>
+    <p:spTree>
+      <p:nvGrpSpPr>
+        <p:cNvPr id="1" name=""/>
+        <p:cNvGrpSpPr/>
+        <p:nvPr/>
+      </p:nvGrpSpPr>
+      <p:grpSpPr>
+        <a:xfrm>
+          <a:off x="0" y="0"/>
+          <a:ext cx="0" cy="0"/>
+          <a:chOff x="0" y="0"/>
+          <a:chExt cx="0" cy="0"/>
+        </a:xfrm>
+      </p:grpSpPr>
+      <p:pic>
+        <p:nvPicPr>
+          <p:cNvPr id="112" name="Picture 6" descr="Picture 6"/>
+          <p:cNvPicPr>
+            <a:picLocks noChangeAspect="1"/>
+          </p:cNvPicPr>
+          <p:nvPr/>
+        </p:nvPicPr>
+        <p:blipFill>
+          <a:blip r:embed="rId2"/>
+          <a:stretch>
+            <a:fillRect/>
+          </a:stretch>
+        </p:blipFill>
+        <p:spPr>
+          <a:xfrm>
+            <a:off x="0" y="0"/>
+            <a:ext cx="9144000" cy="5143500"/>
+          </a:xfrm>
+          <a:prstGeom prst="rect">
+            <a:avLst/>
+          </a:prstGeom>
+          <a:ln w="12700">
+            <a:miter lim="400000"/>
+            <a:headEnd/>
+            <a:tailEnd/>
+          </a:ln>
+        </p:spPr>
+      </p:pic>
+      <p:pic>
+        <p:nvPicPr>
+          <p:cNvPr id="114" name="Picture 5" descr="Picture 5"/>
+          <p:cNvPicPr>
+            <a:picLocks noChangeAspect="1"/>
+          </p:cNvPicPr>
+          <p:nvPr/>
+        </p:nvPicPr>
+        <p:blipFill>
+          <a:blip r:embed="rId3"/>
+          <a:stretch>
+            <a:fillRect/>
+          </a:stretch>
+        </p:blipFill>
+        <p:spPr>
+          <a:xfrm>
+            <a:off x="469900" y="0"/>
+            <a:ext cx="4391984" cy="171450"/>
+          </a:xfrm>
+          <a:prstGeom prst="rect">
+            <a:avLst/>
+          </a:prstGeom>
+          <a:ln w="12700">
+            <a:miter lim="400000"/>
+            <a:headEnd/>
+            <a:tailEnd/>
+          </a:ln>
+        </p:spPr>
+      </p:pic>
+      <p:sp>
+        <p:nvSpPr>
+          <p:cNvPr id="3" name="Título 2"/>
+          <p:cNvSpPr>
+            <a:spLocks noGrp="1"/>
+          </p:cNvSpPr>
+          <p:nvPr>
+            <p:ph type="title"/>
+          </p:nvPr>
+        </p:nvSpPr>
+        <p:spPr>
+          <a:xfrm>
+            <a:off x="285751" y="2386770"/>
+            <a:ext cx="8615364" cy="1102519"/>
+          </a:xfrm>
+        </p:spPr>
+        <p:txBody>
+          <a:bodyPr>
+            <a:noAutofit/>
+          </a:bodyPr>
+          <a:lstStyle/>
+          <a:p>
+            <a:r>
+              <a:rPr lang="pt-BR" sz="4800" b="1" dirty="0">
+                <a:solidFill>
+                  <a:schemeClr val="bg1"/>
+                </a:solidFill>
+              </a:rPr>
+              <a:t>Cloud Computer e </a:t>
+            </a:r>
+            <a:br>
+              <a:rPr lang="pt-BR" sz="4800" b="1" dirty="0">
+                <a:solidFill>
+                  <a:schemeClr val="bg1"/>
+                </a:solidFill>
+              </a:rPr>
+            </a:br>
+            <a:r>
+              <a:rPr lang="pt-BR" sz="4800" b="1" dirty="0">
+                <a:solidFill>
+                  <a:schemeClr val="bg1"/>
+                </a:solidFill>
+              </a:rPr>
+              <a:t>Web Services em Linux</a:t>
+            </a:r>
+          </a:p>
+        </p:txBody>
+      </p:sp>
+      <p:sp>
+        <p:nvSpPr>
+          <p:cNvPr id="6" name="Título 2"/>
+          <p:cNvSpPr txBox="1"/>
+          <p:nvPr/>
+        </p:nvSpPr>
+        <p:spPr>
+          <a:xfrm>
+            <a:off x="975683" y="3866663"/>
+            <a:ext cx="7772400" cy="1102519"/>
+          </a:xfrm>
+          <a:prstGeom prst="rect">
+            <a:avLst/>
+          </a:prstGeom>
+          <a:ln w="12700">
+            <a:miter lim="400000"/>
+          </a:ln>
+        </p:spPr>
+        <p:txBody>
+          <a:bodyPr lIns="45718" tIns="45718" rIns="45718" bIns="45718" anchor="ctr">
+            <a:noAutofit/>
+          </a:bodyPr>
+          <a:lstStyle>
+            <a:lvl1pPr marL="0" marR="0" indent="0" algn="ctr" defTabSz="457200" rtl="0" latinLnBrk="0">
+              <a:lnSpc>
+                <a:spcPct val="100000"/>
+              </a:lnSpc>
+              <a:spcBef>
+                <a:spcPts val="0"/>
+              </a:spcBef>
+              <a:spcAft>
+                <a:spcPts val="0"/>
+              </a:spcAft>
+              <a:buClrTx/>
+              <a:buSzTx/>
+              <a:buFontTx/>
+              <a:buNone/>
+              <a:defRPr sz="4400" b="0" i="0" u="none" strike="noStrike" cap="none" spc="0" baseline="0">
+                <a:ln>
+                  <a:noFill/>
+                </a:ln>
+                <a:solidFill>
+                  <a:srgbClr val="000000"/>
+                </a:solidFill>
+                <a:uFillTx/>
+                <a:latin typeface="+mj-lt"/>
+                <a:ea typeface="+mj-ea"/>
+                <a:cs typeface="+mj-cs"/>
+                <a:sym typeface="Calibri"/>
+              </a:defRPr>
+            </a:lvl1pPr>
+            <a:lvl2pPr marL="0" marR="0" indent="0" algn="ctr" defTabSz="457200" rtl="0" latinLnBrk="0">
+              <a:lnSpc>
+                <a:spcPct val="100000"/>
+              </a:lnSpc>
+              <a:spcBef>
+                <a:spcPts val="0"/>
+              </a:spcBef>
+              <a:spcAft>
+                <a:spcPts val="0"/>
+              </a:spcAft>
+              <a:buClrTx/>
+              <a:buSzTx/>
+              <a:buFontTx/>
+              <a:buNone/>
+              <a:defRPr sz="4400" b="0" i="0" u="none" strike="noStrike" cap="none" spc="0" baseline="0">
+                <a:ln>
+                  <a:noFill/>
+                </a:ln>
+                <a:solidFill>
+                  <a:srgbClr val="000000"/>
+                </a:solidFill>
+                <a:uFillTx/>
+                <a:latin typeface="+mj-lt"/>
+                <a:ea typeface="+mj-ea"/>
+                <a:cs typeface="+mj-cs"/>
+                <a:sym typeface="Calibri"/>
+              </a:defRPr>
+            </a:lvl2pPr>
+            <a:lvl3pPr marL="0" marR="0" indent="0" algn="ctr" defTabSz="457200" rtl="0" latinLnBrk="0">
+              <a:lnSpc>
+                <a:spcPct val="100000"/>
+              </a:lnSpc>
+              <a:spcBef>
+                <a:spcPts val="0"/>
+              </a:spcBef>
+              <a:spcAft>
+                <a:spcPts val="0"/>
+              </a:spcAft>
+              <a:buClrTx/>
+              <a:buSzTx/>
+              <a:buFontTx/>
+              <a:buNone/>
+              <a:defRPr sz="4400" b="0" i="0" u="none" strike="noStrike" cap="none" spc="0" baseline="0">
+                <a:ln>
+                  <a:noFill/>
+                </a:ln>
+                <a:solidFill>
+                  <a:srgbClr val="000000"/>
+                </a:solidFill>
+                <a:uFillTx/>
+                <a:latin typeface="+mj-lt"/>
+                <a:ea typeface="+mj-ea"/>
+                <a:cs typeface="+mj-cs"/>
+                <a:sym typeface="Calibri"/>
+              </a:defRPr>
+            </a:lvl3pPr>
+            <a:lvl4pPr marL="0" marR="0" indent="0" algn="ctr" defTabSz="457200" rtl="0" latinLnBrk="0">
+              <a:lnSpc>
+                <a:spcPct val="100000"/>
+              </a:lnSpc>
+              <a:spcBef>
+                <a:spcPts val="0"/>
+              </a:spcBef>
+              <a:spcAft>
+                <a:spcPts val="0"/>
+              </a:spcAft>
+              <a:buClrTx/>
+              <a:buSzTx/>
+              <a:buFontTx/>
+              <a:buNone/>
+              <a:defRPr sz="4400" b="0" i="0" u="none" strike="noStrike" cap="none" spc="0" baseline="0">
+                <a:ln>
+                  <a:noFill/>
+                </a:ln>
+                <a:solidFill>
+                  <a:srgbClr val="000000"/>
+                </a:solidFill>
+                <a:uFillTx/>
+                <a:latin typeface="+mj-lt"/>
+                <a:ea typeface="+mj-ea"/>
+                <a:cs typeface="+mj-cs"/>
+                <a:sym typeface="Calibri"/>
+              </a:defRPr>
+            </a:lvl4pPr>
+            <a:lvl5pPr marL="0" marR="0" indent="0" algn="ctr" defTabSz="457200" rtl="0" latinLnBrk="0">
+              <a:lnSpc>
+                <a:spcPct val="100000"/>
+              </a:lnSpc>
+              <a:spcBef>
+                <a:spcPts val="0"/>
+              </a:spcBef>
+              <a:spcAft>
+                <a:spcPts val="0"/>
+              </a:spcAft>
+              <a:buClrTx/>
+              <a:buSzTx/>
+              <a:buFontTx/>
+              <a:buNone/>
+              <a:defRPr sz="4400" b="0" i="0" u="none" strike="noStrike" cap="none" spc="0" baseline="0">
+                <a:ln>
+                  <a:noFill/>
+                </a:ln>
+                <a:solidFill>
+                  <a:srgbClr val="000000"/>
+                </a:solidFill>
+                <a:uFillTx/>
+                <a:latin typeface="+mj-lt"/>
+                <a:ea typeface="+mj-ea"/>
+                <a:cs typeface="+mj-cs"/>
+                <a:sym typeface="Calibri"/>
+              </a:defRPr>
+            </a:lvl5pPr>
+            <a:lvl6pPr marL="0" marR="0" indent="0" algn="ctr" defTabSz="457200" rtl="0" latinLnBrk="0">
+              <a:lnSpc>
+                <a:spcPct val="100000"/>
+              </a:lnSpc>
+              <a:spcBef>
+                <a:spcPts val="0"/>
+              </a:spcBef>
+              <a:spcAft>
+                <a:spcPts val="0"/>
+              </a:spcAft>
+              <a:buClrTx/>
+              <a:buSzTx/>
+              <a:buFontTx/>
+              <a:buNone/>
+              <a:defRPr sz="4400" b="0" i="0" u="none" strike="noStrike" cap="none" spc="0" baseline="0">
+                <a:ln>
+                  <a:noFill/>
+                </a:ln>
+                <a:solidFill>
+                  <a:srgbClr val="000000"/>
+                </a:solidFill>
+                <a:uFillTx/>
+                <a:latin typeface="+mj-lt"/>
+                <a:ea typeface="+mj-ea"/>
+                <a:cs typeface="+mj-cs"/>
+                <a:sym typeface="Calibri"/>
+              </a:defRPr>
+            </a:lvl6pPr>
+            <a:lvl7pPr marL="0" marR="0" indent="0" algn="ctr" defTabSz="457200" rtl="0" latinLnBrk="0">
+              <a:lnSpc>
+                <a:spcPct val="100000"/>
+              </a:lnSpc>
+              <a:spcBef>
+                <a:spcPts val="0"/>
+              </a:spcBef>
+              <a:spcAft>
+                <a:spcPts val="0"/>
+              </a:spcAft>
+              <a:buClrTx/>
+              <a:buSzTx/>
+              <a:buFontTx/>
+              <a:buNone/>
+              <a:defRPr sz="4400" b="0" i="0" u="none" strike="noStrike" cap="none" spc="0" baseline="0">
+                <a:ln>
+                  <a:noFill/>
+                </a:ln>
+                <a:solidFill>
+                  <a:srgbClr val="000000"/>
+                </a:solidFill>
+                <a:uFillTx/>
+                <a:latin typeface="+mj-lt"/>
+                <a:ea typeface="+mj-ea"/>
+                <a:cs typeface="+mj-cs"/>
+                <a:sym typeface="Calibri"/>
+              </a:defRPr>
+            </a:lvl7pPr>
+            <a:lvl8pPr marL="0" marR="0" indent="0" algn="ctr" defTabSz="457200" rtl="0" latinLnBrk="0">
+              <a:lnSpc>
+                <a:spcPct val="100000"/>
+              </a:lnSpc>
+              <a:spcBef>
+                <a:spcPts val="0"/>
+              </a:spcBef>
+              <a:spcAft>
+                <a:spcPts val="0"/>
+              </a:spcAft>
+              <a:buClrTx/>
+              <a:buSzTx/>
+              <a:buFontTx/>
+              <a:buNone/>
+              <a:defRPr sz="4400" b="0" i="0" u="none" strike="noStrike" cap="none" spc="0" baseline="0">
+                <a:ln>
+                  <a:noFill/>
+                </a:ln>
+                <a:solidFill>
+                  <a:srgbClr val="000000"/>
+                </a:solidFill>
+                <a:uFillTx/>
+                <a:latin typeface="+mj-lt"/>
+                <a:ea typeface="+mj-ea"/>
+                <a:cs typeface="+mj-cs"/>
+                <a:sym typeface="Calibri"/>
+              </a:defRPr>
+            </a:lvl8pPr>
+            <a:lvl9pPr marL="0" marR="0" indent="0" algn="ctr" defTabSz="457200" rtl="0" latinLnBrk="0">
+              <a:lnSpc>
+                <a:spcPct val="100000"/>
+              </a:lnSpc>
+              <a:spcBef>
+                <a:spcPts val="0"/>
+              </a:spcBef>
+              <a:spcAft>
+                <a:spcPts val="0"/>
+              </a:spcAft>
+              <a:buClrTx/>
+              <a:buSzTx/>
+              <a:buFontTx/>
+              <a:buNone/>
+              <a:defRPr sz="4400" b="0" i="0" u="none" strike="noStrike" cap="none" spc="0" baseline="0">
+                <a:ln>
+                  <a:noFill/>
+                </a:ln>
+                <a:solidFill>
+                  <a:srgbClr val="000000"/>
+                </a:solidFill>
+                <a:uFillTx/>
+                <a:latin typeface="+mj-lt"/>
+                <a:ea typeface="+mj-ea"/>
+                <a:cs typeface="+mj-cs"/>
+                <a:sym typeface="Calibri"/>
+              </a:defRPr>
+            </a:lvl9pPr>
+          </a:lstStyle>
+          <a:p>
+            <a:pPr algn="r" hangingPunct="1"/>
+            <a:r>
+              <a:rPr lang="pt-BR" sz="2000" b="1" dirty="0">
+                <a:solidFill>
+                  <a:schemeClr val="bg1"/>
+                </a:solidFill>
+              </a:rPr>
+              <a:t>Professor </a:t>
+            </a:r>
+            <a:r>
+              <a:rPr lang="pt-BR" sz="2000" b="1">
+                <a:solidFill>
+                  <a:schemeClr val="bg1"/>
+                </a:solidFill>
+              </a:rPr>
+              <a:t>M.Sc</a:t>
+            </a:r>
+            <a:r>
+              <a:rPr lang="pt-BR" sz="2000" b="1" dirty="0">
+                <a:solidFill>
+                  <a:schemeClr val="bg1"/>
+                </a:solidFill>
+              </a:rPr>
+              <a:t>. Heleno Cardoso</a:t>
+            </a:r>
+          </a:p>
+        </p:txBody>
+      </p:sp>
+      <p:pic>
+        <p:nvPicPr>
+          <p:cNvPr id="2" name="Google Shape;62;p1" descr="Imagem">
+            <a:extLst>
+              <a:ext uri="{FF2B5EF4-FFF2-40B4-BE49-F238E27FC236}">
+                <a16:creationId xmlns:a16="http://schemas.microsoft.com/office/drawing/2014/main" id="{9C895622-2963-024D-634E-EA58F5381D06}"/>
+              </a:ext>
+            </a:extLst>
+          </p:cNvPr>
+          <p:cNvPicPr preferRelativeResize="0"/>
+          <p:nvPr/>
+        </p:nvPicPr>
+        <p:blipFill rotWithShape="1">
+          <a:blip r:embed="rId4">
+            <a:alphaModFix/>
+          </a:blip>
+          <a:srcRect/>
+          <a:stretch/>
+        </p:blipFill>
+        <p:spPr>
+          <a:xfrm>
+            <a:off x="469898" y="343798"/>
+            <a:ext cx="2858518" cy="1338697"/>
+          </a:xfrm>
+          <a:prstGeom prst="rect">
+            <a:avLst/>
+          </a:prstGeom>
+          <a:noFill/>
+          <a:ln>
+            <a:noFill/>
+          </a:ln>
+        </p:spPr>
+      </p:pic>
+    </p:spTree>
+  </p:cSld>
+  <p:clrMapOvr>
+    <a:masterClrMapping/>
+  </p:clrMapOvr>
+  <p:transition spd="med"/>
+</p:sld>
+</file>
+
 <file path=ppt/slides/slide3.xml><?xml version="1.0" encoding="utf-8"?>
 <p:sld xmlns:a="http://schemas.openxmlformats.org/drawingml/2006/main" xmlns:r="http://schemas.openxmlformats.org/officeDocument/2006/relationships" xmlns:p="http://schemas.openxmlformats.org/presentationml/2006/main">
   <p:cSld>
@@ -4995,13 +9227,16 @@
                   <a:srgbClr val="0070C0"/>
                 </a:solidFill>
               </a:rPr>
-              <a:t>Nuvem</a:t>
-            </a:r>
-            <a:endParaRPr lang="en-US" b="1" dirty="0">
-              <a:solidFill>
-                <a:srgbClr val="0070C0"/>
-              </a:solidFill>
-            </a:endParaRPr>
+              <a:t>Serviços</a:t>
+            </a:r>
+            <a:r>
+              <a:rPr lang="en-US" b="1" dirty="0">
+                <a:solidFill>
+                  <a:srgbClr val="0070C0"/>
+                </a:solidFill>
+              </a:rPr>
+              <a:t> Cloud</a:t>
+            </a:r>
           </a:p>
         </p:txBody>
       </p:sp>
@@ -5031,40 +9266,62 @@
               <a:buNone/>
             </a:pPr>
             <a:r>
-              <a:rPr lang="pt-BR" sz="2400" dirty="0">
+              <a:rPr lang="pt-BR" sz="2000" dirty="0">
                 <a:solidFill>
                   <a:schemeClr val="tx1"/>
                 </a:solidFill>
-                <a:latin typeface="Times" panose="02020603050405020304" pitchFamily="18" charset="0"/>
-                <a:cs typeface="Times" panose="02020603050405020304" pitchFamily="18" charset="0"/>
-              </a:rPr>
-              <a:t>g</a:t>
+                <a:latin typeface="Times New Roman" panose="02020603050405020304" pitchFamily="18" charset="0"/>
+                <a:cs typeface="Times New Roman" panose="02020603050405020304" pitchFamily="18" charset="0"/>
+              </a:rPr>
+              <a:t>Os serviços oferecidos na computação em nuvem são classificados de acordo com o nível de abstração em relação à infraestrutura disponibilizada, da seguinte forma:</a:t>
             </a:r>
           </a:p>
           <a:p>
             <a:pPr marL="0" indent="0" algn="just">
               <a:buNone/>
             </a:pPr>
-            <a:endParaRPr lang="pt-BR" sz="2400" dirty="0">
+            <a:endParaRPr lang="pt-BR" sz="2000" dirty="0">
               <a:solidFill>
                 <a:schemeClr val="tx1"/>
               </a:solidFill>
-              <a:latin typeface="Times" panose="02020603050405020304" pitchFamily="18" charset="0"/>
-              <a:cs typeface="Times" panose="02020603050405020304" pitchFamily="18" charset="0"/>
+              <a:latin typeface="Times New Roman" panose="02020603050405020304" pitchFamily="18" charset="0"/>
+              <a:cs typeface="Times New Roman" panose="02020603050405020304" pitchFamily="18" charset="0"/>
             </a:endParaRPr>
           </a:p>
           <a:p>
-            <a:pPr algn="just">
-              <a:buFont typeface="Wingdings" panose="05000000000000000000" pitchFamily="2" charset="2"/>
-              <a:buChar char="§"/>
+            <a:pPr marL="0" indent="0" algn="just">
+              <a:buNone/>
             </a:pPr>
-            <a:endParaRPr lang="pt-BR" sz="1800" b="1" dirty="0">
-              <a:solidFill>
-                <a:srgbClr val="FF0000"/>
-              </a:solidFill>
-              <a:latin typeface="Times" panose="02020603050405020304" pitchFamily="18" charset="0"/>
-              <a:cs typeface="Times" panose="02020603050405020304" pitchFamily="18" charset="0"/>
-            </a:endParaRPr>
+            <a:r>
+              <a:rPr lang="pt-BR" sz="2000" dirty="0">
+                <a:solidFill>
+                  <a:schemeClr val="tx1"/>
+                </a:solidFill>
+                <a:latin typeface="Times New Roman" panose="02020603050405020304" pitchFamily="18" charset="0"/>
+                <a:cs typeface="Times New Roman" panose="02020603050405020304" pitchFamily="18" charset="0"/>
+              </a:rPr>
+              <a:t>Software como Serviço (</a:t>
+            </a:r>
+            <a:r>
+              <a:rPr lang="pt-BR" sz="2000" b="1" dirty="0">
+                <a:solidFill>
+                  <a:schemeClr val="tx1"/>
+                </a:solidFill>
+                <a:latin typeface="Times New Roman" panose="02020603050405020304" pitchFamily="18" charset="0"/>
+                <a:cs typeface="Times New Roman" panose="02020603050405020304" pitchFamily="18" charset="0"/>
+              </a:rPr>
+              <a:t>Software as a Service ou SaaS</a:t>
+            </a:r>
+            <a:r>
+              <a:rPr lang="pt-BR" sz="2000" dirty="0">
+                <a:solidFill>
+                  <a:schemeClr val="tx1"/>
+                </a:solidFill>
+                <a:latin typeface="Times New Roman" panose="02020603050405020304" pitchFamily="18" charset="0"/>
+                <a:cs typeface="Times New Roman" panose="02020603050405020304" pitchFamily="18" charset="0"/>
+              </a:rPr>
+              <a:t>): consiste em fornecer ao consumidor capacidade de utilizar aplicações do provedor que se executam em infraestrutura de nuvem.</a:t>
+            </a:r>
           </a:p>
         </p:txBody>
       </p:sp>
@@ -5127,7 +9384,7 @@
                   <a:srgbClr val="0070C0"/>
                 </a:solidFill>
               </a:rPr>
-              <a:t>Custo</a:t>
+              <a:t>Modelo</a:t>
             </a:r>
             <a:r>
               <a:rPr lang="en-US" b="1" dirty="0">
@@ -5135,7 +9392,7 @@
                   <a:srgbClr val="0070C0"/>
                 </a:solidFill>
               </a:rPr>
-              <a:t> e </a:t>
+              <a:t> de </a:t>
             </a:r>
             <a:r>
               <a:rPr lang="en-US" b="1" dirty="0" err="1">
@@ -5143,13 +9400,16 @@
                   <a:srgbClr val="0070C0"/>
                 </a:solidFill>
               </a:rPr>
-              <a:t>Precificação</a:t>
-            </a:r>
-            <a:endParaRPr lang="en-US" b="1" dirty="0">
-              <a:solidFill>
-                <a:srgbClr val="0070C0"/>
-              </a:solidFill>
-            </a:endParaRPr>
+              <a:t>Serviços</a:t>
+            </a:r>
+            <a:r>
+              <a:rPr lang="en-US" b="1" dirty="0">
+                <a:solidFill>
+                  <a:srgbClr val="0070C0"/>
+                </a:solidFill>
+              </a:rPr>
+              <a:t> Cloud</a:t>
+            </a:r>
           </a:p>
         </p:txBody>
       </p:sp>
@@ -5179,47 +9439,89 @@
               <a:buNone/>
             </a:pPr>
             <a:r>
-              <a:rPr lang="pt-BR" sz="2400" dirty="0">
+              <a:rPr lang="pt-BR" sz="2000" dirty="0">
                 <a:solidFill>
                   <a:schemeClr val="tx1"/>
                 </a:solidFill>
-                <a:latin typeface="Times" panose="02020603050405020304" pitchFamily="18" charset="0"/>
-                <a:cs typeface="Times" panose="02020603050405020304" pitchFamily="18" charset="0"/>
-              </a:rPr>
-              <a:t>g</a:t>
+                <a:latin typeface="Times New Roman" panose="02020603050405020304" pitchFamily="18" charset="0"/>
+                <a:cs typeface="Times New Roman" panose="02020603050405020304" pitchFamily="18" charset="0"/>
+              </a:rPr>
+              <a:t>As aplicações são acessíveis a partir de vários dispositivos clientes, através de uma interface simplificada, como um navegador. </a:t>
             </a:r>
           </a:p>
           <a:p>
             <a:pPr marL="0" indent="0" algn="just">
               <a:buNone/>
             </a:pPr>
-            <a:endParaRPr lang="pt-BR" sz="2400" dirty="0">
+            <a:endParaRPr lang="pt-BR" sz="2000" dirty="0">
               <a:solidFill>
                 <a:schemeClr val="tx1"/>
               </a:solidFill>
-              <a:latin typeface="Times" panose="02020603050405020304" pitchFamily="18" charset="0"/>
-              <a:cs typeface="Times" panose="02020603050405020304" pitchFamily="18" charset="0"/>
+              <a:latin typeface="Times New Roman" panose="02020603050405020304" pitchFamily="18" charset="0"/>
+              <a:cs typeface="Times New Roman" panose="02020603050405020304" pitchFamily="18" charset="0"/>
             </a:endParaRPr>
           </a:p>
           <a:p>
-            <a:pPr algn="just">
-              <a:buFont typeface="Wingdings" panose="05000000000000000000" pitchFamily="2" charset="2"/>
-              <a:buChar char="§"/>
+            <a:pPr marL="0" indent="0" algn="just">
+              <a:buNone/>
             </a:pPr>
-            <a:endParaRPr lang="pt-BR" sz="1800" b="1" dirty="0">
-              <a:solidFill>
-                <a:srgbClr val="FF0000"/>
-              </a:solidFill>
-              <a:latin typeface="Times" panose="02020603050405020304" pitchFamily="18" charset="0"/>
-              <a:cs typeface="Times" panose="02020603050405020304" pitchFamily="18" charset="0"/>
-            </a:endParaRPr>
+            <a:r>
+              <a:rPr lang="pt-BR" sz="2000" dirty="0">
+                <a:solidFill>
+                  <a:schemeClr val="tx1"/>
+                </a:solidFill>
+                <a:latin typeface="Times New Roman" panose="02020603050405020304" pitchFamily="18" charset="0"/>
+                <a:cs typeface="Times New Roman" panose="02020603050405020304" pitchFamily="18" charset="0"/>
+              </a:rPr>
+              <a:t>O </a:t>
+            </a:r>
+            <a:r>
+              <a:rPr lang="pt-BR" sz="2000" b="1" dirty="0">
+                <a:solidFill>
+                  <a:schemeClr val="tx1"/>
+                </a:solidFill>
+                <a:latin typeface="Times New Roman" panose="02020603050405020304" pitchFamily="18" charset="0"/>
+                <a:cs typeface="Times New Roman" panose="02020603050405020304" pitchFamily="18" charset="0"/>
+              </a:rPr>
+              <a:t>consumidor não gerencia ou controla a infraestrutura de nuvem subjacente</a:t>
+            </a:r>
+            <a:r>
+              <a:rPr lang="pt-BR" sz="2000" dirty="0">
+                <a:solidFill>
+                  <a:schemeClr val="tx1"/>
+                </a:solidFill>
+                <a:latin typeface="Times New Roman" panose="02020603050405020304" pitchFamily="18" charset="0"/>
+                <a:cs typeface="Times New Roman" panose="02020603050405020304" pitchFamily="18" charset="0"/>
+              </a:rPr>
+              <a:t>, incluindo </a:t>
+            </a:r>
+            <a:r>
+              <a:rPr lang="pt-BR" sz="2000" b="1" dirty="0">
+                <a:solidFill>
+                  <a:srgbClr val="FF0000"/>
+                </a:solidFill>
+                <a:latin typeface="Times New Roman" panose="02020603050405020304" pitchFamily="18" charset="0"/>
+                <a:cs typeface="Times New Roman" panose="02020603050405020304" pitchFamily="18" charset="0"/>
+              </a:rPr>
+              <a:t>rede, servidores, sistemas operacionais, armazenamento</a:t>
+            </a:r>
+            <a:r>
+              <a:rPr lang="pt-BR" sz="2000" dirty="0">
+                <a:solidFill>
+                  <a:schemeClr val="tx1"/>
+                </a:solidFill>
+                <a:latin typeface="Times New Roman" panose="02020603050405020304" pitchFamily="18" charset="0"/>
+                <a:cs typeface="Times New Roman" panose="02020603050405020304" pitchFamily="18" charset="0"/>
+              </a:rPr>
+              <a:t> ou até mesmo recursos de aplicação, com exceção a configurações de usuário específicas e limitadas;</a:t>
+            </a:r>
           </a:p>
         </p:txBody>
       </p:sp>
     </p:spTree>
     <p:extLst>
       <p:ext uri="{BB962C8B-B14F-4D97-AF65-F5344CB8AC3E}">
-        <p14:creationId xmlns:p14="http://schemas.microsoft.com/office/powerpoint/2010/main" val="2965060175"/>
+        <p14:creationId xmlns:p14="http://schemas.microsoft.com/office/powerpoint/2010/main" val="826409277"/>
       </p:ext>
     </p:extLst>
   </p:cSld>
@@ -5275,7 +9577,7 @@
                   <a:srgbClr val="0070C0"/>
                 </a:solidFill>
               </a:rPr>
-              <a:t>Qualidade</a:t>
+              <a:t>Modelo</a:t>
             </a:r>
             <a:r>
               <a:rPr lang="en-US" b="1" dirty="0">
@@ -5291,7 +9593,7 @@
                   <a:srgbClr val="0070C0"/>
                 </a:solidFill>
               </a:rPr>
-              <a:t>Serviço</a:t>
+              <a:t>Serviços</a:t>
             </a:r>
             <a:r>
               <a:rPr lang="en-US" b="1" dirty="0">
@@ -5299,7 +9601,7 @@
                   <a:srgbClr val="0070C0"/>
                 </a:solidFill>
               </a:rPr>
-              <a:t> e SLA</a:t>
+              <a:t> Cloud</a:t>
             </a:r>
           </a:p>
         </p:txBody>
@@ -5330,39 +9632,133 @@
               <a:buNone/>
             </a:pPr>
             <a:r>
-              <a:rPr lang="pt-BR" sz="2400" dirty="0">
+              <a:rPr lang="pt-BR" sz="2000" dirty="0">
                 <a:solidFill>
                   <a:schemeClr val="tx1"/>
                 </a:solidFill>
-                <a:latin typeface="Times" panose="02020603050405020304" pitchFamily="18" charset="0"/>
-                <a:cs typeface="Times" panose="02020603050405020304" pitchFamily="18" charset="0"/>
-              </a:rPr>
-              <a:t>g</a:t>
+                <a:latin typeface="Times New Roman" panose="02020603050405020304" pitchFamily="18" charset="0"/>
+                <a:cs typeface="Times New Roman" panose="02020603050405020304" pitchFamily="18" charset="0"/>
+              </a:rPr>
+              <a:t>Plataforma como Serviço (</a:t>
+            </a:r>
+            <a:r>
+              <a:rPr lang="pt-BR" sz="2000" b="1" dirty="0">
+                <a:solidFill>
+                  <a:schemeClr val="tx1"/>
+                </a:solidFill>
+                <a:latin typeface="Times New Roman" panose="02020603050405020304" pitchFamily="18" charset="0"/>
+                <a:cs typeface="Times New Roman" panose="02020603050405020304" pitchFamily="18" charset="0"/>
+              </a:rPr>
+              <a:t>Platform as a Service ou PaaS</a:t>
+            </a:r>
+            <a:r>
+              <a:rPr lang="pt-BR" sz="2000" dirty="0">
+                <a:solidFill>
+                  <a:schemeClr val="tx1"/>
+                </a:solidFill>
+                <a:latin typeface="Times New Roman" panose="02020603050405020304" pitchFamily="18" charset="0"/>
+                <a:cs typeface="Times New Roman" panose="02020603050405020304" pitchFamily="18" charset="0"/>
+              </a:rPr>
+              <a:t>): consiste em fornecer ao consumidor capacidade de implantar aplicações desenvolvidas ou adquiridas usando linguagens de programação, bibliotecas e ferramentas suportadas pelo provedor. </a:t>
             </a:r>
           </a:p>
           <a:p>
             <a:pPr marL="0" indent="0" algn="just">
               <a:buNone/>
             </a:pPr>
-            <a:endParaRPr lang="pt-BR" sz="2400" dirty="0">
+            <a:endParaRPr lang="pt-BR" sz="2000" dirty="0">
               <a:solidFill>
                 <a:schemeClr val="tx1"/>
               </a:solidFill>
-              <a:latin typeface="Times" panose="02020603050405020304" pitchFamily="18" charset="0"/>
-              <a:cs typeface="Times" panose="02020603050405020304" pitchFamily="18" charset="0"/>
+              <a:latin typeface="Times New Roman" panose="02020603050405020304" pitchFamily="18" charset="0"/>
+              <a:cs typeface="Times New Roman" panose="02020603050405020304" pitchFamily="18" charset="0"/>
             </a:endParaRPr>
           </a:p>
           <a:p>
-            <a:pPr algn="just">
-              <a:buFont typeface="Wingdings" panose="05000000000000000000" pitchFamily="2" charset="2"/>
-              <a:buChar char="§"/>
+            <a:pPr marL="0" indent="0" algn="just">
+              <a:buNone/>
             </a:pPr>
-            <a:endParaRPr lang="pt-BR" sz="1800" b="1" dirty="0">
+            <a:r>
+              <a:rPr lang="pt-BR" sz="2000" dirty="0">
+                <a:solidFill>
+                  <a:schemeClr val="tx1"/>
+                </a:solidFill>
+                <a:latin typeface="Times New Roman" panose="02020603050405020304" pitchFamily="18" charset="0"/>
+                <a:cs typeface="Times New Roman" panose="02020603050405020304" pitchFamily="18" charset="0"/>
+              </a:rPr>
+              <a:t>O </a:t>
+            </a:r>
+            <a:r>
+              <a:rPr lang="pt-BR" sz="2000" b="1" dirty="0">
+                <a:solidFill>
+                  <a:schemeClr val="tx1"/>
+                </a:solidFill>
+                <a:latin typeface="Times New Roman" panose="02020603050405020304" pitchFamily="18" charset="0"/>
+                <a:cs typeface="Times New Roman" panose="02020603050405020304" pitchFamily="18" charset="0"/>
+              </a:rPr>
+              <a:t>consumidor não gerencia ou controla a infraestrutura de nuvem subjacente</a:t>
+            </a:r>
+            <a:r>
+              <a:rPr lang="pt-BR" sz="2000" dirty="0">
+                <a:solidFill>
+                  <a:schemeClr val="tx1"/>
+                </a:solidFill>
+                <a:latin typeface="Times New Roman" panose="02020603050405020304" pitchFamily="18" charset="0"/>
+                <a:cs typeface="Times New Roman" panose="02020603050405020304" pitchFamily="18" charset="0"/>
+              </a:rPr>
+              <a:t>, incluindo </a:t>
+            </a:r>
+            <a:r>
+              <a:rPr lang="pt-BR" sz="2000" b="1" dirty="0">
+                <a:solidFill>
+                  <a:srgbClr val="FF0000"/>
+                </a:solidFill>
+                <a:latin typeface="Times New Roman" panose="02020603050405020304" pitchFamily="18" charset="0"/>
+                <a:cs typeface="Times New Roman" panose="02020603050405020304" pitchFamily="18" charset="0"/>
+              </a:rPr>
+              <a:t>rede, servidores, sistemas operacionais, armazenamento</a:t>
+            </a:r>
+            <a:r>
+              <a:rPr lang="pt-BR" sz="2000" dirty="0">
+                <a:solidFill>
+                  <a:schemeClr val="tx1"/>
+                </a:solidFill>
+                <a:latin typeface="Times New Roman" panose="02020603050405020304" pitchFamily="18" charset="0"/>
+                <a:cs typeface="Times New Roman" panose="02020603050405020304" pitchFamily="18" charset="0"/>
+              </a:rPr>
+              <a:t>, mas tem o </a:t>
+            </a:r>
+            <a:r>
+              <a:rPr lang="pt-BR" sz="2000" b="1" dirty="0">
+                <a:solidFill>
+                  <a:srgbClr val="0070C0"/>
+                </a:solidFill>
+                <a:latin typeface="Times New Roman" panose="02020603050405020304" pitchFamily="18" charset="0"/>
+                <a:cs typeface="Times New Roman" panose="02020603050405020304" pitchFamily="18" charset="0"/>
+              </a:rPr>
+              <a:t>controle sobre as aplicações implantadas e configurações do ambiente de hospedagem das aplicações</a:t>
+            </a:r>
+            <a:r>
+              <a:rPr lang="pt-BR" sz="2000" dirty="0">
+                <a:solidFill>
+                  <a:schemeClr val="tx1"/>
+                </a:solidFill>
+                <a:latin typeface="Times New Roman" panose="02020603050405020304" pitchFamily="18" charset="0"/>
+                <a:cs typeface="Times New Roman" panose="02020603050405020304" pitchFamily="18" charset="0"/>
+              </a:rPr>
+              <a:t>;</a:t>
+            </a:r>
+          </a:p>
+          <a:p>
+            <a:pPr marL="0" indent="0" algn="just">
+              <a:buNone/>
+            </a:pPr>
+            <a:endParaRPr lang="pt-BR" sz="2000" dirty="0">
               <a:solidFill>
-                <a:srgbClr val="FF0000"/>
+                <a:schemeClr val="tx1"/>
               </a:solidFill>
-              <a:latin typeface="Times" panose="02020603050405020304" pitchFamily="18" charset="0"/>
-              <a:cs typeface="Times" panose="02020603050405020304" pitchFamily="18" charset="0"/>
+              <a:latin typeface="Times New Roman" panose="02020603050405020304" pitchFamily="18" charset="0"/>
+              <a:cs typeface="Times New Roman" panose="02020603050405020304" pitchFamily="18" charset="0"/>
             </a:endParaRPr>
           </a:p>
         </p:txBody>
@@ -5370,7 +9766,7 @@
     </p:spTree>
     <p:extLst>
       <p:ext uri="{BB962C8B-B14F-4D97-AF65-F5344CB8AC3E}">
-        <p14:creationId xmlns:p14="http://schemas.microsoft.com/office/powerpoint/2010/main" val="2733350474"/>
+        <p14:creationId xmlns:p14="http://schemas.microsoft.com/office/powerpoint/2010/main" val="774676548"/>
       </p:ext>
     </p:extLst>
   </p:cSld>
@@ -5426,7 +9822,7 @@
                   <a:srgbClr val="0070C0"/>
                 </a:solidFill>
               </a:rPr>
-              <a:t>Leitura</a:t>
+              <a:t>Modelo</a:t>
             </a:r>
             <a:r>
               <a:rPr lang="en-US" b="1" dirty="0">
@@ -5434,7 +9830,7 @@
                   <a:srgbClr val="0070C0"/>
                 </a:solidFill>
               </a:rPr>
-              <a:t> </a:t>
+              <a:t> de </a:t>
             </a:r>
             <a:r>
               <a:rPr lang="en-US" b="1" dirty="0" err="1">
@@ -5442,13 +9838,16 @@
                   <a:srgbClr val="0070C0"/>
                 </a:solidFill>
               </a:rPr>
-              <a:t>Específica</a:t>
-            </a:r>
-            <a:endParaRPr lang="en-US" b="1" dirty="0">
-              <a:solidFill>
-                <a:srgbClr val="0070C0"/>
-              </a:solidFill>
-            </a:endParaRPr>
+              <a:t>Serviços</a:t>
+            </a:r>
+            <a:r>
+              <a:rPr lang="en-US" b="1" dirty="0">
+                <a:solidFill>
+                  <a:srgbClr val="0070C0"/>
+                </a:solidFill>
+              </a:rPr>
+              <a:t> Cloud</a:t>
+            </a:r>
           </a:p>
         </p:txBody>
       </p:sp>
@@ -5464,8 +9863,8 @@
         </p:nvSpPr>
         <p:spPr>
           <a:xfrm>
-            <a:off x="142865" y="1200151"/>
-            <a:ext cx="8865056" cy="3394472"/>
+            <a:off x="142865" y="1200150"/>
+            <a:ext cx="8865056" cy="3847338"/>
           </a:xfrm>
         </p:spPr>
         <p:txBody>
@@ -5479,50 +9878,73 @@
             </a:pPr>
             <a:r>
               <a:rPr lang="pt-BR" sz="2000" dirty="0">
+                <a:solidFill>
+                  <a:schemeClr val="tx1"/>
+                </a:solidFill>
                 <a:latin typeface="Times New Roman" panose="02020603050405020304" pitchFamily="18" charset="0"/>
                 <a:cs typeface="Times New Roman" panose="02020603050405020304" pitchFamily="18" charset="0"/>
               </a:rPr>
-              <a:t>[1] Mecanismos e Arquitetura de Computação em Nuvem</a:t>
-            </a:r>
-          </a:p>
-          <a:p>
-            <a:pPr marL="0" indent="0" algn="just">
-              <a:buNone/>
-            </a:pPr>
-            <a:r>
-              <a:rPr lang="pt-BR" sz="2000" b="1" dirty="0">
-                <a:solidFill>
-                  <a:srgbClr val="FF0000"/>
+              <a:t>Infraestrutura como Serviço (</a:t>
+            </a:r>
+            <a:r>
+              <a:rPr lang="pt-BR" sz="2000" b="1" dirty="0" err="1">
+                <a:solidFill>
+                  <a:schemeClr val="tx1"/>
                 </a:solidFill>
                 <a:latin typeface="Times New Roman" panose="02020603050405020304" pitchFamily="18" charset="0"/>
                 <a:cs typeface="Times New Roman" panose="02020603050405020304" pitchFamily="18" charset="0"/>
               </a:rPr>
-              <a:t>Disponível em:</a:t>
-            </a:r>
-          </a:p>
-          <a:p>
-            <a:pPr marL="0" indent="0" algn="just">
-              <a:buNone/>
-            </a:pPr>
+              <a:t>Infrastructure</a:t>
+            </a:r>
             <a:r>
               <a:rPr lang="pt-BR" sz="2000" b="1" dirty="0">
                 <a:solidFill>
-                  <a:srgbClr val="FF0000"/>
+                  <a:schemeClr val="tx1"/>
                 </a:solidFill>
                 <a:latin typeface="Times New Roman" panose="02020603050405020304" pitchFamily="18" charset="0"/>
                 <a:cs typeface="Times New Roman" panose="02020603050405020304" pitchFamily="18" charset="0"/>
               </a:rPr>
-              <a:t> </a:t>
+              <a:t> as a Service ou IaaS</a:t>
             </a:r>
             <a:r>
               <a:rPr lang="pt-BR" sz="2000" dirty="0">
+                <a:solidFill>
+                  <a:schemeClr val="tx1"/>
+                </a:solidFill>
                 <a:latin typeface="Times New Roman" panose="02020603050405020304" pitchFamily="18" charset="0"/>
                 <a:cs typeface="Times New Roman" panose="02020603050405020304" pitchFamily="18" charset="0"/>
-                <a:hlinkClick r:id="rId3"/>
-              </a:rPr>
-              <a:t>https://www.gta.ufrj.br/ensino/eel879/trabalhos_vf_2009_2/seabra/componentes.html</a:t>
-            </a:r>
+              </a:rPr>
+              <a:t>): consiste em fornecer ao </a:t>
+            </a:r>
+            <a:r>
+              <a:rPr lang="pt-BR" sz="2000" b="1" dirty="0">
+                <a:solidFill>
+                  <a:srgbClr val="FF0000"/>
+                </a:solidFill>
+                <a:latin typeface="Times New Roman" panose="02020603050405020304" pitchFamily="18" charset="0"/>
+                <a:cs typeface="Times New Roman" panose="02020603050405020304" pitchFamily="18" charset="0"/>
+              </a:rPr>
+              <a:t>consumidor capacidade de provisionamento de processamento, armazenamento, acesso à rede e outros recursos computacionais</a:t>
+            </a:r>
+            <a:r>
+              <a:rPr lang="pt-BR" sz="2000" dirty="0">
+                <a:solidFill>
+                  <a:schemeClr val="tx1"/>
+                </a:solidFill>
+                <a:latin typeface="Times New Roman" panose="02020603050405020304" pitchFamily="18" charset="0"/>
+                <a:cs typeface="Times New Roman" panose="02020603050405020304" pitchFamily="18" charset="0"/>
+              </a:rPr>
+              <a:t> fundamentais, em que o consumidor é capaz de implantar e executar software arbitrário, que pode incluir bibliotecas, compiladores e aplicativos.</a:t>
+            </a:r>
+          </a:p>
+          <a:p>
+            <a:pPr marL="0" indent="0" algn="just">
+              <a:buNone/>
+            </a:pPr>
             <a:endParaRPr lang="pt-BR" sz="2000" dirty="0">
+              <a:solidFill>
+                <a:schemeClr val="tx1"/>
+              </a:solidFill>
               <a:latin typeface="Times New Roman" panose="02020603050405020304" pitchFamily="18" charset="0"/>
               <a:cs typeface="Times New Roman" panose="02020603050405020304" pitchFamily="18" charset="0"/>
             </a:endParaRPr>
@@ -5531,65 +9953,67 @@
             <a:pPr marL="0" indent="0" algn="just">
               <a:buNone/>
             </a:pPr>
+            <a:r>
+              <a:rPr lang="pt-BR" sz="2000" dirty="0">
+                <a:solidFill>
+                  <a:schemeClr val="tx1"/>
+                </a:solidFill>
+                <a:latin typeface="Times New Roman" panose="02020603050405020304" pitchFamily="18" charset="0"/>
+                <a:cs typeface="Times New Roman" panose="02020603050405020304" pitchFamily="18" charset="0"/>
+              </a:rPr>
+              <a:t>O </a:t>
+            </a:r>
+            <a:r>
+              <a:rPr lang="pt-BR" sz="2000" b="1" dirty="0">
+                <a:solidFill>
+                  <a:schemeClr val="tx1"/>
+                </a:solidFill>
+                <a:latin typeface="Times New Roman" panose="02020603050405020304" pitchFamily="18" charset="0"/>
+                <a:cs typeface="Times New Roman" panose="02020603050405020304" pitchFamily="18" charset="0"/>
+              </a:rPr>
+              <a:t>consumidor</a:t>
+            </a:r>
+            <a:r>
+              <a:rPr lang="pt-BR" sz="2000" dirty="0">
+                <a:solidFill>
+                  <a:schemeClr val="tx1"/>
+                </a:solidFill>
+                <a:latin typeface="Times New Roman" panose="02020603050405020304" pitchFamily="18" charset="0"/>
+                <a:cs typeface="Times New Roman" panose="02020603050405020304" pitchFamily="18" charset="0"/>
+              </a:rPr>
+              <a:t> </a:t>
+            </a:r>
+            <a:r>
+              <a:rPr lang="pt-BR" sz="2000" b="1" dirty="0">
+                <a:solidFill>
+                  <a:schemeClr val="tx1"/>
+                </a:solidFill>
+                <a:latin typeface="Times New Roman" panose="02020603050405020304" pitchFamily="18" charset="0"/>
+                <a:cs typeface="Times New Roman" panose="02020603050405020304" pitchFamily="18" charset="0"/>
+              </a:rPr>
+              <a:t>não gerencia ou controla a infraestrutura de nuvem subjacente</a:t>
+            </a:r>
+            <a:r>
+              <a:rPr lang="pt-BR" sz="2000" dirty="0">
+                <a:solidFill>
+                  <a:schemeClr val="tx1"/>
+                </a:solidFill>
+                <a:latin typeface="Times New Roman" panose="02020603050405020304" pitchFamily="18" charset="0"/>
+                <a:cs typeface="Times New Roman" panose="02020603050405020304" pitchFamily="18" charset="0"/>
+              </a:rPr>
+              <a:t>, mas tem o controle sobre configurações de sistema operacional, armazenamento e aplicativos implantados, assim como controle, geralmente limitado, de componentes de rede (por exemplo, firewalls).</a:t>
+            </a:r>
+          </a:p>
+          <a:p>
+            <a:pPr marL="0" indent="0" algn="just">
+              <a:buNone/>
+            </a:pPr>
             <a:endParaRPr lang="pt-BR" sz="2000" dirty="0">
+              <a:solidFill>
+                <a:schemeClr val="tx1"/>
+              </a:solidFill>
               <a:latin typeface="Times New Roman" panose="02020603050405020304" pitchFamily="18" charset="0"/>
               <a:cs typeface="Times New Roman" panose="02020603050405020304" pitchFamily="18" charset="0"/>
-            </a:endParaRPr>
-          </a:p>
-          <a:p>
-            <a:pPr marL="0" indent="0" algn="just">
-              <a:buNone/>
-            </a:pPr>
-            <a:r>
-              <a:rPr lang="pt-BR" sz="2000" dirty="0">
-                <a:latin typeface="Times New Roman" panose="02020603050405020304" pitchFamily="18" charset="0"/>
-                <a:cs typeface="Times New Roman" panose="02020603050405020304" pitchFamily="18" charset="0"/>
-              </a:rPr>
-              <a:t>[2] AWS - Arquitetura de Computação em Nuvem. </a:t>
-            </a:r>
-          </a:p>
-          <a:p>
-            <a:pPr marL="0" indent="0" algn="just">
-              <a:buNone/>
-            </a:pPr>
-            <a:r>
-              <a:rPr lang="pt-BR" sz="2000" b="1" dirty="0">
-                <a:solidFill>
-                  <a:srgbClr val="FF0000"/>
-                </a:solidFill>
-                <a:latin typeface="Times New Roman" panose="02020603050405020304" pitchFamily="18" charset="0"/>
-                <a:cs typeface="Times New Roman" panose="02020603050405020304" pitchFamily="18" charset="0"/>
-              </a:rPr>
-              <a:t>Disponível em: </a:t>
-            </a:r>
-            <a:r>
-              <a:rPr lang="pt-BR" sz="2000" dirty="0">
-                <a:latin typeface="Times New Roman" panose="02020603050405020304" pitchFamily="18" charset="0"/>
-                <a:cs typeface="Times New Roman" panose="02020603050405020304" pitchFamily="18" charset="0"/>
-                <a:hlinkClick r:id="rId4"/>
-              </a:rPr>
-              <a:t>https://aws.amazon.com/pt/training/awsacademy/cloud-computing-architecture/</a:t>
-            </a:r>
-            <a:endParaRPr lang="pt-BR" sz="2000" dirty="0">
-              <a:latin typeface="Times New Roman" panose="02020603050405020304" pitchFamily="18" charset="0"/>
-              <a:cs typeface="Times New Roman" panose="02020603050405020304" pitchFamily="18" charset="0"/>
-            </a:endParaRPr>
-          </a:p>
-          <a:p>
-            <a:pPr marL="0" indent="0" algn="just">
-              <a:buNone/>
-            </a:pPr>
-            <a:endParaRPr lang="pt-BR" sz="2000" dirty="0">
-              <a:latin typeface="Times New Roman" panose="02020603050405020304" pitchFamily="18" charset="0"/>
-              <a:cs typeface="Times New Roman" panose="02020603050405020304" pitchFamily="18" charset="0"/>
-            </a:endParaRPr>
-          </a:p>
-          <a:p>
-            <a:pPr marL="0" indent="0" algn="just">
-              <a:buNone/>
-            </a:pPr>
-            <a:endParaRPr lang="pt-BR" sz="2000" dirty="0">
-              <a:latin typeface="Calibri" panose="020F0502020204030204" pitchFamily="34" charset="0"/>
             </a:endParaRPr>
           </a:p>
         </p:txBody>
@@ -5597,7 +10021,7 @@
     </p:spTree>
     <p:extLst>
       <p:ext uri="{BB962C8B-B14F-4D97-AF65-F5344CB8AC3E}">
-        <p14:creationId xmlns:p14="http://schemas.microsoft.com/office/powerpoint/2010/main" val="4175167667"/>
+        <p14:creationId xmlns:p14="http://schemas.microsoft.com/office/powerpoint/2010/main" val="485833086"/>
       </p:ext>
     </p:extLst>
   </p:cSld>
@@ -5653,7 +10077,7 @@
                   <a:srgbClr val="0070C0"/>
                 </a:solidFill>
               </a:rPr>
-              <a:t>Aprenda</a:t>
+              <a:t>Modelo</a:t>
             </a:r>
             <a:r>
               <a:rPr lang="en-US" b="1" dirty="0">
@@ -5661,7 +10085,23 @@
                   <a:srgbClr val="0070C0"/>
                 </a:solidFill>
               </a:rPr>
-              <a:t>+</a:t>
+              <a:t> de </a:t>
+            </a:r>
+            <a:r>
+              <a:rPr lang="en-US" b="1" dirty="0" err="1">
+                <a:solidFill>
+                  <a:srgbClr val="0070C0"/>
+                </a:solidFill>
+              </a:rPr>
+              <a:t>Serviços</a:t>
+            </a:r>
+            <a:r>
+              <a:rPr lang="en-US" b="1" dirty="0">
+                <a:solidFill>
+                  <a:srgbClr val="0070C0"/>
+                </a:solidFill>
+              </a:rPr>
+              <a:t> Cloud</a:t>
             </a:r>
           </a:p>
         </p:txBody>
@@ -5679,7 +10119,7 @@
         <p:spPr>
           <a:xfrm>
             <a:off x="142865" y="1200150"/>
-            <a:ext cx="8865056" cy="3737370"/>
+            <a:ext cx="8865056" cy="3847338"/>
           </a:xfrm>
         </p:spPr>
         <p:txBody>
@@ -5691,37 +10131,10 @@
             <a:pPr marL="0" indent="0" algn="just">
               <a:buNone/>
             </a:pPr>
-            <a:r>
-              <a:rPr lang="pt-BR" sz="2400" dirty="0">
-                <a:latin typeface="Times New Roman" panose="02020603050405020304" pitchFamily="18" charset="0"/>
-                <a:cs typeface="Times New Roman" panose="02020603050405020304" pitchFamily="18" charset="0"/>
-              </a:rPr>
-              <a:t>[1] Mecanismos e Arquitetura de Computação em Nuvem.</a:t>
-            </a:r>
-          </a:p>
-          <a:p>
-            <a:pPr marL="0" indent="0" algn="just">
-              <a:buNone/>
-            </a:pPr>
-            <a:r>
-              <a:rPr lang="pt-BR" sz="2400" b="1" dirty="0">
-                <a:solidFill>
-                  <a:srgbClr val="FF0000"/>
-                </a:solidFill>
-                <a:latin typeface="Times New Roman" panose="02020603050405020304" pitchFamily="18" charset="0"/>
-                <a:cs typeface="Times New Roman" panose="02020603050405020304" pitchFamily="18" charset="0"/>
-              </a:rPr>
-              <a:t>Disponível em: </a:t>
-            </a:r>
-            <a:r>
-              <a:rPr lang="pt-BR" sz="2400" dirty="0">
-                <a:latin typeface="Times New Roman" panose="02020603050405020304" pitchFamily="18" charset="0"/>
-                <a:cs typeface="Times New Roman" panose="02020603050405020304" pitchFamily="18" charset="0"/>
-                <a:hlinkClick r:id="rId3"/>
-              </a:rPr>
-              <a:t>https://youtu.be/RWgW-CgdIk0</a:t>
-            </a:r>
-            <a:endParaRPr lang="pt-BR" sz="2400" dirty="0">
+            <a:endParaRPr lang="pt-BR" sz="2000" dirty="0">
+              <a:solidFill>
+                <a:schemeClr val="tx1"/>
+              </a:solidFill>
               <a:latin typeface="Times New Roman" panose="02020603050405020304" pitchFamily="18" charset="0"/>
               <a:cs typeface="Times New Roman" panose="02020603050405020304" pitchFamily="18" charset="0"/>
             </a:endParaRPr>
@@ -5730,49 +10143,10 @@
             <a:pPr marL="0" indent="0" algn="just">
               <a:buNone/>
             </a:pPr>
-            <a:r>
-              <a:rPr lang="pt-BR" sz="2400" dirty="0">
-                <a:latin typeface="Times New Roman" panose="02020603050405020304" pitchFamily="18" charset="0"/>
-                <a:cs typeface="Times New Roman" panose="02020603050405020304" pitchFamily="18" charset="0"/>
-              </a:rPr>
-              <a:t>		  </a:t>
-            </a:r>
-          </a:p>
-          <a:p>
-            <a:pPr marL="0" indent="0" algn="just">
-              <a:buNone/>
-            </a:pPr>
-            <a:r>
-              <a:rPr lang="pt-BR" sz="2400" dirty="0">
-                <a:latin typeface="Times New Roman" panose="02020603050405020304" pitchFamily="18" charset="0"/>
-                <a:cs typeface="Times New Roman" panose="02020603050405020304" pitchFamily="18" charset="0"/>
-              </a:rPr>
-              <a:t>[2] AWS - Arquitetura de Computação em Nuvem. </a:t>
-            </a:r>
-          </a:p>
-          <a:p>
-            <a:pPr marL="0" indent="0" algn="just">
-              <a:buNone/>
-            </a:pPr>
-            <a:r>
-              <a:rPr lang="pt-BR" sz="2400" b="1" dirty="0">
-                <a:solidFill>
-                  <a:srgbClr val="FF0000"/>
-                </a:solidFill>
-                <a:latin typeface="Times New Roman" panose="02020603050405020304" pitchFamily="18" charset="0"/>
-                <a:cs typeface="Times New Roman" panose="02020603050405020304" pitchFamily="18" charset="0"/>
-              </a:rPr>
-              <a:t>Disponível em: </a:t>
-            </a:r>
-            <a:r>
-              <a:rPr lang="pt-BR" sz="2400" dirty="0">
-                <a:latin typeface="Times New Roman" panose="02020603050405020304" pitchFamily="18" charset="0"/>
-                <a:cs typeface="Times New Roman" panose="02020603050405020304" pitchFamily="18" charset="0"/>
-                <a:hlinkClick r:id="rId4"/>
-              </a:rPr>
-              <a:t>https://www.youtube.com/watch?v=Z3SYDTMP3ME</a:t>
-            </a:r>
-            <a:endParaRPr lang="pt-BR" sz="2400" dirty="0">
+            <a:endParaRPr lang="pt-BR" sz="2000" dirty="0">
+              <a:solidFill>
+                <a:schemeClr val="tx1"/>
+              </a:solidFill>
               <a:latin typeface="Times New Roman" panose="02020603050405020304" pitchFamily="18" charset="0"/>
               <a:cs typeface="Times New Roman" panose="02020603050405020304" pitchFamily="18" charset="0"/>
             </a:endParaRPr>
@@ -5781,17 +10155,95 @@
             <a:pPr marL="0" indent="0" algn="just">
               <a:buNone/>
             </a:pPr>
-            <a:endParaRPr lang="pt-BR" sz="2400" dirty="0">
+            <a:endParaRPr lang="pt-BR" sz="2000" dirty="0">
+              <a:solidFill>
+                <a:schemeClr val="tx1"/>
+              </a:solidFill>
               <a:latin typeface="Times New Roman" panose="02020603050405020304" pitchFamily="18" charset="0"/>
               <a:cs typeface="Times New Roman" panose="02020603050405020304" pitchFamily="18" charset="0"/>
             </a:endParaRPr>
+          </a:p>
+          <a:p>
+            <a:pPr marL="0" indent="0" algn="just">
+              <a:buNone/>
+            </a:pPr>
+            <a:r>
+              <a:rPr lang="pt-BR" sz="2000" dirty="0">
+                <a:solidFill>
+                  <a:schemeClr val="tx1"/>
+                </a:solidFill>
+                <a:latin typeface="Times New Roman" panose="02020603050405020304" pitchFamily="18" charset="0"/>
+                <a:cs typeface="Times New Roman" panose="02020603050405020304" pitchFamily="18" charset="0"/>
+              </a:rPr>
+              <a:t>Independente do </a:t>
+            </a:r>
+            <a:r>
+              <a:rPr lang="pt-BR" sz="2000" b="1" dirty="0">
+                <a:solidFill>
+                  <a:schemeClr val="tx1"/>
+                </a:solidFill>
+                <a:latin typeface="Times New Roman" panose="02020603050405020304" pitchFamily="18" charset="0"/>
+                <a:cs typeface="Times New Roman" panose="02020603050405020304" pitchFamily="18" charset="0"/>
+              </a:rPr>
+              <a:t>modelo de serviço adotado</a:t>
+            </a:r>
+            <a:r>
+              <a:rPr lang="pt-BR" sz="2000" dirty="0">
+                <a:solidFill>
+                  <a:schemeClr val="tx1"/>
+                </a:solidFill>
+                <a:latin typeface="Times New Roman" panose="02020603050405020304" pitchFamily="18" charset="0"/>
+                <a:cs typeface="Times New Roman" panose="02020603050405020304" pitchFamily="18" charset="0"/>
+              </a:rPr>
+              <a:t>, é importante que sejam observadas e acordadas entre </a:t>
+            </a:r>
+            <a:r>
+              <a:rPr lang="pt-BR" sz="2000" b="1" dirty="0">
+                <a:solidFill>
+                  <a:schemeClr val="tx1"/>
+                </a:solidFill>
+                <a:latin typeface="Times New Roman" panose="02020603050405020304" pitchFamily="18" charset="0"/>
+                <a:cs typeface="Times New Roman" panose="02020603050405020304" pitchFamily="18" charset="0"/>
+              </a:rPr>
+              <a:t>provedores e consumidores</a:t>
+            </a:r>
+            <a:r>
+              <a:rPr lang="pt-BR" sz="2000" dirty="0">
+                <a:solidFill>
+                  <a:schemeClr val="tx1"/>
+                </a:solidFill>
+                <a:latin typeface="Times New Roman" panose="02020603050405020304" pitchFamily="18" charset="0"/>
+                <a:cs typeface="Times New Roman" panose="02020603050405020304" pitchFamily="18" charset="0"/>
+              </a:rPr>
+              <a:t> as </a:t>
+            </a:r>
+            <a:r>
+              <a:rPr lang="pt-BR" sz="2000" b="1" dirty="0">
+                <a:solidFill>
+                  <a:srgbClr val="FF0000"/>
+                </a:solidFill>
+                <a:latin typeface="Times New Roman" panose="02020603050405020304" pitchFamily="18" charset="0"/>
+                <a:cs typeface="Times New Roman" panose="02020603050405020304" pitchFamily="18" charset="0"/>
+              </a:rPr>
+              <a:t>características de disponibilidade, segurança, desempenho e qualidade dos serviços provisionados</a:t>
+            </a:r>
+            <a:r>
+              <a:rPr lang="pt-BR" sz="2000" dirty="0">
+                <a:solidFill>
+                  <a:schemeClr val="tx1"/>
+                </a:solidFill>
+                <a:latin typeface="Times New Roman" panose="02020603050405020304" pitchFamily="18" charset="0"/>
+                <a:cs typeface="Times New Roman" panose="02020603050405020304" pitchFamily="18" charset="0"/>
+              </a:rPr>
+              <a:t>.</a:t>
+            </a:r>
           </a:p>
         </p:txBody>
       </p:sp>
     </p:spTree>
     <p:extLst>
       <p:ext uri="{BB962C8B-B14F-4D97-AF65-F5344CB8AC3E}">
-        <p14:creationId xmlns:p14="http://schemas.microsoft.com/office/powerpoint/2010/main" val="2747596967"/>
+        <p14:creationId xmlns:p14="http://schemas.microsoft.com/office/powerpoint/2010/main" val="904944485"/>
       </p:ext>
     </p:extLst>
   </p:cSld>
@@ -5847,7 +10299,7 @@
                   <a:srgbClr val="0070C0"/>
                 </a:solidFill>
               </a:rPr>
-              <a:t>Dinâmica</a:t>
+              <a:t>Modelo</a:t>
             </a:r>
             <a:r>
               <a:rPr lang="en-US" b="1" dirty="0">
@@ -5855,7 +10307,7 @@
                   <a:srgbClr val="0070C0"/>
                 </a:solidFill>
               </a:rPr>
-              <a:t>/</a:t>
+              <a:t> de </a:t>
             </a:r>
             <a:r>
               <a:rPr lang="en-US" b="1" dirty="0" err="1">
@@ -5863,13 +10315,16 @@
                   <a:srgbClr val="0070C0"/>
                 </a:solidFill>
               </a:rPr>
-              <a:t>Atividades</a:t>
-            </a:r>
-            <a:endParaRPr lang="en-US" b="1" dirty="0">
-              <a:solidFill>
-                <a:srgbClr val="0070C0"/>
-              </a:solidFill>
-            </a:endParaRPr>
+              <a:t>Serviços</a:t>
+            </a:r>
+            <a:r>
+              <a:rPr lang="en-US" b="1" dirty="0">
+                <a:solidFill>
+                  <a:srgbClr val="0070C0"/>
+                </a:solidFill>
+              </a:rPr>
+              <a:t> Cloud</a:t>
+            </a:r>
           </a:p>
         </p:txBody>
       </p:sp>
@@ -5885,8 +10340,8 @@
         </p:nvSpPr>
         <p:spPr>
           <a:xfrm>
-            <a:off x="139472" y="1063230"/>
-            <a:ext cx="8865056" cy="3606305"/>
+            <a:off x="142865" y="1200150"/>
+            <a:ext cx="8865056" cy="3847338"/>
           </a:xfrm>
         </p:spPr>
         <p:txBody>
@@ -5900,10 +10355,53 @@
             </a:pPr>
             <a:r>
               <a:rPr lang="pt-BR" sz="2000" dirty="0">
+                <a:solidFill>
+                  <a:schemeClr val="tx1"/>
+                </a:solidFill>
                 <a:latin typeface="Times New Roman" panose="02020603050405020304" pitchFamily="18" charset="0"/>
                 <a:cs typeface="Times New Roman" panose="02020603050405020304" pitchFamily="18" charset="0"/>
               </a:rPr>
-              <a:t>Exercícios (Atividade Verificadora de Aprendizagem)</a:t>
+              <a:t>Recentemente, vários modelos para definir “qualquer coisa como serviço” (</a:t>
+            </a:r>
+            <a:r>
+              <a:rPr lang="pt-BR" sz="2000" b="1" dirty="0" err="1">
+                <a:solidFill>
+                  <a:schemeClr val="tx1"/>
+                </a:solidFill>
+                <a:latin typeface="Times New Roman" panose="02020603050405020304" pitchFamily="18" charset="0"/>
+                <a:cs typeface="Times New Roman" panose="02020603050405020304" pitchFamily="18" charset="0"/>
+              </a:rPr>
+              <a:t>Everything</a:t>
+            </a:r>
+            <a:r>
+              <a:rPr lang="pt-BR" sz="2000" b="1" dirty="0">
+                <a:solidFill>
+                  <a:schemeClr val="tx1"/>
+                </a:solidFill>
+                <a:latin typeface="Times New Roman" panose="02020603050405020304" pitchFamily="18" charset="0"/>
+                <a:cs typeface="Times New Roman" panose="02020603050405020304" pitchFamily="18" charset="0"/>
+              </a:rPr>
+              <a:t> as a Service ou </a:t>
+            </a:r>
+            <a:r>
+              <a:rPr lang="pt-BR" sz="2000" b="1" dirty="0" err="1">
+                <a:solidFill>
+                  <a:schemeClr val="tx1"/>
+                </a:solidFill>
+                <a:latin typeface="Times New Roman" panose="02020603050405020304" pitchFamily="18" charset="0"/>
+                <a:cs typeface="Times New Roman" panose="02020603050405020304" pitchFamily="18" charset="0"/>
+              </a:rPr>
+              <a:t>XaaS</a:t>
+            </a:r>
+            <a:r>
+              <a:rPr lang="pt-BR" sz="2000" dirty="0">
+                <a:solidFill>
+                  <a:schemeClr val="tx1"/>
+                </a:solidFill>
+                <a:latin typeface="Times New Roman" panose="02020603050405020304" pitchFamily="18" charset="0"/>
+                <a:cs typeface="Times New Roman" panose="02020603050405020304" pitchFamily="18" charset="0"/>
+              </a:rPr>
+              <a:t>) tem sido propostos no contexto de computação em nuvem, incluindo discussões sobre produtos, processos, dados, informações e segurança como serviço, dentre outros. </a:t>
             </a:r>
           </a:p>
           <a:p>
@@ -5911,6 +10409,9 @@
               <a:buNone/>
             </a:pPr>
             <a:endParaRPr lang="pt-BR" sz="2000" dirty="0">
+              <a:solidFill>
+                <a:schemeClr val="tx1"/>
+              </a:solidFill>
               <a:latin typeface="Times New Roman" panose="02020603050405020304" pitchFamily="18" charset="0"/>
               <a:cs typeface="Times New Roman" panose="02020603050405020304" pitchFamily="18" charset="0"/>
             </a:endParaRPr>
@@ -5921,28 +10422,81 @@
             </a:pPr>
             <a:r>
               <a:rPr lang="pt-BR" sz="2000" dirty="0">
+                <a:solidFill>
+                  <a:schemeClr val="tx1"/>
+                </a:solidFill>
                 <a:latin typeface="Times New Roman" panose="02020603050405020304" pitchFamily="18" charset="0"/>
                 <a:cs typeface="Times New Roman" panose="02020603050405020304" pitchFamily="18" charset="0"/>
               </a:rPr>
-              <a:t>- </a:t>
-            </a:r>
-            <a:r>
-              <a:rPr lang="pt-BR" sz="2000" b="1" dirty="0">
+              <a:t>Um desses modelos, denominado </a:t>
+            </a:r>
+            <a:r>
+              <a:rPr lang="pt-BR" sz="2000" b="1" dirty="0" err="1">
+                <a:solidFill>
+                  <a:schemeClr val="tx1"/>
+                </a:solidFill>
                 <a:latin typeface="Times New Roman" panose="02020603050405020304" pitchFamily="18" charset="0"/>
                 <a:cs typeface="Times New Roman" panose="02020603050405020304" pitchFamily="18" charset="0"/>
               </a:rPr>
-              <a:t>Quiz</a:t>
-            </a:r>
-            <a:endParaRPr lang="pt-BR" sz="2000" dirty="0">
-              <a:latin typeface="Calibri" panose="020F0502020204030204" pitchFamily="34" charset="0"/>
-            </a:endParaRPr>
+              <a:t>Function</a:t>
+            </a:r>
+            <a:r>
+              <a:rPr lang="pt-BR" sz="2000" b="1" dirty="0">
+                <a:solidFill>
+                  <a:schemeClr val="tx1"/>
+                </a:solidFill>
+                <a:latin typeface="Times New Roman" panose="02020603050405020304" pitchFamily="18" charset="0"/>
+                <a:cs typeface="Times New Roman" panose="02020603050405020304" pitchFamily="18" charset="0"/>
+              </a:rPr>
+              <a:t>-as-a-Service ou </a:t>
+            </a:r>
+            <a:r>
+              <a:rPr lang="pt-BR" sz="2000" b="1" dirty="0" err="1">
+                <a:solidFill>
+                  <a:schemeClr val="tx1"/>
+                </a:solidFill>
+                <a:latin typeface="Times New Roman" panose="02020603050405020304" pitchFamily="18" charset="0"/>
+                <a:cs typeface="Times New Roman" panose="02020603050405020304" pitchFamily="18" charset="0"/>
+              </a:rPr>
+              <a:t>FaaS</a:t>
+            </a:r>
+            <a:r>
+              <a:rPr lang="pt-BR" sz="2000" dirty="0">
+                <a:solidFill>
+                  <a:schemeClr val="tx1"/>
+                </a:solidFill>
+                <a:latin typeface="Times New Roman" panose="02020603050405020304" pitchFamily="18" charset="0"/>
+                <a:cs typeface="Times New Roman" panose="02020603050405020304" pitchFamily="18" charset="0"/>
+              </a:rPr>
+              <a:t>, define a execução de código em resposta a eventos, sem existência de infraestrutura complexa normalmente associada a </a:t>
+            </a:r>
+            <a:r>
+              <a:rPr lang="pt-BR" sz="2000" dirty="0" err="1">
+                <a:solidFill>
+                  <a:schemeClr val="tx1"/>
+                </a:solidFill>
+                <a:latin typeface="Times New Roman" panose="02020603050405020304" pitchFamily="18" charset="0"/>
+                <a:cs typeface="Times New Roman" panose="02020603050405020304" pitchFamily="18" charset="0"/>
+              </a:rPr>
+              <a:t>microsserviços</a:t>
+            </a:r>
+            <a:r>
+              <a:rPr lang="pt-BR" sz="2000" dirty="0">
+                <a:solidFill>
+                  <a:schemeClr val="tx1"/>
+                </a:solidFill>
+                <a:latin typeface="Times New Roman" panose="02020603050405020304" pitchFamily="18" charset="0"/>
+                <a:cs typeface="Times New Roman" panose="02020603050405020304" pitchFamily="18" charset="0"/>
+              </a:rPr>
+              <a:t>.</a:t>
+            </a:r>
           </a:p>
         </p:txBody>
       </p:sp>
     </p:spTree>
     <p:extLst>
       <p:ext uri="{BB962C8B-B14F-4D97-AF65-F5344CB8AC3E}">
-        <p14:creationId xmlns:p14="http://schemas.microsoft.com/office/powerpoint/2010/main" val="2470652989"/>
+        <p14:creationId xmlns:p14="http://schemas.microsoft.com/office/powerpoint/2010/main" val="2311165478"/>
       </p:ext>
     </p:extLst>
   </p:cSld>
@@ -5998,7 +10552,7 @@
                   <a:srgbClr val="0070C0"/>
                 </a:solidFill>
               </a:rPr>
-              <a:t>Referências</a:t>
+              <a:t>Custo</a:t>
             </a:r>
             <a:r>
               <a:rPr lang="en-US" b="1" dirty="0">
@@ -6006,7 +10560,7 @@
                   <a:srgbClr val="0070C0"/>
                 </a:solidFill>
               </a:rPr>
-              <a:t> </a:t>
+              <a:t> e </a:t>
             </a:r>
             <a:r>
               <a:rPr lang="en-US" b="1" dirty="0" err="1">
@@ -6014,7 +10568,7 @@
                   <a:srgbClr val="0070C0"/>
                 </a:solidFill>
               </a:rPr>
-              <a:t>Bibliográficas</a:t>
+              <a:t>Precificação</a:t>
             </a:r>
             <a:endParaRPr lang="en-US" b="1" dirty="0">
               <a:solidFill>
@@ -6036,8 +10590,8 @@
         </p:nvSpPr>
         <p:spPr>
           <a:xfrm>
-            <a:off x="142865" y="1200151"/>
-            <a:ext cx="8865056" cy="3394472"/>
+            <a:off x="142865" y="1200150"/>
+            <a:ext cx="8865056" cy="3847338"/>
           </a:xfrm>
         </p:spPr>
         <p:txBody>
@@ -6050,232 +10604,98 @@
               <a:buNone/>
             </a:pPr>
             <a:r>
-              <a:rPr lang="pt-BR" sz="2000" dirty="0">
-                <a:solidFill>
-                  <a:schemeClr val="tx1"/>
-                </a:solidFill>
-                <a:latin typeface="Times New Roman" panose="02020603050405020304" pitchFamily="18" charset="0"/>
-                <a:cs typeface="Times New Roman" panose="02020603050405020304" pitchFamily="18" charset="0"/>
-              </a:rPr>
-              <a:t>[1] </a:t>
-            </a:r>
-            <a:r>
-              <a:rPr lang="pt-BR" sz="2000" b="1" dirty="0">
-                <a:solidFill>
-                  <a:srgbClr val="FF0000"/>
-                </a:solidFill>
-                <a:latin typeface="Times New Roman" panose="02020603050405020304" pitchFamily="18" charset="0"/>
-                <a:cs typeface="Times New Roman" panose="02020603050405020304" pitchFamily="18" charset="0"/>
-              </a:rPr>
-              <a:t>SOUSA, Flávio RC; MOREIRA, Leonardo O.; MACHADO,</a:t>
-            </a:r>
-            <a:r>
-              <a:rPr lang="pt-BR" sz="2000" dirty="0">
-                <a:solidFill>
-                  <a:schemeClr val="tx1"/>
-                </a:solidFill>
-                <a:latin typeface="Times New Roman" panose="02020603050405020304" pitchFamily="18" charset="0"/>
-                <a:cs typeface="Times New Roman" panose="02020603050405020304" pitchFamily="18" charset="0"/>
-              </a:rPr>
-              <a:t> </a:t>
-            </a:r>
-            <a:r>
-              <a:rPr lang="pt-BR" sz="2000" dirty="0" err="1">
-                <a:solidFill>
-                  <a:schemeClr val="tx1"/>
-                </a:solidFill>
-                <a:latin typeface="Times New Roman" panose="02020603050405020304" pitchFamily="18" charset="0"/>
-                <a:cs typeface="Times New Roman" panose="02020603050405020304" pitchFamily="18" charset="0"/>
-              </a:rPr>
-              <a:t>Javam</a:t>
-            </a:r>
-            <a:r>
-              <a:rPr lang="pt-BR" sz="2000" dirty="0">
-                <a:solidFill>
-                  <a:schemeClr val="tx1"/>
-                </a:solidFill>
-                <a:latin typeface="Times New Roman" panose="02020603050405020304" pitchFamily="18" charset="0"/>
-                <a:cs typeface="Times New Roman" panose="02020603050405020304" pitchFamily="18" charset="0"/>
-              </a:rPr>
-              <a:t> C. Computação em nuvem: Conceitos, tecnologias, aplicações e desafios. II Escola Regional de Computação Ceará, Maranhão e Piauí (ERCEMAPI), p. 150-175, 2009.</a:t>
-            </a:r>
+              <a:rPr lang="pt-BR" sz="2400" b="1" dirty="0">
+                <a:latin typeface="Times" panose="02020603050405020304" pitchFamily="18" charset="0"/>
+                <a:cs typeface="Times" panose="02020603050405020304" pitchFamily="18" charset="0"/>
+              </a:rPr>
+              <a:t>Custo</a:t>
+            </a:r>
+          </a:p>
+          <a:p>
+            <a:pPr algn="just"/>
+            <a:r>
+              <a:rPr lang="pt-BR" sz="2400" dirty="0">
+                <a:latin typeface="Times" panose="02020603050405020304" pitchFamily="18" charset="0"/>
+                <a:cs typeface="Times" panose="02020603050405020304" pitchFamily="18" charset="0"/>
+                <a:hlinkClick r:id="rId3"/>
+              </a:rPr>
+              <a:t>https://azure.microsoft.com/pt-br/pricing/calculator/</a:t>
+            </a:r>
+            <a:endParaRPr lang="pt-BR" sz="2400" dirty="0">
+              <a:latin typeface="Times" panose="02020603050405020304" pitchFamily="18" charset="0"/>
+              <a:cs typeface="Times" panose="02020603050405020304" pitchFamily="18" charset="0"/>
+            </a:endParaRPr>
+          </a:p>
+          <a:p>
+            <a:pPr algn="just"/>
+            <a:r>
+              <a:rPr lang="pt-BR" sz="2400" dirty="0">
+                <a:latin typeface="Times" panose="02020603050405020304" pitchFamily="18" charset="0"/>
+                <a:cs typeface="Times" panose="02020603050405020304" pitchFamily="18" charset="0"/>
+                <a:hlinkClick r:id="rId4"/>
+              </a:rPr>
+              <a:t>https://azure.microsoft.com/pt-br/pricing/details/virtual-machines/windows/</a:t>
+            </a:r>
+            <a:endParaRPr lang="pt-BR" sz="2400" dirty="0">
+              <a:latin typeface="Times" panose="02020603050405020304" pitchFamily="18" charset="0"/>
+              <a:cs typeface="Times" panose="02020603050405020304" pitchFamily="18" charset="0"/>
+            </a:endParaRPr>
           </a:p>
           <a:p>
             <a:pPr marL="0" indent="0" algn="just">
               <a:buNone/>
             </a:pPr>
-            <a:endParaRPr lang="pt-BR" sz="2000" dirty="0">
-              <a:solidFill>
-                <a:schemeClr val="tx1"/>
-              </a:solidFill>
-              <a:latin typeface="Times New Roman" panose="02020603050405020304" pitchFamily="18" charset="0"/>
-              <a:cs typeface="Times New Roman" panose="02020603050405020304" pitchFamily="18" charset="0"/>
+            <a:r>
+              <a:rPr lang="pt-BR" sz="2400" dirty="0">
+                <a:latin typeface="Times" panose="02020603050405020304" pitchFamily="18" charset="0"/>
+                <a:cs typeface="Times" panose="02020603050405020304" pitchFamily="18" charset="0"/>
+              </a:rPr>
+              <a:t>     </a:t>
+            </a:r>
+          </a:p>
+          <a:p>
+            <a:pPr marL="0" indent="0" algn="just">
+              <a:buNone/>
+            </a:pPr>
+            <a:r>
+              <a:rPr lang="pt-BR" sz="2400" b="1" dirty="0">
+                <a:latin typeface="Times" panose="02020603050405020304" pitchFamily="18" charset="0"/>
+                <a:cs typeface="Times" panose="02020603050405020304" pitchFamily="18" charset="0"/>
+              </a:rPr>
+              <a:t>Alerta de Custo</a:t>
+            </a:r>
+          </a:p>
+          <a:p>
+            <a:pPr marL="0" indent="0" algn="just">
+              <a:buNone/>
+            </a:pPr>
+            <a:r>
+              <a:rPr lang="pt-BR" sz="2400" dirty="0">
+                <a:latin typeface="Times" panose="02020603050405020304" pitchFamily="18" charset="0"/>
+                <a:cs typeface="Times" panose="02020603050405020304" pitchFamily="18" charset="0"/>
+              </a:rPr>
+              <a:t> 			</a:t>
+            </a:r>
+            <a:r>
+              <a:rPr lang="pt-BR" sz="2400" dirty="0">
+                <a:latin typeface="Times" panose="02020603050405020304" pitchFamily="18" charset="0"/>
+                <a:cs typeface="Times" panose="02020603050405020304" pitchFamily="18" charset="0"/>
+                <a:hlinkClick r:id="rId5"/>
+              </a:rPr>
+              <a:t>https://youtu.be/UrkHiUx19Po</a:t>
+            </a:r>
+            <a:endParaRPr lang="pt-BR" sz="2400" dirty="0">
+              <a:latin typeface="Times" panose="02020603050405020304" pitchFamily="18" charset="0"/>
+              <a:cs typeface="Times" panose="02020603050405020304" pitchFamily="18" charset="0"/>
             </a:endParaRPr>
           </a:p>
           <a:p>
             <a:pPr marL="0" indent="0" algn="just">
               <a:buNone/>
-              <a:tabLst>
-                <a:tab pos="457200" algn="l"/>
-              </a:tabLst>
             </a:pPr>
-            <a:r>
-              <a:rPr lang="pt-BR" sz="2000" dirty="0">
-                <a:solidFill>
-                  <a:schemeClr val="tx1"/>
-                </a:solidFill>
-                <a:latin typeface="Times New Roman" panose="02020603050405020304" pitchFamily="18" charset="0"/>
-                <a:cs typeface="Times New Roman" panose="02020603050405020304" pitchFamily="18" charset="0"/>
-              </a:rPr>
-              <a:t>[2] </a:t>
-            </a:r>
-            <a:r>
-              <a:rPr lang="pt-BR" sz="2000" b="1" dirty="0">
-                <a:solidFill>
-                  <a:srgbClr val="FF0000"/>
-                </a:solidFill>
-                <a:latin typeface="Times New Roman" panose="02020603050405020304" pitchFamily="18" charset="0"/>
-                <a:cs typeface="Times New Roman" panose="02020603050405020304" pitchFamily="18" charset="0"/>
-              </a:rPr>
-              <a:t>TAURION, Cezar.</a:t>
-            </a:r>
-            <a:r>
-              <a:rPr lang="pt-BR" sz="2000" dirty="0">
-                <a:solidFill>
-                  <a:schemeClr val="tx1"/>
-                </a:solidFill>
-                <a:latin typeface="Times New Roman" panose="02020603050405020304" pitchFamily="18" charset="0"/>
-                <a:cs typeface="Times New Roman" panose="02020603050405020304" pitchFamily="18" charset="0"/>
-              </a:rPr>
-              <a:t> Cloud </a:t>
-            </a:r>
-            <a:r>
-              <a:rPr lang="pt-BR" sz="2000" dirty="0" err="1">
-                <a:solidFill>
-                  <a:schemeClr val="tx1"/>
-                </a:solidFill>
-                <a:latin typeface="Times New Roman" panose="02020603050405020304" pitchFamily="18" charset="0"/>
-                <a:cs typeface="Times New Roman" panose="02020603050405020304" pitchFamily="18" charset="0"/>
-              </a:rPr>
-              <a:t>computing</a:t>
-            </a:r>
-            <a:r>
-              <a:rPr lang="pt-BR" sz="2000" dirty="0">
-                <a:solidFill>
-                  <a:schemeClr val="tx1"/>
-                </a:solidFill>
-                <a:latin typeface="Times New Roman" panose="02020603050405020304" pitchFamily="18" charset="0"/>
-                <a:cs typeface="Times New Roman" panose="02020603050405020304" pitchFamily="18" charset="0"/>
-              </a:rPr>
-              <a:t>-computação em nuvem. </a:t>
-            </a:r>
-            <a:r>
-              <a:rPr lang="pt-BR" sz="2000" dirty="0" err="1">
-                <a:solidFill>
-                  <a:schemeClr val="tx1"/>
-                </a:solidFill>
-                <a:latin typeface="Times New Roman" panose="02020603050405020304" pitchFamily="18" charset="0"/>
-                <a:cs typeface="Times New Roman" panose="02020603050405020304" pitchFamily="18" charset="0"/>
-              </a:rPr>
-              <a:t>Brasport</a:t>
-            </a:r>
-            <a:r>
-              <a:rPr lang="pt-BR" sz="2000" dirty="0">
-                <a:solidFill>
-                  <a:schemeClr val="tx1"/>
-                </a:solidFill>
-                <a:latin typeface="Times New Roman" panose="02020603050405020304" pitchFamily="18" charset="0"/>
-                <a:cs typeface="Times New Roman" panose="02020603050405020304" pitchFamily="18" charset="0"/>
-              </a:rPr>
-              <a:t>, 2009.</a:t>
-            </a:r>
-          </a:p>
-          <a:p>
-            <a:pPr marL="0" indent="0" algn="just">
-              <a:buNone/>
-              <a:tabLst>
-                <a:tab pos="457200" algn="l"/>
-              </a:tabLst>
-            </a:pPr>
-            <a:endParaRPr lang="pt-BR" sz="2000" dirty="0">
-              <a:solidFill>
-                <a:schemeClr val="tx1"/>
-              </a:solidFill>
-              <a:latin typeface="Times New Roman" panose="02020603050405020304" pitchFamily="18" charset="0"/>
-              <a:cs typeface="Times New Roman" panose="02020603050405020304" pitchFamily="18" charset="0"/>
-            </a:endParaRPr>
-          </a:p>
-          <a:p>
-            <a:pPr marL="0" indent="0" algn="just">
-              <a:buNone/>
-              <a:tabLst>
-                <a:tab pos="457200" algn="l"/>
-              </a:tabLst>
-            </a:pPr>
-            <a:r>
-              <a:rPr lang="pt-BR" sz="2000" dirty="0">
-                <a:solidFill>
-                  <a:schemeClr val="tx1"/>
-                </a:solidFill>
-                <a:latin typeface="Times New Roman" panose="02020603050405020304" pitchFamily="18" charset="0"/>
-                <a:cs typeface="Times New Roman" panose="02020603050405020304" pitchFamily="18" charset="0"/>
-              </a:rPr>
-              <a:t>[3] </a:t>
-            </a:r>
-            <a:r>
-              <a:rPr lang="pt-BR" sz="2000" b="1" dirty="0">
-                <a:solidFill>
-                  <a:srgbClr val="FF0000"/>
-                </a:solidFill>
-                <a:latin typeface="Times New Roman" panose="02020603050405020304" pitchFamily="18" charset="0"/>
-                <a:cs typeface="Times New Roman" panose="02020603050405020304" pitchFamily="18" charset="0"/>
-              </a:rPr>
-              <a:t>BATISTA, Bruno Guazzelli.</a:t>
-            </a:r>
-            <a:r>
-              <a:rPr lang="pt-BR" sz="2000" dirty="0">
-                <a:solidFill>
-                  <a:schemeClr val="tx1"/>
-                </a:solidFill>
-                <a:latin typeface="Times New Roman" panose="02020603050405020304" pitchFamily="18" charset="0"/>
-                <a:cs typeface="Times New Roman" panose="02020603050405020304" pitchFamily="18" charset="0"/>
-              </a:rPr>
-              <a:t> Modelos de negócio para ambientes de computação em nuvem que consideram atributos de </a:t>
-            </a:r>
-            <a:r>
-              <a:rPr lang="pt-BR" sz="2000" dirty="0" err="1">
-                <a:solidFill>
-                  <a:schemeClr val="tx1"/>
-                </a:solidFill>
-                <a:latin typeface="Times New Roman" panose="02020603050405020304" pitchFamily="18" charset="0"/>
-                <a:cs typeface="Times New Roman" panose="02020603050405020304" pitchFamily="18" charset="0"/>
-              </a:rPr>
-              <a:t>qos</a:t>
-            </a:r>
-            <a:r>
-              <a:rPr lang="pt-BR" sz="2000" dirty="0">
-                <a:solidFill>
-                  <a:schemeClr val="tx1"/>
-                </a:solidFill>
-                <a:latin typeface="Times New Roman" panose="02020603050405020304" pitchFamily="18" charset="0"/>
-                <a:cs typeface="Times New Roman" panose="02020603050405020304" pitchFamily="18" charset="0"/>
-              </a:rPr>
-              <a:t> relacionados a desempenho e a segurança. 2016. Tese de Doutorado. Universidade de São Paulo.</a:t>
-            </a:r>
-          </a:p>
-          <a:p>
-            <a:pPr marL="0" indent="0" algn="just">
-              <a:buNone/>
-              <a:tabLst>
-                <a:tab pos="457200" algn="l"/>
-              </a:tabLst>
-            </a:pPr>
-            <a:endParaRPr lang="pt-BR" sz="2000" dirty="0">
-              <a:solidFill>
-                <a:schemeClr val="tx1"/>
-              </a:solidFill>
-              <a:latin typeface="Times New Roman" panose="02020603050405020304" pitchFamily="18" charset="0"/>
-              <a:cs typeface="Times New Roman" panose="02020603050405020304" pitchFamily="18" charset="0"/>
+            <a:endParaRPr lang="pt-BR" sz="2400" dirty="0">
+              <a:latin typeface="Times" panose="02020603050405020304" pitchFamily="18" charset="0"/>
+              <a:cs typeface="Times" panose="02020603050405020304" pitchFamily="18" charset="0"/>
             </a:endParaRPr>
           </a:p>
         </p:txBody>
@@ -6283,7 +10703,7 @@
     </p:spTree>
     <p:extLst>
       <p:ext uri="{BB962C8B-B14F-4D97-AF65-F5344CB8AC3E}">
-        <p14:creationId xmlns:p14="http://schemas.microsoft.com/office/powerpoint/2010/main" val="1115311843"/>
+        <p14:creationId xmlns:p14="http://schemas.microsoft.com/office/powerpoint/2010/main" val="1425586316"/>
       </p:ext>
     </p:extLst>
   </p:cSld>

--- a/01 Classes/Aula 05 - Computação em Nuvem e Web Services em Linux Bilhetagem.pptx
+++ b/01 Classes/Aula 05 - Computação em Nuvem e Web Services em Linux Bilhetagem.pptx
@@ -6809,21 +6809,21 @@
               <a:buNone/>
             </a:pPr>
             <a:r>
-              <a:rPr lang="pt-BR" sz="2400" dirty="0">
+              <a:rPr lang="pt-BR" sz="2000" dirty="0">
                 <a:solidFill>
                   <a:schemeClr val="tx1"/>
                 </a:solidFill>
                 <a:latin typeface="Times" panose="02020603050405020304" pitchFamily="18" charset="0"/>
                 <a:cs typeface="Times" panose="02020603050405020304" pitchFamily="18" charset="0"/>
               </a:rPr>
-              <a:t>Os Contratos de Nível de Serviço (SLA) descrevem os compromissos da Microsoft para tempo de atividade e conectividade para Microsoft Online Services. </a:t>
+              <a:t>Os Contratos de Nível de Serviço (SLA) descrevem os compromissos da Microsoft para tempo de atividade e conectividade para Microsoft Online Services.</a:t>
             </a:r>
           </a:p>
           <a:p>
             <a:pPr marL="0" indent="0" algn="just">
               <a:buNone/>
             </a:pPr>
-            <a:endParaRPr lang="pt-BR" sz="2400" dirty="0">
+            <a:endParaRPr lang="pt-BR" sz="2000" dirty="0">
               <a:solidFill>
                 <a:schemeClr val="tx1"/>
               </a:solidFill>
@@ -6836,7 +6836,7 @@
               <a:buNone/>
             </a:pPr>
             <a:r>
-              <a:rPr lang="pt-BR" sz="2400" dirty="0">
+              <a:rPr lang="pt-BR" sz="2000" dirty="0">
                 <a:solidFill>
                   <a:schemeClr val="tx1"/>
                 </a:solidFill>
@@ -6846,7 +6846,7 @@
               <a:t>As edições atuais e arquivadas do SLA estão disponíveis para download e abrangem Azure, Dynamics 365, Office 365 e </a:t>
             </a:r>
             <a:r>
-              <a:rPr lang="pt-BR" sz="2400" dirty="0" err="1">
+              <a:rPr lang="pt-BR" sz="2000" dirty="0" err="1">
                 <a:solidFill>
                   <a:schemeClr val="tx1"/>
                 </a:solidFill>
@@ -6856,7 +6856,7 @@
               <a:t>Intune</a:t>
             </a:r>
             <a:r>
-              <a:rPr lang="pt-BR" sz="2400" dirty="0">
+              <a:rPr lang="pt-BR" sz="2000" dirty="0">
                 <a:solidFill>
                   <a:schemeClr val="tx1"/>
                 </a:solidFill>
@@ -6870,7 +6870,31 @@
             <a:pPr marL="0" indent="0" algn="just">
               <a:buNone/>
             </a:pPr>
-            <a:endParaRPr lang="pt-BR" sz="2400" dirty="0">
+            <a:endParaRPr lang="pt-BR" sz="2000" dirty="0">
+              <a:solidFill>
+                <a:schemeClr val="tx1"/>
+              </a:solidFill>
+              <a:latin typeface="Times" panose="02020603050405020304" pitchFamily="18" charset="0"/>
+              <a:cs typeface="Times" panose="02020603050405020304" pitchFamily="18" charset="0"/>
+              <a:hlinkClick r:id="rId3"/>
+            </a:endParaRPr>
+          </a:p>
+          <a:p>
+            <a:pPr marL="0" indent="0" algn="just">
+              <a:buNone/>
+            </a:pPr>
+            <a:r>
+              <a:rPr lang="pt-BR" sz="2000" dirty="0">
+                <a:solidFill>
+                  <a:schemeClr val="tx1"/>
+                </a:solidFill>
+                <a:latin typeface="Times" panose="02020603050405020304" pitchFamily="18" charset="0"/>
+                <a:cs typeface="Times" panose="02020603050405020304" pitchFamily="18" charset="0"/>
+                <a:hlinkClick r:id="rId3"/>
+              </a:rPr>
+              <a:t>https://learn.microsoft.com/pt-br/training/modules/choose-azure-services-sla-lifecycle/</a:t>
+            </a:r>
+            <a:endParaRPr lang="pt-BR" sz="2000" dirty="0">
               <a:solidFill>
                 <a:schemeClr val="tx1"/>
               </a:solidFill>
@@ -6882,18 +6906,42 @@
             <a:pPr marL="0" indent="0" algn="just">
               <a:buNone/>
             </a:pPr>
-            <a:r>
-              <a:rPr lang="pt-BR" sz="2400" dirty="0">
+            <a:endParaRPr lang="pt-BR" sz="2000">
+              <a:solidFill>
+                <a:schemeClr val="tx1"/>
+              </a:solidFill>
+              <a:latin typeface="Times" panose="02020603050405020304" pitchFamily="18" charset="0"/>
+              <a:cs typeface="Times" panose="02020603050405020304" pitchFamily="18" charset="0"/>
+              <a:hlinkClick r:id="rId4"/>
+            </a:endParaRPr>
+          </a:p>
+          <a:p>
+            <a:pPr marL="0" indent="0" algn="just">
+              <a:buNone/>
+            </a:pPr>
+            <a:r>
+              <a:rPr lang="pt-BR" sz="2000">
                 <a:solidFill>
                   <a:schemeClr val="tx1"/>
                 </a:solidFill>
                 <a:latin typeface="Times" panose="02020603050405020304" pitchFamily="18" charset="0"/>
                 <a:cs typeface="Times" panose="02020603050405020304" pitchFamily="18" charset="0"/>
-                <a:hlinkClick r:id="rId3"/>
-              </a:rPr>
-              <a:t>https://learn.microsoft.com/pt-br/training/modules/choose-azure-services-sla-lifecycle/</a:t>
-            </a:r>
-            <a:endParaRPr lang="pt-BR" sz="2400" dirty="0">
+                <a:hlinkClick r:id="rId4"/>
+              </a:rPr>
+              <a:t>https</a:t>
+            </a:r>
+            <a:r>
+              <a:rPr lang="pt-BR" sz="2000" dirty="0">
+                <a:solidFill>
+                  <a:schemeClr val="tx1"/>
+                </a:solidFill>
+                <a:latin typeface="Times" panose="02020603050405020304" pitchFamily="18" charset="0"/>
+                <a:cs typeface="Times" panose="02020603050405020304" pitchFamily="18" charset="0"/>
+                <a:hlinkClick r:id="rId4"/>
+              </a:rPr>
+              <a:t>://azure.microsoft.com/pt-br/pricing/details/virtual-machines/windows/#pricing</a:t>
+            </a:r>
+            <a:endParaRPr lang="pt-BR" sz="2000" dirty="0">
               <a:solidFill>
                 <a:schemeClr val="tx1"/>
               </a:solidFill>
@@ -8204,8 +8252,58 @@
                 <a:latin typeface="Times New Roman" panose="02020603050405020304" pitchFamily="18" charset="0"/>
                 <a:cs typeface="Times New Roman" panose="02020603050405020304" pitchFamily="18" charset="0"/>
               </a:rPr>
-              <a:t>e através de uma IDE ou aplicação acessar os dados do BD;</a:t>
-            </a:r>
+              <a:t>e através de uma IDE ou aplicação acessar os dados do BD; </a:t>
+            </a:r>
+            <a:r>
+              <a:rPr lang="pt-BR" sz="2000" dirty="0">
+                <a:latin typeface="Times New Roman" panose="02020603050405020304" pitchFamily="18" charset="0"/>
+                <a:cs typeface="Times New Roman" panose="02020603050405020304" pitchFamily="18" charset="0"/>
+                <a:hlinkClick r:id="rId3"/>
+              </a:rPr>
+              <a:t>https://www.mongodb.com/</a:t>
+            </a:r>
+            <a:endParaRPr lang="pt-BR" sz="2000" dirty="0">
+              <a:latin typeface="Times New Roman" panose="02020603050405020304" pitchFamily="18" charset="0"/>
+              <a:cs typeface="Times New Roman" panose="02020603050405020304" pitchFamily="18" charset="0"/>
+            </a:endParaRPr>
+          </a:p>
+          <a:p>
+            <a:pPr marL="0" indent="0" algn="just">
+              <a:buNone/>
+            </a:pPr>
+            <a:r>
+              <a:rPr lang="pt-BR" sz="2000" dirty="0">
+                <a:latin typeface="Times New Roman" panose="02020603050405020304" pitchFamily="18" charset="0"/>
+                <a:cs typeface="Times New Roman" panose="02020603050405020304" pitchFamily="18" charset="0"/>
+              </a:rPr>
+              <a:t>     </a:t>
+            </a:r>
+            <a:r>
+              <a:rPr lang="pt-BR" sz="2000" b="1" dirty="0">
+                <a:latin typeface="Times New Roman" panose="02020603050405020304" pitchFamily="18" charset="0"/>
+                <a:cs typeface="Times New Roman" panose="02020603050405020304" pitchFamily="18" charset="0"/>
+              </a:rPr>
+              <a:t>IDE</a:t>
+            </a:r>
+            <a:r>
+              <a:rPr lang="pt-BR" sz="2000" dirty="0">
+                <a:latin typeface="Times New Roman" panose="02020603050405020304" pitchFamily="18" charset="0"/>
+                <a:cs typeface="Times New Roman" panose="02020603050405020304" pitchFamily="18" charset="0"/>
+              </a:rPr>
+              <a:t>: </a:t>
+            </a:r>
+            <a:r>
+              <a:rPr lang="pt-BR" sz="2000" dirty="0">
+                <a:latin typeface="Times New Roman" panose="02020603050405020304" pitchFamily="18" charset="0"/>
+                <a:cs typeface="Times New Roman" panose="02020603050405020304" pitchFamily="18" charset="0"/>
+                <a:hlinkClick r:id="rId4"/>
+              </a:rPr>
+              <a:t>https://jhonathanribeiro.netlify.app/conhe%C3%A7a-4-ferramentas-gratuitas-para-gerenciar-o-mongodb/</a:t>
+            </a:r>
+            <a:endParaRPr lang="pt-BR" sz="2000" dirty="0">
+              <a:latin typeface="Times New Roman" panose="02020603050405020304" pitchFamily="18" charset="0"/>
+              <a:cs typeface="Times New Roman" panose="02020603050405020304" pitchFamily="18" charset="0"/>
+            </a:endParaRPr>
           </a:p>
           <a:p>
             <a:pPr algn="just">
@@ -8310,6 +8408,9 @@
             </a:pPr>
             <a:r>
               <a:rPr lang="pt-BR" sz="2000" b="1" dirty="0">
+                <a:solidFill>
+                  <a:srgbClr val="FF0000"/>
+                </a:solidFill>
                 <a:latin typeface="Calibri" panose="020F0502020204030204" pitchFamily="34" charset="0"/>
               </a:rPr>
               <a:t>Nota</a:t>
@@ -8318,18 +8419,14 @@
               <a:rPr lang="pt-BR" sz="2000" dirty="0">
                 <a:latin typeface="Calibri" panose="020F0502020204030204" pitchFamily="34" charset="0"/>
               </a:rPr>
-              <a:t>: </a:t>
-            </a:r>
-          </a:p>
-          <a:p>
-            <a:pPr marL="0" indent="0" algn="just">
-              <a:buNone/>
-            </a:pPr>
-            <a:endParaRPr lang="pt-BR" sz="1800" dirty="0">
-              <a:latin typeface="Times New Roman" panose="02020603050405020304" pitchFamily="18" charset="0"/>
-              <a:cs typeface="Times New Roman" panose="02020603050405020304" pitchFamily="18" charset="0"/>
-              <a:hlinkClick r:id="rId3"/>
-            </a:endParaRPr>
+              <a:t>: Material para </a:t>
+            </a:r>
+            <a:r>
+              <a:rPr lang="pt-BR" sz="2000" b="1" dirty="0">
+                <a:latin typeface="Calibri" panose="020F0502020204030204" pitchFamily="34" charset="0"/>
+              </a:rPr>
+              <a:t>Podcast</a:t>
+            </a:r>
           </a:p>
           <a:p>
             <a:pPr marL="0" indent="0" algn="just">
@@ -8339,7 +8436,7 @@
               <a:rPr lang="pt-BR" sz="1800" dirty="0">
                 <a:latin typeface="Times New Roman" panose="02020603050405020304" pitchFamily="18" charset="0"/>
                 <a:cs typeface="Times New Roman" panose="02020603050405020304" pitchFamily="18" charset="0"/>
-                <a:hlinkClick r:id="rId3"/>
+                <a:hlinkClick r:id="rId5"/>
               </a:rPr>
               <a:t>https://resultadosdigitais.com.br/marketing/como-criar-um-podcast/#:~:text=Para%20criar%20um%20podcast%20%C3%A9,podcast%20e%20plataformas%20de%20streaming</a:t>
             </a:r>
@@ -9513,7 +9610,7 @@
                 <a:latin typeface="Times New Roman" panose="02020603050405020304" pitchFamily="18" charset="0"/>
                 <a:cs typeface="Times New Roman" panose="02020603050405020304" pitchFamily="18" charset="0"/>
               </a:rPr>
-              <a:t> ou até mesmo recursos de aplicação, com exceção a configurações de usuário específicas e limitadas;</a:t>
+              <a:t> ou até mesmo recursos de aplicação, com exceção das configurações de usuário específicas e limitadas;</a:t>
             </a:r>
           </a:p>
         </p:txBody>
